--- a/Reports/Group_Presentation.pptx
+++ b/Reports/Group_Presentation.pptx
@@ -224,6 +224,7 @@
           <a:p>
             <a:fld id="{5E48D3C5-3406-4D13-A39D-9C25EBE866D4}" type="datetimeFigureOut">
               <a:rPr lang="en-US" smtClean="0"/>
+              <a:pPr/>
               <a:t>3/23/2009</a:t>
             </a:fld>
             <a:endParaRPr lang="en-US"/>
@@ -385,6 +386,7 @@
           <a:p>
             <a:fld id="{4E0C2A03-0920-42FC-B5D1-E7BB039DB9D0}" type="slidenum">
               <a:rPr lang="en-US" smtClean="0"/>
+              <a:pPr/>
               <a:t>‹#›</a:t>
             </a:fld>
             <a:endParaRPr lang="en-US"/>
@@ -3589,6 +3591,30 @@
           <a:chExt cx="0" cy="0"/>
         </a:xfrm>
       </p:grpSpPr>
+      <p:pic>
+        <p:nvPicPr>
+          <p:cNvPr id="11" name="Picture 10" descr="unwrap coords.png"/>
+          <p:cNvPicPr>
+            <a:picLocks noChangeAspect="1"/>
+          </p:cNvPicPr>
+          <p:nvPr/>
+        </p:nvPicPr>
+        <p:blipFill>
+          <a:blip r:embed="rId2"/>
+          <a:stretch>
+            <a:fillRect/>
+          </a:stretch>
+        </p:blipFill>
+        <p:spPr>
+          <a:xfrm>
+            <a:off x="4724400" y="1143000"/>
+            <a:ext cx="3922987" cy="2451867"/>
+          </a:xfrm>
+          <a:prstGeom prst="rect">
+            <a:avLst/>
+          </a:prstGeom>
+        </p:spPr>
+      </p:pic>
       <p:sp>
         <p:nvSpPr>
           <p:cNvPr id="2" name="Title 1"/>
@@ -3622,9 +3648,16 @@
             <p:ph idx="1"/>
           </p:nvPr>
         </p:nvSpPr>
-        <p:spPr/>
-        <p:txBody>
-          <a:bodyPr/>
+        <p:spPr>
+          <a:xfrm>
+            <a:off x="457200" y="1600200"/>
+            <a:ext cx="8229600" cy="4770537"/>
+          </a:xfrm>
+        </p:spPr>
+        <p:txBody>
+          <a:bodyPr>
+            <a:spAutoFit/>
+          </a:bodyPr>
           <a:lstStyle/>
           <a:p>
             <a:r>
@@ -3636,21 +3669,77 @@
             <a:pPr lvl="1"/>
             <a:r>
               <a:rPr lang="is-IS" dirty="0" smtClean="0"/>
-              <a:t>Iris bound by two unconcentric circles</a:t>
+              <a:t>Iris bound by two </a:t>
+            </a:r>
+            <a:r>
+              <a:rPr lang="is-IS" dirty="0" smtClean="0"/>
+              <a:t/>
+            </a:r>
+            <a:br>
+              <a:rPr lang="is-IS" dirty="0" smtClean="0"/>
+            </a:br>
+            <a:r>
+              <a:rPr lang="is-IS" dirty="0" smtClean="0"/>
+              <a:t>nonconcentric </a:t>
+            </a:r>
+            <a:r>
+              <a:rPr lang="is-IS" dirty="0" smtClean="0"/>
+              <a:t>circles</a:t>
             </a:r>
           </a:p>
           <a:p>
             <a:pPr lvl="1"/>
             <a:r>
               <a:rPr lang="is-IS" dirty="0" smtClean="0"/>
-              <a:t>The human iris is not static (can be thought of like a rubber sheet)</a:t>
-            </a:r>
-          </a:p>
-          <a:p>
+              <a:t>The human iris is not </a:t>
+            </a:r>
             <a:r>
               <a:rPr lang="is-IS" dirty="0" smtClean="0"/>
-              <a:t>The solution:</a:t>
-            </a:r>
+              <a:t/>
+            </a:r>
+            <a:br>
+              <a:rPr lang="is-IS" dirty="0" smtClean="0"/>
+            </a:br>
+            <a:r>
+              <a:rPr lang="is-IS" dirty="0" smtClean="0"/>
+              <a:t>static </a:t>
+            </a:r>
+            <a:r>
+              <a:rPr lang="is-IS" dirty="0" smtClean="0"/>
+              <a:t>(can be thought </a:t>
+            </a:r>
+            <a:r>
+              <a:rPr lang="is-IS" dirty="0" smtClean="0"/>
+              <a:t>of </a:t>
+            </a:r>
+            <a:r>
+              <a:rPr lang="is-IS" dirty="0" smtClean="0"/>
+              <a:t>like a rubber sheet)</a:t>
+            </a:r>
+          </a:p>
+          <a:p>
+            <a:r>
+              <a:rPr lang="is-IS" dirty="0" smtClean="0"/>
+              <a:t>The </a:t>
+            </a:r>
+            <a:r>
+              <a:rPr lang="is-IS" dirty="0" smtClean="0"/>
+              <a:t>solution:</a:t>
+            </a:r>
+          </a:p>
+          <a:p>
+            <a:endParaRPr lang="is-IS" dirty="0" smtClean="0"/>
+          </a:p>
+          <a:p>
+            <a:endParaRPr lang="is-IS" dirty="0" smtClean="0"/>
+          </a:p>
+          <a:p>
+            <a:pPr lvl="1"/>
+            <a:r>
+              <a:rPr lang="is-IS" dirty="0" smtClean="0"/>
+              <a:t>Similar to warping from Polar to Cartesian</a:t>
+            </a:r>
+            <a:endParaRPr lang="is-IS" dirty="0" smtClean="0"/>
           </a:p>
         </p:txBody>
       </p:sp>
@@ -3695,81 +3784,6 @@
       <p:pic>
         <p:nvPicPr>
           <p:cNvPr id="5121" name="Picture 1"/>
-          <p:cNvPicPr>
-            <a:picLocks noChangeAspect="1" noChangeArrowheads="1"/>
-          </p:cNvPicPr>
-          <p:nvPr/>
-        </p:nvPicPr>
-        <p:blipFill>
-          <a:blip r:embed="rId2">
-            <a:clrChange>
-              <a:clrFrom>
-                <a:srgbClr val="FFFFFF"/>
-              </a:clrFrom>
-              <a:clrTo>
-                <a:srgbClr val="FFFFFF">
-                  <a:alpha val="0"/>
-                </a:srgbClr>
-              </a:clrTo>
-            </a:clrChange>
-          </a:blip>
-          <a:srcRect/>
-          <a:stretch>
-            <a:fillRect/>
-          </a:stretch>
-        </p:blipFill>
-        <p:spPr bwMode="auto">
-          <a:xfrm>
-            <a:off x="1285852" y="4357694"/>
-            <a:ext cx="4835460" cy="428628"/>
-          </a:xfrm>
-          <a:prstGeom prst="rect">
-            <a:avLst/>
-          </a:prstGeom>
-          <a:noFill/>
-        </p:spPr>
-      </p:pic>
-      <p:sp>
-        <p:nvSpPr>
-          <p:cNvPr id="5124" name="Rectangle 4"/>
-          <p:cNvSpPr>
-            <a:spLocks noChangeArrowheads="1"/>
-          </p:cNvSpPr>
-          <p:nvPr/>
-        </p:nvSpPr>
-        <p:spPr bwMode="auto">
-          <a:xfrm>
-            <a:off x="0" y="0"/>
-            <a:ext cx="9144000" cy="0"/>
-          </a:xfrm>
-          <a:prstGeom prst="rect">
-            <a:avLst/>
-          </a:prstGeom>
-          <a:noFill/>
-          <a:ln w="9525">
-            <a:noFill/>
-            <a:miter lim="800000"/>
-            <a:headEnd/>
-            <a:tailEnd/>
-          </a:ln>
-          <a:effectLst/>
-        </p:spPr>
-        <p:txBody>
-          <a:bodyPr vert="horz" wrap="none" lIns="91440" tIns="45720" rIns="91440" bIns="45720" numCol="1" anchor="ctr" anchorCtr="0" compatLnSpc="1">
-            <a:prstTxWarp prst="textNoShape">
-              <a:avLst/>
-            </a:prstTxWarp>
-            <a:spAutoFit/>
-          </a:bodyPr>
-          <a:lstStyle/>
-          <a:p>
-            <a:endParaRPr lang="is-IS"/>
-          </a:p>
-        </p:txBody>
-      </p:sp>
-      <p:pic>
-        <p:nvPicPr>
-          <p:cNvPr id="5123" name="Picture 3"/>
           <p:cNvPicPr>
             <a:picLocks noChangeAspect="1" noChangeArrowheads="1"/>
           </p:cNvPicPr>
@@ -3795,7 +3809,82 @@
         </p:blipFill>
         <p:spPr bwMode="auto">
           <a:xfrm>
-            <a:off x="1285852" y="4857760"/>
+            <a:off x="1285852" y="4786306"/>
+            <a:ext cx="4835460" cy="428628"/>
+          </a:xfrm>
+          <a:prstGeom prst="rect">
+            <a:avLst/>
+          </a:prstGeom>
+          <a:noFill/>
+        </p:spPr>
+      </p:pic>
+      <p:sp>
+        <p:nvSpPr>
+          <p:cNvPr id="5124" name="Rectangle 4"/>
+          <p:cNvSpPr>
+            <a:spLocks noChangeArrowheads="1"/>
+          </p:cNvSpPr>
+          <p:nvPr/>
+        </p:nvSpPr>
+        <p:spPr bwMode="auto">
+          <a:xfrm>
+            <a:off x="0" y="0"/>
+            <a:ext cx="9144000" cy="0"/>
+          </a:xfrm>
+          <a:prstGeom prst="rect">
+            <a:avLst/>
+          </a:prstGeom>
+          <a:noFill/>
+          <a:ln w="9525">
+            <a:noFill/>
+            <a:miter lim="800000"/>
+            <a:headEnd/>
+            <a:tailEnd/>
+          </a:ln>
+          <a:effectLst/>
+        </p:spPr>
+        <p:txBody>
+          <a:bodyPr vert="horz" wrap="none" lIns="91440" tIns="45720" rIns="91440" bIns="45720" numCol="1" anchor="ctr" anchorCtr="0" compatLnSpc="1">
+            <a:prstTxWarp prst="textNoShape">
+              <a:avLst/>
+            </a:prstTxWarp>
+            <a:spAutoFit/>
+          </a:bodyPr>
+          <a:lstStyle/>
+          <a:p>
+            <a:endParaRPr lang="is-IS"/>
+          </a:p>
+        </p:txBody>
+      </p:sp>
+      <p:pic>
+        <p:nvPicPr>
+          <p:cNvPr id="5123" name="Picture 3"/>
+          <p:cNvPicPr>
+            <a:picLocks noChangeAspect="1" noChangeArrowheads="1"/>
+          </p:cNvPicPr>
+          <p:nvPr/>
+        </p:nvPicPr>
+        <p:blipFill>
+          <a:blip r:embed="rId4">
+            <a:clrChange>
+              <a:clrFrom>
+                <a:srgbClr val="FFFFFF"/>
+              </a:clrFrom>
+              <a:clrTo>
+                <a:srgbClr val="FFFFFF">
+                  <a:alpha val="0"/>
+                </a:srgbClr>
+              </a:clrTo>
+            </a:clrChange>
+          </a:blip>
+          <a:srcRect/>
+          <a:stretch>
+            <a:fillRect/>
+          </a:stretch>
+        </p:blipFill>
+        <p:spPr bwMode="auto">
+          <a:xfrm>
+            <a:off x="1285852" y="5286372"/>
             <a:ext cx="4781881" cy="428628"/>
           </a:xfrm>
           <a:prstGeom prst="rect">
@@ -4037,35 +4126,27 @@
       </p:grpSpPr>
       <p:pic>
         <p:nvPicPr>
-          <p:cNvPr id="3075" name="Picture 3"/>
+          <p:cNvPr id="7" name="Picture 6" descr="gaborWavelet01.png"/>
           <p:cNvPicPr>
-            <a:picLocks noChangeAspect="1" noChangeArrowheads="1"/>
+            <a:picLocks noChangeAspect="1"/>
           </p:cNvPicPr>
           <p:nvPr/>
         </p:nvPicPr>
         <p:blipFill>
           <a:blip r:embed="rId2"/>
-          <a:srcRect/>
+          <a:srcRect r="9756"/>
           <a:stretch>
             <a:fillRect/>
           </a:stretch>
         </p:blipFill>
-        <p:spPr bwMode="auto">
+        <p:spPr>
           <a:xfrm>
-            <a:off x="3823463" y="1500174"/>
-            <a:ext cx="5106255" cy="3786214"/>
+            <a:off x="3352800" y="1295400"/>
+            <a:ext cx="5638800" cy="4686300"/>
           </a:xfrm>
           <a:prstGeom prst="rect">
             <a:avLst/>
           </a:prstGeom>
-          <a:noFill/>
-          <a:ln w="9525">
-            <a:noFill/>
-            <a:miter lim="800000"/>
-            <a:headEnd/>
-            <a:tailEnd/>
-          </a:ln>
-          <a:effectLst/>
         </p:spPr>
       </p:pic>
       <p:sp>
@@ -4312,7 +4393,15 @@
             </a:pPr>
             <a:r>
               <a:rPr lang="is-IS" dirty="0" smtClean="0"/>
-              <a:t>Convolve wavelet with an unwrapped image</a:t>
+              <a:t>Convolve wavelet with </a:t>
+            </a:r>
+            <a:r>
+              <a:rPr lang="is-IS" dirty="0" smtClean="0"/>
+              <a:t>unwrapped </a:t>
+            </a:r>
+            <a:r>
+              <a:rPr lang="is-IS" dirty="0" smtClean="0"/>
+              <a:t>image</a:t>
             </a:r>
           </a:p>
           <a:p>
@@ -7806,34 +7895,136 @@
           </a:p>
         </p:txBody>
       </p:sp>
+      <p:sp>
+        <p:nvSpPr>
+          <p:cNvPr id="10" name="TextBox 9"/>
+          <p:cNvSpPr txBox="1"/>
+          <p:nvPr/>
+        </p:nvSpPr>
+        <p:spPr>
+          <a:xfrm>
+            <a:off x="642910" y="1630908"/>
+            <a:ext cx="2834622" cy="461665"/>
+          </a:xfrm>
+          <a:prstGeom prst="rect">
+            <a:avLst/>
+          </a:prstGeom>
+          <a:noFill/>
+        </p:spPr>
+        <p:txBody>
+          <a:bodyPr wrap="none" rtlCol="0">
+            <a:spAutoFit/>
+          </a:bodyPr>
+          <a:lstStyle/>
+          <a:p>
+            <a:r>
+              <a:rPr lang="is-IS" sz="2400" dirty="0" smtClean="0"/>
+              <a:t>We want to turn this:</a:t>
+            </a:r>
+            <a:endParaRPr lang="is-IS" sz="2400" dirty="0"/>
+          </a:p>
+        </p:txBody>
+      </p:sp>
+      <p:sp>
+        <p:nvSpPr>
+          <p:cNvPr id="12" name="TextBox 11"/>
+          <p:cNvSpPr txBox="1"/>
+          <p:nvPr/>
+        </p:nvSpPr>
+        <p:spPr>
+          <a:xfrm>
+            <a:off x="5214942" y="1630908"/>
+            <a:ext cx="1581395" cy="461665"/>
+          </a:xfrm>
+          <a:prstGeom prst="rect">
+            <a:avLst/>
+          </a:prstGeom>
+          <a:noFill/>
+        </p:spPr>
+        <p:txBody>
+          <a:bodyPr wrap="none" rtlCol="0">
+            <a:spAutoFit/>
+          </a:bodyPr>
+          <a:lstStyle/>
+          <a:p>
+            <a:r>
+              <a:rPr lang="is-IS" sz="2400" dirty="0" smtClean="0"/>
+              <a:t>... into this:</a:t>
+            </a:r>
+            <a:endParaRPr lang="is-IS" sz="2400" dirty="0"/>
+          </a:p>
+        </p:txBody>
+      </p:sp>
+      <p:sp>
+        <p:nvSpPr>
+          <p:cNvPr id="13" name="TextBox 12"/>
+          <p:cNvSpPr txBox="1"/>
+          <p:nvPr/>
+        </p:nvSpPr>
+        <p:spPr>
+          <a:xfrm>
+            <a:off x="857224" y="4857760"/>
+            <a:ext cx="7715304" cy="954107"/>
+          </a:xfrm>
+          <a:prstGeom prst="rect">
+            <a:avLst/>
+          </a:prstGeom>
+          <a:noFill/>
+        </p:spPr>
+        <p:txBody>
+          <a:bodyPr wrap="square" rtlCol="0">
+            <a:spAutoFit/>
+          </a:bodyPr>
+          <a:lstStyle/>
+          <a:p>
+            <a:r>
+              <a:rPr lang="is-IS" sz="2800" b="1" dirty="0" smtClean="0"/>
+              <a:t>Why?</a:t>
+            </a:r>
+          </a:p>
+          <a:p>
+            <a:r>
+              <a:rPr lang="is-IS" sz="2800" dirty="0" smtClean="0"/>
+              <a:t>Because it’s computationally cheaper to work with</a:t>
+            </a:r>
+            <a:endParaRPr lang="is-IS" sz="2800" dirty="0"/>
+          </a:p>
+        </p:txBody>
+      </p:sp>
       <p:pic>
         <p:nvPicPr>
-          <p:cNvPr id="6" name="Picture 5" descr="unwrapped.jpg"/>
+          <p:cNvPr id="8" name="Picture 7" descr="OriginalWithGuides.jpg"/>
           <p:cNvPicPr/>
           <p:nvPr/>
         </p:nvPicPr>
         <p:blipFill>
           <a:blip r:embed="rId2"/>
+          <a:srcRect/>
           <a:stretch>
             <a:fillRect/>
           </a:stretch>
         </p:blipFill>
-        <p:spPr>
+        <p:spPr bwMode="auto">
           <a:xfrm>
-            <a:off x="3614731" y="2285992"/>
-            <a:ext cx="4886359" cy="1357322"/>
+            <a:off x="762000" y="2286001"/>
+            <a:ext cx="2514599" cy="2195246"/>
           </a:xfrm>
           <a:prstGeom prst="rect">
             <a:avLst/>
           </a:prstGeom>
+          <a:noFill/>
+          <a:ln w="9525">
+            <a:noFill/>
+            <a:miter lim="800000"/>
+            <a:headEnd/>
+            <a:tailEnd/>
+          </a:ln>
         </p:spPr>
       </p:pic>
       <p:pic>
         <p:nvPicPr>
-          <p:cNvPr id="1028" name="Picture 4"/>
-          <p:cNvPicPr>
-            <a:picLocks noChangeAspect="1" noChangeArrowheads="1"/>
-          </p:cNvPicPr>
+          <p:cNvPr id="9" name="Picture 8" descr="unwrappedWithGuides.jpg"/>
+          <p:cNvPicPr/>
           <p:nvPr/>
         </p:nvPicPr>
         <p:blipFill>
@@ -7845,8 +8036,8 @@
         </p:blipFill>
         <p:spPr bwMode="auto">
           <a:xfrm>
-            <a:off x="857224" y="2285992"/>
-            <a:ext cx="2286016" cy="2000375"/>
+            <a:off x="3429000" y="2286000"/>
+            <a:ext cx="5303520" cy="1322957"/>
           </a:xfrm>
           <a:prstGeom prst="rect">
             <a:avLst/>
@@ -7858,105 +8049,8 @@
             <a:headEnd/>
             <a:tailEnd/>
           </a:ln>
-          <a:effectLst/>
         </p:spPr>
       </p:pic>
-      <p:sp>
-        <p:nvSpPr>
-          <p:cNvPr id="10" name="TextBox 9"/>
-          <p:cNvSpPr txBox="1"/>
-          <p:nvPr/>
-        </p:nvSpPr>
-        <p:spPr>
-          <a:xfrm>
-            <a:off x="642910" y="1630908"/>
-            <a:ext cx="2834622" cy="461665"/>
-          </a:xfrm>
-          <a:prstGeom prst="rect">
-            <a:avLst/>
-          </a:prstGeom>
-          <a:noFill/>
-        </p:spPr>
-        <p:txBody>
-          <a:bodyPr wrap="none" rtlCol="0">
-            <a:spAutoFit/>
-          </a:bodyPr>
-          <a:lstStyle/>
-          <a:p>
-            <a:r>
-              <a:rPr lang="is-IS" sz="2400" dirty="0" smtClean="0"/>
-              <a:t>We want to turn this:</a:t>
-            </a:r>
-            <a:endParaRPr lang="is-IS" sz="2400" dirty="0"/>
-          </a:p>
-        </p:txBody>
-      </p:sp>
-      <p:sp>
-        <p:nvSpPr>
-          <p:cNvPr id="12" name="TextBox 11"/>
-          <p:cNvSpPr txBox="1"/>
-          <p:nvPr/>
-        </p:nvSpPr>
-        <p:spPr>
-          <a:xfrm>
-            <a:off x="5214942" y="1630908"/>
-            <a:ext cx="1581395" cy="461665"/>
-          </a:xfrm>
-          <a:prstGeom prst="rect">
-            <a:avLst/>
-          </a:prstGeom>
-          <a:noFill/>
-        </p:spPr>
-        <p:txBody>
-          <a:bodyPr wrap="none" rtlCol="0">
-            <a:spAutoFit/>
-          </a:bodyPr>
-          <a:lstStyle/>
-          <a:p>
-            <a:r>
-              <a:rPr lang="is-IS" sz="2400" dirty="0" smtClean="0"/>
-              <a:t>... into this:</a:t>
-            </a:r>
-            <a:endParaRPr lang="is-IS" sz="2400" dirty="0"/>
-          </a:p>
-        </p:txBody>
-      </p:sp>
-      <p:sp>
-        <p:nvSpPr>
-          <p:cNvPr id="13" name="TextBox 12"/>
-          <p:cNvSpPr txBox="1"/>
-          <p:nvPr/>
-        </p:nvSpPr>
-        <p:spPr>
-          <a:xfrm>
-            <a:off x="857224" y="4857760"/>
-            <a:ext cx="7715304" cy="954107"/>
-          </a:xfrm>
-          <a:prstGeom prst="rect">
-            <a:avLst/>
-          </a:prstGeom>
-          <a:noFill/>
-        </p:spPr>
-        <p:txBody>
-          <a:bodyPr wrap="square" rtlCol="0">
-            <a:spAutoFit/>
-          </a:bodyPr>
-          <a:lstStyle/>
-          <a:p>
-            <a:r>
-              <a:rPr lang="is-IS" sz="2800" b="1" dirty="0" smtClean="0"/>
-              <a:t>Why?</a:t>
-            </a:r>
-          </a:p>
-          <a:p>
-            <a:r>
-              <a:rPr lang="is-IS" sz="2800" dirty="0" smtClean="0"/>
-              <a:t>Because it’s computationally cheaper to work with</a:t>
-            </a:r>
-            <a:endParaRPr lang="is-IS" sz="2800" dirty="0"/>
-          </a:p>
-        </p:txBody>
-      </p:sp>
     </p:spTree>
   </p:cSld>
   <p:clrMapOvr>

--- a/Reports/Group_Presentation.pptx
+++ b/Reports/Group_Presentation.pptx
@@ -225,7 +225,7 @@
             <a:fld id="{5E48D3C5-3406-4D13-A39D-9C25EBE866D4}" type="datetimeFigureOut">
               <a:rPr lang="en-US" smtClean="0"/>
               <a:pPr/>
-              <a:t>3/23/2009</a:t>
+              <a:t>3/24/2009</a:t>
             </a:fld>
             <a:endParaRPr lang="en-US"/>
           </a:p>
@@ -574,7 +574,7 @@
 </file>
 
 <file path=ppt/slideLayouts/slideLayout1.xml><?xml version="1.0" encoding="utf-8"?>
-<p:sldLayout xmlns:a="http://schemas.openxmlformats.org/drawingml/2006/main" xmlns:r="http://schemas.openxmlformats.org/officeDocument/2006/relationships" xmlns:p="http://schemas.openxmlformats.org/presentationml/2006/main" type="title" preserve="1">
+<p:sldLayout xmlns:a="http://schemas.openxmlformats.org/drawingml/2006/main" xmlns:r="http://schemas.openxmlformats.org/officeDocument/2006/relationships" xmlns:p="http://schemas.openxmlformats.org/presentationml/2006/main" showMasterSp="0" type="title" preserve="1">
   <p:cSld name="Title Slide">
     <p:spTree>
       <p:nvGrpSpPr>
@@ -755,7 +755,7 @@
             <a:fld id="{4456CDCE-B5B3-4B85-A395-76104AA85CA0}" type="datetimeFigureOut">
               <a:rPr lang="en-US" smtClean="0"/>
               <a:pPr/>
-              <a:t>3/23/2009</a:t>
+              <a:t>3/24/2009</a:t>
             </a:fld>
             <a:endParaRPr lang="en-US"/>
           </a:p>
@@ -813,7 +813,7 @@
 </file>
 
 <file path=ppt/slideLayouts/slideLayout10.xml><?xml version="1.0" encoding="utf-8"?>
-<p:sldLayout xmlns:a="http://schemas.openxmlformats.org/drawingml/2006/main" xmlns:r="http://schemas.openxmlformats.org/officeDocument/2006/relationships" xmlns:p="http://schemas.openxmlformats.org/presentationml/2006/main" type="vertTx" preserve="1">
+<p:sldLayout xmlns:a="http://schemas.openxmlformats.org/drawingml/2006/main" xmlns:r="http://schemas.openxmlformats.org/officeDocument/2006/relationships" xmlns:p="http://schemas.openxmlformats.org/presentationml/2006/main" showMasterSp="0" type="vertTx" preserve="1">
   <p:cSld name="Title and Vertical Text">
     <p:spTree>
       <p:nvGrpSpPr>
@@ -922,7 +922,7 @@
             <a:fld id="{4456CDCE-B5B3-4B85-A395-76104AA85CA0}" type="datetimeFigureOut">
               <a:rPr lang="en-US" smtClean="0"/>
               <a:pPr/>
-              <a:t>3/23/2009</a:t>
+              <a:t>3/24/2009</a:t>
             </a:fld>
             <a:endParaRPr lang="en-US"/>
           </a:p>
@@ -980,7 +980,7 @@
 </file>
 
 <file path=ppt/slideLayouts/slideLayout11.xml><?xml version="1.0" encoding="utf-8"?>
-<p:sldLayout xmlns:a="http://schemas.openxmlformats.org/drawingml/2006/main" xmlns:r="http://schemas.openxmlformats.org/officeDocument/2006/relationships" xmlns:p="http://schemas.openxmlformats.org/presentationml/2006/main" type="vertTitleAndTx" preserve="1">
+<p:sldLayout xmlns:a="http://schemas.openxmlformats.org/drawingml/2006/main" xmlns:r="http://schemas.openxmlformats.org/officeDocument/2006/relationships" xmlns:p="http://schemas.openxmlformats.org/presentationml/2006/main" showMasterSp="0" type="vertTitleAndTx" preserve="1">
   <p:cSld name="Vertical Title and Text">
     <p:spTree>
       <p:nvGrpSpPr>
@@ -1099,7 +1099,7 @@
             <a:fld id="{4456CDCE-B5B3-4B85-A395-76104AA85CA0}" type="datetimeFigureOut">
               <a:rPr lang="en-US" smtClean="0"/>
               <a:pPr/>
-              <a:t>3/23/2009</a:t>
+              <a:t>3/24/2009</a:t>
             </a:fld>
             <a:endParaRPr lang="en-US"/>
           </a:p>
@@ -1157,7 +1157,7 @@
 </file>
 
 <file path=ppt/slideLayouts/slideLayout2.xml><?xml version="1.0" encoding="utf-8"?>
-<p:sldLayout xmlns:a="http://schemas.openxmlformats.org/drawingml/2006/main" xmlns:r="http://schemas.openxmlformats.org/officeDocument/2006/relationships" xmlns:p="http://schemas.openxmlformats.org/presentationml/2006/main" type="obj" preserve="1">
+<p:sldLayout xmlns:a="http://schemas.openxmlformats.org/drawingml/2006/main" xmlns:r="http://schemas.openxmlformats.org/officeDocument/2006/relationships" xmlns:p="http://schemas.openxmlformats.org/presentationml/2006/main" showMasterSp="0" type="obj" preserve="1">
   <p:cSld name="Title and Content">
     <p:spTree>
       <p:nvGrpSpPr>
@@ -1266,7 +1266,7 @@
             <a:fld id="{4456CDCE-B5B3-4B85-A395-76104AA85CA0}" type="datetimeFigureOut">
               <a:rPr lang="en-US" smtClean="0"/>
               <a:pPr/>
-              <a:t>3/23/2009</a:t>
+              <a:t>3/24/2009</a:t>
             </a:fld>
             <a:endParaRPr lang="en-US"/>
           </a:p>
@@ -1324,7 +1324,7 @@
 </file>
 
 <file path=ppt/slideLayouts/slideLayout3.xml><?xml version="1.0" encoding="utf-8"?>
-<p:sldLayout xmlns:a="http://schemas.openxmlformats.org/drawingml/2006/main" xmlns:r="http://schemas.openxmlformats.org/officeDocument/2006/relationships" xmlns:p="http://schemas.openxmlformats.org/presentationml/2006/main" type="secHead" preserve="1">
+<p:sldLayout xmlns:a="http://schemas.openxmlformats.org/drawingml/2006/main" xmlns:r="http://schemas.openxmlformats.org/officeDocument/2006/relationships" xmlns:p="http://schemas.openxmlformats.org/presentationml/2006/main" showMasterSp="0" type="secHead" preserve="1">
   <p:cSld name="Section Header">
     <p:spTree>
       <p:nvGrpSpPr>
@@ -1509,7 +1509,7 @@
             <a:fld id="{4456CDCE-B5B3-4B85-A395-76104AA85CA0}" type="datetimeFigureOut">
               <a:rPr lang="en-US" smtClean="0"/>
               <a:pPr/>
-              <a:t>3/23/2009</a:t>
+              <a:t>3/24/2009</a:t>
             </a:fld>
             <a:endParaRPr lang="en-US"/>
           </a:p>
@@ -1567,7 +1567,7 @@
 </file>
 
 <file path=ppt/slideLayouts/slideLayout4.xml><?xml version="1.0" encoding="utf-8"?>
-<p:sldLayout xmlns:a="http://schemas.openxmlformats.org/drawingml/2006/main" xmlns:r="http://schemas.openxmlformats.org/officeDocument/2006/relationships" xmlns:p="http://schemas.openxmlformats.org/presentationml/2006/main" type="twoObj" preserve="1">
+<p:sldLayout xmlns:a="http://schemas.openxmlformats.org/drawingml/2006/main" xmlns:r="http://schemas.openxmlformats.org/officeDocument/2006/relationships" xmlns:p="http://schemas.openxmlformats.org/presentationml/2006/main" showMasterSp="0" type="twoObj" preserve="1">
   <p:cSld name="Two Content">
     <p:spTree>
       <p:nvGrpSpPr>
@@ -1794,7 +1794,7 @@
             <a:fld id="{4456CDCE-B5B3-4B85-A395-76104AA85CA0}" type="datetimeFigureOut">
               <a:rPr lang="en-US" smtClean="0"/>
               <a:pPr/>
-              <a:t>3/23/2009</a:t>
+              <a:t>3/24/2009</a:t>
             </a:fld>
             <a:endParaRPr lang="en-US"/>
           </a:p>
@@ -1852,7 +1852,7 @@
 </file>
 
 <file path=ppt/slideLayouts/slideLayout5.xml><?xml version="1.0" encoding="utf-8"?>
-<p:sldLayout xmlns:a="http://schemas.openxmlformats.org/drawingml/2006/main" xmlns:r="http://schemas.openxmlformats.org/officeDocument/2006/relationships" xmlns:p="http://schemas.openxmlformats.org/presentationml/2006/main" type="twoTxTwoObj" preserve="1">
+<p:sldLayout xmlns:a="http://schemas.openxmlformats.org/drawingml/2006/main" xmlns:r="http://schemas.openxmlformats.org/officeDocument/2006/relationships" xmlns:p="http://schemas.openxmlformats.org/presentationml/2006/main" showMasterSp="0" type="twoTxTwoObj" preserve="1">
   <p:cSld name="Comparison">
     <p:spTree>
       <p:nvGrpSpPr>
@@ -2213,7 +2213,7 @@
             <a:fld id="{4456CDCE-B5B3-4B85-A395-76104AA85CA0}" type="datetimeFigureOut">
               <a:rPr lang="en-US" smtClean="0"/>
               <a:pPr/>
-              <a:t>3/23/2009</a:t>
+              <a:t>3/24/2009</a:t>
             </a:fld>
             <a:endParaRPr lang="en-US"/>
           </a:p>
@@ -2271,7 +2271,7 @@
 </file>
 
 <file path=ppt/slideLayouts/slideLayout6.xml><?xml version="1.0" encoding="utf-8"?>
-<p:sldLayout xmlns:a="http://schemas.openxmlformats.org/drawingml/2006/main" xmlns:r="http://schemas.openxmlformats.org/officeDocument/2006/relationships" xmlns:p="http://schemas.openxmlformats.org/presentationml/2006/main" type="titleOnly" preserve="1">
+<p:sldLayout xmlns:a="http://schemas.openxmlformats.org/drawingml/2006/main" xmlns:r="http://schemas.openxmlformats.org/officeDocument/2006/relationships" xmlns:p="http://schemas.openxmlformats.org/presentationml/2006/main" showMasterSp="0" type="titleOnly" preserve="1">
   <p:cSld name="Title Only">
     <p:spTree>
       <p:nvGrpSpPr>
@@ -2328,7 +2328,7 @@
             <a:fld id="{4456CDCE-B5B3-4B85-A395-76104AA85CA0}" type="datetimeFigureOut">
               <a:rPr lang="en-US" smtClean="0"/>
               <a:pPr/>
-              <a:t>3/23/2009</a:t>
+              <a:t>3/24/2009</a:t>
             </a:fld>
             <a:endParaRPr lang="en-US"/>
           </a:p>
@@ -2386,7 +2386,7 @@
 </file>
 
 <file path=ppt/slideLayouts/slideLayout7.xml><?xml version="1.0" encoding="utf-8"?>
-<p:sldLayout xmlns:a="http://schemas.openxmlformats.org/drawingml/2006/main" xmlns:r="http://schemas.openxmlformats.org/officeDocument/2006/relationships" xmlns:p="http://schemas.openxmlformats.org/presentationml/2006/main" type="blank" preserve="1">
+<p:sldLayout xmlns:a="http://schemas.openxmlformats.org/drawingml/2006/main" xmlns:r="http://schemas.openxmlformats.org/officeDocument/2006/relationships" xmlns:p="http://schemas.openxmlformats.org/presentationml/2006/main" showMasterSp="0" type="blank" preserve="1">
   <p:cSld name="Blank">
     <p:spTree>
       <p:nvGrpSpPr>
@@ -2420,7 +2420,7 @@
             <a:fld id="{4456CDCE-B5B3-4B85-A395-76104AA85CA0}" type="datetimeFigureOut">
               <a:rPr lang="en-US" smtClean="0"/>
               <a:pPr/>
-              <a:t>3/23/2009</a:t>
+              <a:t>3/24/2009</a:t>
             </a:fld>
             <a:endParaRPr lang="en-US"/>
           </a:p>
@@ -2478,7 +2478,7 @@
 </file>
 
 <file path=ppt/slideLayouts/slideLayout8.xml><?xml version="1.0" encoding="utf-8"?>
-<p:sldLayout xmlns:a="http://schemas.openxmlformats.org/drawingml/2006/main" xmlns:r="http://schemas.openxmlformats.org/officeDocument/2006/relationships" xmlns:p="http://schemas.openxmlformats.org/presentationml/2006/main" type="objTx" preserve="1">
+<p:sldLayout xmlns:a="http://schemas.openxmlformats.org/drawingml/2006/main" xmlns:r="http://schemas.openxmlformats.org/officeDocument/2006/relationships" xmlns:p="http://schemas.openxmlformats.org/presentationml/2006/main" showMasterSp="0" type="objTx" preserve="1">
   <p:cSld name="Content with Caption">
     <p:spTree>
       <p:nvGrpSpPr>
@@ -2694,7 +2694,7 @@
             <a:fld id="{4456CDCE-B5B3-4B85-A395-76104AA85CA0}" type="datetimeFigureOut">
               <a:rPr lang="en-US" smtClean="0"/>
               <a:pPr/>
-              <a:t>3/23/2009</a:t>
+              <a:t>3/24/2009</a:t>
             </a:fld>
             <a:endParaRPr lang="en-US"/>
           </a:p>
@@ -2752,7 +2752,7 @@
 </file>
 
 <file path=ppt/slideLayouts/slideLayout9.xml><?xml version="1.0" encoding="utf-8"?>
-<p:sldLayout xmlns:a="http://schemas.openxmlformats.org/drawingml/2006/main" xmlns:r="http://schemas.openxmlformats.org/officeDocument/2006/relationships" xmlns:p="http://schemas.openxmlformats.org/presentationml/2006/main" type="picTx" preserve="1">
+<p:sldLayout xmlns:a="http://schemas.openxmlformats.org/drawingml/2006/main" xmlns:r="http://schemas.openxmlformats.org/officeDocument/2006/relationships" xmlns:p="http://schemas.openxmlformats.org/presentationml/2006/main" showMasterSp="0" type="picTx" preserve="1">
   <p:cSld name="Picture with Caption">
     <p:spTree>
       <p:nvGrpSpPr>
@@ -2944,7 +2944,7 @@
             <a:fld id="{4456CDCE-B5B3-4B85-A395-76104AA85CA0}" type="datetimeFigureOut">
               <a:rPr lang="en-US" smtClean="0"/>
               <a:pPr/>
-              <a:t>3/23/2009</a:t>
+              <a:t>3/24/2009</a:t>
             </a:fld>
             <a:endParaRPr lang="en-US"/>
           </a:p>
@@ -3005,9 +3005,19 @@
 <p:sldMaster xmlns:a="http://schemas.openxmlformats.org/drawingml/2006/main" xmlns:r="http://schemas.openxmlformats.org/officeDocument/2006/relationships" xmlns:p="http://schemas.openxmlformats.org/presentationml/2006/main">
   <p:cSld>
     <p:bg>
-      <p:bgRef idx="1001">
-        <a:schemeClr val="bg1"/>
-      </p:bgRef>
+      <p:bgPr>
+        <a:blipFill dpi="0" rotWithShape="1">
+          <a:blip r:embed="rId13">
+            <a:alphaModFix amt="27000"/>
+            <a:lum/>
+          </a:blip>
+          <a:srcRect/>
+          <a:stretch>
+            <a:fillRect t="-14000" b="-14000"/>
+          </a:stretch>
+        </a:blipFill>
+        <a:effectLst/>
+      </p:bgPr>
     </p:bg>
     <p:spTree>
       <p:nvGrpSpPr>
@@ -3154,7 +3164,7 @@
             <a:fld id="{4456CDCE-B5B3-4B85-A395-76104AA85CA0}" type="datetimeFigureOut">
               <a:rPr lang="en-US" smtClean="0"/>
               <a:pPr/>
-              <a:t>3/23/2009</a:t>
+              <a:t>3/24/2009</a:t>
             </a:fld>
             <a:endParaRPr lang="en-US"/>
           </a:p>
@@ -3509,8 +3519,16 @@
 </file>
 
 <file path=ppt/slides/slide1.xml><?xml version="1.0" encoding="utf-8"?>
-<p:sld xmlns:a="http://schemas.openxmlformats.org/drawingml/2006/main" xmlns:r="http://schemas.openxmlformats.org/officeDocument/2006/relationships" xmlns:p="http://schemas.openxmlformats.org/presentationml/2006/main">
+<p:sld xmlns:a="http://schemas.openxmlformats.org/drawingml/2006/main" xmlns:r="http://schemas.openxmlformats.org/officeDocument/2006/relationships" xmlns:p="http://schemas.openxmlformats.org/presentationml/2006/main" showMasterSp="0">
   <p:cSld>
+    <p:bg>
+      <p:bgPr>
+        <a:solidFill>
+          <a:schemeClr val="bg1"/>
+        </a:solidFill>
+        <a:effectLst/>
+      </p:bgPr>
+    </p:bg>
     <p:spTree>
       <p:nvGrpSpPr>
         <p:cNvPr id="1" name=""/>
@@ -3527,9 +3545,9 @@
       </p:grpSpPr>
       <p:pic>
         <p:nvPicPr>
-          <p:cNvPr id="4" name="Content Placeholder 3" descr="User Guide.jpg"/>
+          <p:cNvPr id="5" name="Content Placeholder 4" descr="Iris Recognition About.gif"/>
           <p:cNvPicPr>
-            <a:picLocks noGrp="1"/>
+            <a:picLocks noGrp="1" noChangeAspect="1"/>
           </p:cNvPicPr>
           <p:nvPr>
             <p:ph idx="1"/>
@@ -3537,26 +3555,15 @@
         </p:nvPicPr>
         <p:blipFill>
           <a:blip r:embed="rId2"/>
-          <a:srcRect/>
           <a:stretch>
             <a:fillRect/>
           </a:stretch>
         </p:blipFill>
-        <p:spPr bwMode="auto">
+        <p:spPr>
           <a:xfrm>
-            <a:off x="1066800" y="457200"/>
-            <a:ext cx="6934200" cy="5973763"/>
+            <a:off x="685800" y="0"/>
+            <a:ext cx="7848600" cy="6858000"/>
           </a:xfrm>
-          <a:prstGeom prst="rect">
-            <a:avLst/>
-          </a:prstGeom>
-          <a:noFill/>
-          <a:ln w="9525">
-            <a:noFill/>
-            <a:miter lim="800000"/>
-            <a:headEnd/>
-            <a:tailEnd/>
-          </a:ln>
         </p:spPr>
       </p:pic>
     </p:spTree>
@@ -3575,7 +3582,7 @@
 </file>
 
 <file path=ppt/slides/slide10.xml><?xml version="1.0" encoding="utf-8"?>
-<p:sld xmlns:a="http://schemas.openxmlformats.org/drawingml/2006/main" xmlns:r="http://schemas.openxmlformats.org/officeDocument/2006/relationships" xmlns:p="http://schemas.openxmlformats.org/presentationml/2006/main">
+<p:sld xmlns:a="http://schemas.openxmlformats.org/drawingml/2006/main" xmlns:r="http://schemas.openxmlformats.org/officeDocument/2006/relationships" xmlns:p="http://schemas.openxmlformats.org/presentationml/2006/main" showMasterSp="0">
   <p:cSld>
     <p:spTree>
       <p:nvGrpSpPr>
@@ -3671,20 +3678,12 @@
               <a:rPr lang="is-IS" dirty="0" smtClean="0"/>
               <a:t>Iris bound by two </a:t>
             </a:r>
-            <a:r>
-              <a:rPr lang="is-IS" dirty="0" smtClean="0"/>
-              <a:t/>
-            </a:r>
             <a:br>
               <a:rPr lang="is-IS" dirty="0" smtClean="0"/>
             </a:br>
             <a:r>
               <a:rPr lang="is-IS" dirty="0" smtClean="0"/>
-              <a:t>nonconcentric </a:t>
-            </a:r>
-            <a:r>
-              <a:rPr lang="is-IS" dirty="0" smtClean="0"/>
-              <a:t>circles</a:t>
+              <a:t>nonconcentric circles</a:t>
             </a:r>
           </a:p>
           <a:p>
@@ -3692,39 +3691,19 @@
             <a:r>
               <a:rPr lang="is-IS" dirty="0" smtClean="0"/>
               <a:t>The human iris is not </a:t>
-            </a:r>
-            <a:r>
-              <a:rPr lang="is-IS" dirty="0" smtClean="0"/>
-              <a:t/>
             </a:r>
             <a:br>
               <a:rPr lang="is-IS" dirty="0" smtClean="0"/>
             </a:br>
             <a:r>
               <a:rPr lang="is-IS" dirty="0" smtClean="0"/>
-              <a:t>static </a:t>
-            </a:r>
+              <a:t>static (can be thought of like a rubber sheet)</a:t>
+            </a:r>
+          </a:p>
+          <a:p>
             <a:r>
               <a:rPr lang="is-IS" dirty="0" smtClean="0"/>
-              <a:t>(can be thought </a:t>
-            </a:r>
-            <a:r>
-              <a:rPr lang="is-IS" dirty="0" smtClean="0"/>
-              <a:t>of </a:t>
-            </a:r>
-            <a:r>
-              <a:rPr lang="is-IS" dirty="0" smtClean="0"/>
-              <a:t>like a rubber sheet)</a:t>
-            </a:r>
-          </a:p>
-          <a:p>
-            <a:r>
-              <a:rPr lang="is-IS" dirty="0" smtClean="0"/>
-              <a:t>The </a:t>
-            </a:r>
-            <a:r>
-              <a:rPr lang="is-IS" dirty="0" smtClean="0"/>
-              <a:t>solution:</a:t>
+              <a:t>The solution:</a:t>
             </a:r>
           </a:p>
           <a:p>
@@ -3739,7 +3718,6 @@
               <a:rPr lang="is-IS" dirty="0" smtClean="0"/>
               <a:t>Similar to warping from Polar to Cartesian</a:t>
             </a:r>
-            <a:endParaRPr lang="is-IS" dirty="0" smtClean="0"/>
           </a:p>
         </p:txBody>
       </p:sp>
@@ -3909,7 +3887,7 @@
 </file>
 
 <file path=ppt/slides/slide11.xml><?xml version="1.0" encoding="utf-8"?>
-<p:sld xmlns:a="http://schemas.openxmlformats.org/drawingml/2006/main" xmlns:r="http://schemas.openxmlformats.org/officeDocument/2006/relationships" xmlns:p="http://schemas.openxmlformats.org/presentationml/2006/main">
+<p:sld xmlns:a="http://schemas.openxmlformats.org/drawingml/2006/main" xmlns:r="http://schemas.openxmlformats.org/officeDocument/2006/relationships" xmlns:p="http://schemas.openxmlformats.org/presentationml/2006/main" showMasterSp="0">
   <p:cSld>
     <p:spTree>
       <p:nvGrpSpPr>
@@ -4108,7 +4086,7 @@
 </file>
 
 <file path=ppt/slides/slide12.xml><?xml version="1.0" encoding="utf-8"?>
-<p:sld xmlns:a="http://schemas.openxmlformats.org/drawingml/2006/main" xmlns:r="http://schemas.openxmlformats.org/officeDocument/2006/relationships" xmlns:p="http://schemas.openxmlformats.org/presentationml/2006/main">
+<p:sld xmlns:a="http://schemas.openxmlformats.org/drawingml/2006/main" xmlns:r="http://schemas.openxmlformats.org/officeDocument/2006/relationships" xmlns:p="http://schemas.openxmlformats.org/presentationml/2006/main" showMasterSp="0">
   <p:cSld>
     <p:spTree>
       <p:nvGrpSpPr>
@@ -4315,7 +4293,7 @@
 </file>
 
 <file path=ppt/slides/slide13.xml><?xml version="1.0" encoding="utf-8"?>
-<p:sld xmlns:a="http://schemas.openxmlformats.org/drawingml/2006/main" xmlns:r="http://schemas.openxmlformats.org/officeDocument/2006/relationships" xmlns:p="http://schemas.openxmlformats.org/presentationml/2006/main">
+<p:sld xmlns:a="http://schemas.openxmlformats.org/drawingml/2006/main" xmlns:r="http://schemas.openxmlformats.org/officeDocument/2006/relationships" xmlns:p="http://schemas.openxmlformats.org/presentationml/2006/main" showMasterSp="0">
   <p:cSld>
     <p:spTree>
       <p:nvGrpSpPr>
@@ -4393,15 +4371,7 @@
             </a:pPr>
             <a:r>
               <a:rPr lang="is-IS" dirty="0" smtClean="0"/>
-              <a:t>Convolve wavelet with </a:t>
-            </a:r>
-            <a:r>
-              <a:rPr lang="is-IS" dirty="0" smtClean="0"/>
-              <a:t>unwrapped </a:t>
-            </a:r>
-            <a:r>
-              <a:rPr lang="is-IS" dirty="0" smtClean="0"/>
-              <a:t>image</a:t>
+              <a:t>Convolve wavelet with unwrapped image</a:t>
             </a:r>
           </a:p>
           <a:p>
@@ -4449,7 +4419,7 @@
 </file>
 
 <file path=ppt/slides/slide14.xml><?xml version="1.0" encoding="utf-8"?>
-<p:sld xmlns:a="http://schemas.openxmlformats.org/drawingml/2006/main" xmlns:r="http://schemas.openxmlformats.org/officeDocument/2006/relationships" xmlns:p="http://schemas.openxmlformats.org/presentationml/2006/main">
+<p:sld xmlns:a="http://schemas.openxmlformats.org/drawingml/2006/main" xmlns:r="http://schemas.openxmlformats.org/officeDocument/2006/relationships" xmlns:p="http://schemas.openxmlformats.org/presentationml/2006/main" showMasterSp="0">
   <p:cSld>
     <p:spTree>
       <p:nvGrpSpPr>
@@ -4675,7 +4645,7 @@
 </file>
 
 <file path=ppt/slides/slide15.xml><?xml version="1.0" encoding="utf-8"?>
-<p:sld xmlns:a="http://schemas.openxmlformats.org/drawingml/2006/main" xmlns:r="http://schemas.openxmlformats.org/officeDocument/2006/relationships" xmlns:p="http://schemas.openxmlformats.org/presentationml/2006/main">
+<p:sld xmlns:a="http://schemas.openxmlformats.org/drawingml/2006/main" xmlns:r="http://schemas.openxmlformats.org/officeDocument/2006/relationships" xmlns:p="http://schemas.openxmlformats.org/presentationml/2006/main" showMasterSp="0">
   <p:cSld>
     <p:spTree>
       <p:nvGrpSpPr>
@@ -4771,7 +4741,7 @@
 </file>
 
 <file path=ppt/slides/slide16.xml><?xml version="1.0" encoding="utf-8"?>
-<p:sld xmlns:a="http://schemas.openxmlformats.org/drawingml/2006/main" xmlns:r="http://schemas.openxmlformats.org/officeDocument/2006/relationships" xmlns:p="http://schemas.openxmlformats.org/presentationml/2006/main">
+<p:sld xmlns:a="http://schemas.openxmlformats.org/drawingml/2006/main" xmlns:r="http://schemas.openxmlformats.org/officeDocument/2006/relationships" xmlns:p="http://schemas.openxmlformats.org/presentationml/2006/main" showMasterSp="0">
   <p:cSld>
     <p:spTree>
       <p:nvGrpSpPr>
@@ -4867,7 +4837,7 @@
 </file>
 
 <file path=ppt/slides/slide17.xml><?xml version="1.0" encoding="utf-8"?>
-<p:sld xmlns:a="http://schemas.openxmlformats.org/drawingml/2006/main" xmlns:r="http://schemas.openxmlformats.org/officeDocument/2006/relationships" xmlns:p="http://schemas.openxmlformats.org/presentationml/2006/main">
+<p:sld xmlns:a="http://schemas.openxmlformats.org/drawingml/2006/main" xmlns:r="http://schemas.openxmlformats.org/officeDocument/2006/relationships" xmlns:p="http://schemas.openxmlformats.org/presentationml/2006/main" showMasterSp="0">
   <p:cSld>
     <p:spTree>
       <p:nvGrpSpPr>
@@ -4969,7 +4939,7 @@
 </file>
 
 <file path=ppt/slides/slide18.xml><?xml version="1.0" encoding="utf-8"?>
-<p:sld xmlns:a="http://schemas.openxmlformats.org/drawingml/2006/main" xmlns:r="http://schemas.openxmlformats.org/officeDocument/2006/relationships" xmlns:p="http://schemas.openxmlformats.org/presentationml/2006/main">
+<p:sld xmlns:a="http://schemas.openxmlformats.org/drawingml/2006/main" xmlns:r="http://schemas.openxmlformats.org/officeDocument/2006/relationships" xmlns:p="http://schemas.openxmlformats.org/presentationml/2006/main" showMasterSp="0">
   <p:cSld>
     <p:spTree>
       <p:nvGrpSpPr>
@@ -5330,7 +5300,7 @@
 </file>
 
 <file path=ppt/slides/slide19.xml><?xml version="1.0" encoding="utf-8"?>
-<p:sld xmlns:a="http://schemas.openxmlformats.org/drawingml/2006/main" xmlns:r="http://schemas.openxmlformats.org/officeDocument/2006/relationships" xmlns:p="http://schemas.openxmlformats.org/presentationml/2006/main">
+<p:sld xmlns:a="http://schemas.openxmlformats.org/drawingml/2006/main" xmlns:r="http://schemas.openxmlformats.org/officeDocument/2006/relationships" xmlns:p="http://schemas.openxmlformats.org/presentationml/2006/main" showMasterSp="0">
   <p:cSld>
     <p:spTree>
       <p:nvGrpSpPr>
@@ -5473,7 +5443,7 @@
 </file>
 
 <file path=ppt/slides/slide2.xml><?xml version="1.0" encoding="utf-8"?>
-<p:sld xmlns:a="http://schemas.openxmlformats.org/drawingml/2006/main" xmlns:r="http://schemas.openxmlformats.org/officeDocument/2006/relationships" xmlns:p="http://schemas.openxmlformats.org/presentationml/2006/main">
+<p:sld xmlns:a="http://schemas.openxmlformats.org/drawingml/2006/main" xmlns:r="http://schemas.openxmlformats.org/officeDocument/2006/relationships" xmlns:p="http://schemas.openxmlformats.org/presentationml/2006/main" showMasterSp="0">
   <p:cSld>
     <p:spTree>
       <p:nvGrpSpPr>
@@ -5595,7 +5565,7 @@
 </file>
 
 <file path=ppt/slides/slide20.xml><?xml version="1.0" encoding="utf-8"?>
-<p:sld xmlns:a="http://schemas.openxmlformats.org/drawingml/2006/main" xmlns:r="http://schemas.openxmlformats.org/officeDocument/2006/relationships" xmlns:p="http://schemas.openxmlformats.org/presentationml/2006/main">
+<p:sld xmlns:a="http://schemas.openxmlformats.org/drawingml/2006/main" xmlns:r="http://schemas.openxmlformats.org/officeDocument/2006/relationships" xmlns:p="http://schemas.openxmlformats.org/presentationml/2006/main" showMasterSp="0">
   <p:cSld>
     <p:spTree>
       <p:nvGrpSpPr>
@@ -5691,7 +5661,7 @@
 </file>
 
 <file path=ppt/slides/slide21.xml><?xml version="1.0" encoding="utf-8"?>
-<p:sld xmlns:a="http://schemas.openxmlformats.org/drawingml/2006/main" xmlns:r="http://schemas.openxmlformats.org/officeDocument/2006/relationships" xmlns:p="http://schemas.openxmlformats.org/presentationml/2006/main">
+<p:sld xmlns:a="http://schemas.openxmlformats.org/drawingml/2006/main" xmlns:r="http://schemas.openxmlformats.org/officeDocument/2006/relationships" xmlns:p="http://schemas.openxmlformats.org/presentationml/2006/main" showMasterSp="0">
   <p:cSld>
     <p:spTree>
       <p:nvGrpSpPr>
@@ -5812,7 +5782,7 @@
 </file>
 
 <file path=ppt/slides/slide22.xml><?xml version="1.0" encoding="utf-8"?>
-<p:sld xmlns:a="http://schemas.openxmlformats.org/drawingml/2006/main" xmlns:r="http://schemas.openxmlformats.org/officeDocument/2006/relationships" xmlns:p="http://schemas.openxmlformats.org/presentationml/2006/main">
+<p:sld xmlns:a="http://schemas.openxmlformats.org/drawingml/2006/main" xmlns:r="http://schemas.openxmlformats.org/officeDocument/2006/relationships" xmlns:p="http://schemas.openxmlformats.org/presentationml/2006/main" showMasterSp="0">
   <p:cSld>
     <p:spTree>
       <p:nvGrpSpPr>
@@ -6204,7 +6174,7 @@
 </file>
 
 <file path=ppt/slides/slide23.xml><?xml version="1.0" encoding="utf-8"?>
-<p:sld xmlns:a="http://schemas.openxmlformats.org/drawingml/2006/main" xmlns:r="http://schemas.openxmlformats.org/officeDocument/2006/relationships" xmlns:p="http://schemas.openxmlformats.org/presentationml/2006/main">
+<p:sld xmlns:a="http://schemas.openxmlformats.org/drawingml/2006/main" xmlns:r="http://schemas.openxmlformats.org/officeDocument/2006/relationships" xmlns:p="http://schemas.openxmlformats.org/presentationml/2006/main" showMasterSp="0">
   <p:cSld>
     <p:spTree>
       <p:nvGrpSpPr>
@@ -6304,7 +6274,7 @@
 </file>
 
 <file path=ppt/slides/slide24.xml><?xml version="1.0" encoding="utf-8"?>
-<p:sld xmlns:a="http://schemas.openxmlformats.org/drawingml/2006/main" xmlns:r="http://schemas.openxmlformats.org/officeDocument/2006/relationships" xmlns:p="http://schemas.openxmlformats.org/presentationml/2006/main">
+<p:sld xmlns:a="http://schemas.openxmlformats.org/drawingml/2006/main" xmlns:r="http://schemas.openxmlformats.org/officeDocument/2006/relationships" xmlns:p="http://schemas.openxmlformats.org/presentationml/2006/main" showMasterSp="0">
   <p:cSld>
     <p:spTree>
       <p:nvGrpSpPr>
@@ -6412,7 +6382,7 @@
 </file>
 
 <file path=ppt/slides/slide25.xml><?xml version="1.0" encoding="utf-8"?>
-<p:sld xmlns:a="http://schemas.openxmlformats.org/drawingml/2006/main" xmlns:r="http://schemas.openxmlformats.org/officeDocument/2006/relationships" xmlns:p="http://schemas.openxmlformats.org/presentationml/2006/main">
+<p:sld xmlns:a="http://schemas.openxmlformats.org/drawingml/2006/main" xmlns:r="http://schemas.openxmlformats.org/officeDocument/2006/relationships" xmlns:p="http://schemas.openxmlformats.org/presentationml/2006/main" showMasterSp="0">
   <p:cSld>
     <p:spTree>
       <p:nvGrpSpPr>
@@ -6514,7 +6484,7 @@
 </file>
 
 <file path=ppt/slides/slide26.xml><?xml version="1.0" encoding="utf-8"?>
-<p:sld xmlns:a="http://schemas.openxmlformats.org/drawingml/2006/main" xmlns:r="http://schemas.openxmlformats.org/officeDocument/2006/relationships" xmlns:p="http://schemas.openxmlformats.org/presentationml/2006/main">
+<p:sld xmlns:a="http://schemas.openxmlformats.org/drawingml/2006/main" xmlns:r="http://schemas.openxmlformats.org/officeDocument/2006/relationships" xmlns:p="http://schemas.openxmlformats.org/presentationml/2006/main" showMasterSp="0">
   <p:cSld>
     <p:spTree>
       <p:nvGrpSpPr>
@@ -6602,7 +6572,7 @@
 </file>
 
 <file path=ppt/slides/slide27.xml><?xml version="1.0" encoding="utf-8"?>
-<p:sld xmlns:a="http://schemas.openxmlformats.org/drawingml/2006/main" xmlns:r="http://schemas.openxmlformats.org/officeDocument/2006/relationships" xmlns:p="http://schemas.openxmlformats.org/presentationml/2006/main">
+<p:sld xmlns:a="http://schemas.openxmlformats.org/drawingml/2006/main" xmlns:r="http://schemas.openxmlformats.org/officeDocument/2006/relationships" xmlns:p="http://schemas.openxmlformats.org/presentationml/2006/main" showMasterSp="0">
   <p:cSld>
     <p:spTree>
       <p:nvGrpSpPr>
@@ -6700,7 +6670,7 @@
 </file>
 
 <file path=ppt/slides/slide28.xml><?xml version="1.0" encoding="utf-8"?>
-<p:sld xmlns:a="http://schemas.openxmlformats.org/drawingml/2006/main" xmlns:r="http://schemas.openxmlformats.org/officeDocument/2006/relationships" xmlns:p="http://schemas.openxmlformats.org/presentationml/2006/main">
+<p:sld xmlns:a="http://schemas.openxmlformats.org/drawingml/2006/main" xmlns:r="http://schemas.openxmlformats.org/officeDocument/2006/relationships" xmlns:p="http://schemas.openxmlformats.org/presentationml/2006/main" showMasterSp="0">
   <p:cSld>
     <p:spTree>
       <p:nvGrpSpPr>
@@ -6808,7 +6778,7 @@
 </file>
 
 <file path=ppt/slides/slide29.xml><?xml version="1.0" encoding="utf-8"?>
-<p:sld xmlns:a="http://schemas.openxmlformats.org/drawingml/2006/main" xmlns:r="http://schemas.openxmlformats.org/officeDocument/2006/relationships" xmlns:p="http://schemas.openxmlformats.org/presentationml/2006/main">
+<p:sld xmlns:a="http://schemas.openxmlformats.org/drawingml/2006/main" xmlns:r="http://schemas.openxmlformats.org/officeDocument/2006/relationships" xmlns:p="http://schemas.openxmlformats.org/presentationml/2006/main" showMasterSp="0">
   <p:cSld>
     <p:spTree>
       <p:nvGrpSpPr>
@@ -6863,7 +6833,7 @@
 </file>
 
 <file path=ppt/slides/slide3.xml><?xml version="1.0" encoding="utf-8"?>
-<p:sld xmlns:a="http://schemas.openxmlformats.org/drawingml/2006/main" xmlns:r="http://schemas.openxmlformats.org/officeDocument/2006/relationships" xmlns:p="http://schemas.openxmlformats.org/presentationml/2006/main">
+<p:sld xmlns:a="http://schemas.openxmlformats.org/drawingml/2006/main" xmlns:r="http://schemas.openxmlformats.org/officeDocument/2006/relationships" xmlns:p="http://schemas.openxmlformats.org/presentationml/2006/main" showMasterSp="0">
   <p:cSld>
     <p:spTree>
       <p:nvGrpSpPr>
@@ -6947,7 +6917,7 @@
 </file>
 
 <file path=ppt/slides/slide30.xml><?xml version="1.0" encoding="utf-8"?>
-<p:sld xmlns:a="http://schemas.openxmlformats.org/drawingml/2006/main" xmlns:r="http://schemas.openxmlformats.org/officeDocument/2006/relationships" xmlns:p="http://schemas.openxmlformats.org/presentationml/2006/main">
+<p:sld xmlns:a="http://schemas.openxmlformats.org/drawingml/2006/main" xmlns:r="http://schemas.openxmlformats.org/officeDocument/2006/relationships" xmlns:p="http://schemas.openxmlformats.org/presentationml/2006/main" showMasterSp="0">
   <p:cSld>
     <p:spTree>
       <p:nvGrpSpPr>
@@ -7025,7 +6995,7 @@
 </file>
 
 <file path=ppt/slides/slide31.xml><?xml version="1.0" encoding="utf-8"?>
-<p:sld xmlns:a="http://schemas.openxmlformats.org/drawingml/2006/main" xmlns:r="http://schemas.openxmlformats.org/officeDocument/2006/relationships" xmlns:p="http://schemas.openxmlformats.org/presentationml/2006/main">
+<p:sld xmlns:a="http://schemas.openxmlformats.org/drawingml/2006/main" xmlns:r="http://schemas.openxmlformats.org/officeDocument/2006/relationships" xmlns:p="http://schemas.openxmlformats.org/presentationml/2006/main" showMasterSp="0">
   <p:cSld>
     <p:spTree>
       <p:nvGrpSpPr>
@@ -7106,7 +7076,7 @@
 </file>
 
 <file path=ppt/slides/slide32.xml><?xml version="1.0" encoding="utf-8"?>
-<p:sld xmlns:a="http://schemas.openxmlformats.org/drawingml/2006/main" xmlns:r="http://schemas.openxmlformats.org/officeDocument/2006/relationships" xmlns:p="http://schemas.openxmlformats.org/presentationml/2006/main">
+<p:sld xmlns:a="http://schemas.openxmlformats.org/drawingml/2006/main" xmlns:r="http://schemas.openxmlformats.org/officeDocument/2006/relationships" xmlns:p="http://schemas.openxmlformats.org/presentationml/2006/main" showMasterSp="0">
   <p:cSld>
     <p:spTree>
       <p:nvGrpSpPr>
@@ -7187,7 +7157,7 @@
 </file>
 
 <file path=ppt/slides/slide33.xml><?xml version="1.0" encoding="utf-8"?>
-<p:sld xmlns:a="http://schemas.openxmlformats.org/drawingml/2006/main" xmlns:r="http://schemas.openxmlformats.org/officeDocument/2006/relationships" xmlns:p="http://schemas.openxmlformats.org/presentationml/2006/main">
+<p:sld xmlns:a="http://schemas.openxmlformats.org/drawingml/2006/main" xmlns:r="http://schemas.openxmlformats.org/officeDocument/2006/relationships" xmlns:p="http://schemas.openxmlformats.org/presentationml/2006/main" showMasterSp="0">
   <p:cSld>
     <p:spTree>
       <p:nvGrpSpPr>
@@ -7268,7 +7238,7 @@
 </file>
 
 <file path=ppt/slides/slide4.xml><?xml version="1.0" encoding="utf-8"?>
-<p:sld xmlns:a="http://schemas.openxmlformats.org/drawingml/2006/main" xmlns:r="http://schemas.openxmlformats.org/officeDocument/2006/relationships" xmlns:p="http://schemas.openxmlformats.org/presentationml/2006/main">
+<p:sld xmlns:a="http://schemas.openxmlformats.org/drawingml/2006/main" xmlns:r="http://schemas.openxmlformats.org/officeDocument/2006/relationships" xmlns:p="http://schemas.openxmlformats.org/presentationml/2006/main" showMasterSp="0">
   <p:cSld>
     <p:spTree>
       <p:nvGrpSpPr>
@@ -7362,7 +7332,7 @@
 </file>
 
 <file path=ppt/slides/slide5.xml><?xml version="1.0" encoding="utf-8"?>
-<p:sld xmlns:a="http://schemas.openxmlformats.org/drawingml/2006/main" xmlns:r="http://schemas.openxmlformats.org/officeDocument/2006/relationships" xmlns:p="http://schemas.openxmlformats.org/presentationml/2006/main">
+<p:sld xmlns:a="http://schemas.openxmlformats.org/drawingml/2006/main" xmlns:r="http://schemas.openxmlformats.org/officeDocument/2006/relationships" xmlns:p="http://schemas.openxmlformats.org/presentationml/2006/main" showMasterSp="0">
   <p:cSld>
     <p:spTree>
       <p:nvGrpSpPr>
@@ -7453,7 +7423,7 @@
 </file>
 
 <file path=ppt/slides/slide6.xml><?xml version="1.0" encoding="utf-8"?>
-<p:sld xmlns:a="http://schemas.openxmlformats.org/drawingml/2006/main" xmlns:r="http://schemas.openxmlformats.org/officeDocument/2006/relationships" xmlns:p="http://schemas.openxmlformats.org/presentationml/2006/main">
+<p:sld xmlns:a="http://schemas.openxmlformats.org/drawingml/2006/main" xmlns:r="http://schemas.openxmlformats.org/officeDocument/2006/relationships" xmlns:p="http://schemas.openxmlformats.org/presentationml/2006/main" showMasterSp="0">
   <p:cSld>
     <p:spTree>
       <p:nvGrpSpPr>
@@ -7674,7 +7644,7 @@
 </file>
 
 <file path=ppt/slides/slide7.xml><?xml version="1.0" encoding="utf-8"?>
-<p:sld xmlns:a="http://schemas.openxmlformats.org/drawingml/2006/main" xmlns:r="http://schemas.openxmlformats.org/officeDocument/2006/relationships" xmlns:p="http://schemas.openxmlformats.org/presentationml/2006/main">
+<p:sld xmlns:a="http://schemas.openxmlformats.org/drawingml/2006/main" xmlns:r="http://schemas.openxmlformats.org/officeDocument/2006/relationships" xmlns:p="http://schemas.openxmlformats.org/presentationml/2006/main" showMasterSp="0">
   <p:cSld>
     <p:spTree>
       <p:nvGrpSpPr>
@@ -7765,7 +7735,7 @@
 </file>
 
 <file path=ppt/slides/slide8.xml><?xml version="1.0" encoding="utf-8"?>
-<p:sld xmlns:a="http://schemas.openxmlformats.org/drawingml/2006/main" xmlns:r="http://schemas.openxmlformats.org/officeDocument/2006/relationships" xmlns:p="http://schemas.openxmlformats.org/presentationml/2006/main">
+<p:sld xmlns:a="http://schemas.openxmlformats.org/drawingml/2006/main" xmlns:r="http://schemas.openxmlformats.org/officeDocument/2006/relationships" xmlns:p="http://schemas.openxmlformats.org/presentationml/2006/main" showMasterSp="0">
   <p:cSld>
     <p:spTree>
       <p:nvGrpSpPr>
@@ -7856,7 +7826,7 @@
 </file>
 
 <file path=ppt/slides/slide9.xml><?xml version="1.0" encoding="utf-8"?>
-<p:sld xmlns:a="http://schemas.openxmlformats.org/drawingml/2006/main" xmlns:r="http://schemas.openxmlformats.org/officeDocument/2006/relationships" xmlns:p="http://schemas.openxmlformats.org/presentationml/2006/main">
+<p:sld xmlns:a="http://schemas.openxmlformats.org/drawingml/2006/main" xmlns:r="http://schemas.openxmlformats.org/officeDocument/2006/relationships" xmlns:p="http://schemas.openxmlformats.org/presentationml/2006/main" showMasterSp="0">
   <p:cSld>
     <p:spTree>
       <p:nvGrpSpPr>

--- a/Reports/Group_Presentation.pptx
+++ b/Reports/Group_Presentation.pptx
@@ -5,7 +5,7 @@
     <p:sldMasterId id="2147483648" r:id="rId1"/>
   </p:sldMasterIdLst>
   <p:notesMasterIdLst>
-    <p:notesMasterId r:id="rId35"/>
+    <p:notesMasterId r:id="rId36"/>
   </p:notesMasterIdLst>
   <p:sldIdLst>
     <p:sldId id="257" r:id="rId2"/>
@@ -41,6 +41,7 @@
     <p:sldId id="265" r:id="rId32"/>
     <p:sldId id="266" r:id="rId33"/>
     <p:sldId id="267" r:id="rId34"/>
+    <p:sldId id="291" r:id="rId35"/>
   </p:sldIdLst>
   <p:sldSz cx="9144000" cy="6858000" type="screen4x3"/>
   <p:notesSz cx="6858000" cy="9144000"/>
@@ -6960,25 +6961,29 @@
           </a:p>
         </p:txBody>
       </p:sp>
-      <p:sp>
-        <p:nvSpPr>
-          <p:cNvPr id="5" name="Content Placeholder 4"/>
-          <p:cNvSpPr>
-            <a:spLocks noGrp="1"/>
-          </p:cNvSpPr>
+      <p:pic>
+        <p:nvPicPr>
+          <p:cNvPr id="4" name="Content Placeholder 3" descr="Daugman1.png"/>
+          <p:cNvPicPr>
+            <a:picLocks noGrp="1" noChangeAspect="1"/>
+          </p:cNvPicPr>
           <p:nvPr>
             <p:ph idx="1"/>
           </p:nvPr>
-        </p:nvSpPr>
-        <p:spPr/>
-        <p:txBody>
-          <a:bodyPr/>
-          <a:lstStyle/>
-          <a:p>
-            <a:endParaRPr lang="en-US" dirty="0"/>
-          </a:p>
-        </p:txBody>
-      </p:sp>
+        </p:nvPicPr>
+        <p:blipFill>
+          <a:blip r:embed="rId2"/>
+          <a:stretch>
+            <a:fillRect/>
+          </a:stretch>
+        </p:blipFill>
+        <p:spPr>
+          <a:xfrm>
+            <a:off x="2172694" y="1600200"/>
+            <a:ext cx="4798611" cy="4525963"/>
+          </a:xfrm>
+        </p:spPr>
+      </p:pic>
     </p:spTree>
   </p:cSld>
   <p:clrMapOvr>
@@ -7234,6 +7239,267 @@
       </p:par>
     </p:tnLst>
   </p:timing>
+</p:sld>
+</file>
+
+<file path=ppt/slides/slide34.xml><?xml version="1.0" encoding="utf-8"?>
+<p:sld xmlns:a="http://schemas.openxmlformats.org/drawingml/2006/main" xmlns:r="http://schemas.openxmlformats.org/officeDocument/2006/relationships" xmlns:p="http://schemas.openxmlformats.org/presentationml/2006/main">
+  <p:cSld>
+    <p:spTree>
+      <p:nvGrpSpPr>
+        <p:cNvPr id="1" name=""/>
+        <p:cNvGrpSpPr/>
+        <p:nvPr/>
+      </p:nvGrpSpPr>
+      <p:grpSpPr>
+        <a:xfrm>
+          <a:off x="0" y="0"/>
+          <a:ext cx="0" cy="0"/>
+          <a:chOff x="0" y="0"/>
+          <a:chExt cx="0" cy="0"/>
+        </a:xfrm>
+      </p:grpSpPr>
+      <p:sp>
+        <p:nvSpPr>
+          <p:cNvPr id="2" name="Title 1"/>
+          <p:cNvSpPr>
+            <a:spLocks noGrp="1"/>
+          </p:cNvSpPr>
+          <p:nvPr>
+            <p:ph type="title"/>
+          </p:nvPr>
+        </p:nvSpPr>
+        <p:spPr/>
+        <p:txBody>
+          <a:bodyPr/>
+          <a:lstStyle/>
+          <a:p>
+            <a:r>
+              <a:rPr lang="en-GB" dirty="0" smtClean="0"/>
+              <a:t>Bibliography</a:t>
+            </a:r>
+            <a:endParaRPr lang="en-US" dirty="0"/>
+          </a:p>
+        </p:txBody>
+      </p:sp>
+      <p:sp>
+        <p:nvSpPr>
+          <p:cNvPr id="3" name="Content Placeholder 2"/>
+          <p:cNvSpPr>
+            <a:spLocks noGrp="1"/>
+          </p:cNvSpPr>
+          <p:nvPr>
+            <p:ph idx="1"/>
+          </p:nvPr>
+        </p:nvSpPr>
+        <p:spPr/>
+        <p:txBody>
+          <a:bodyPr>
+            <a:normAutofit fontScale="47500" lnSpcReduction="20000"/>
+          </a:bodyPr>
+          <a:lstStyle/>
+          <a:p>
+            <a:pPr>
+              <a:buNone/>
+            </a:pPr>
+            <a:endParaRPr lang="en-US" dirty="0" smtClean="0"/>
+          </a:p>
+          <a:p>
+            <a:r>
+              <a:rPr lang="en-US" dirty="0" smtClean="0"/>
+              <a:t>"High confidence visual recognition of persons by a test of statistical independence." . </a:t>
+            </a:r>
+            <a:r>
+              <a:rPr lang="en-US" dirty="0" err="1" smtClean="0"/>
+              <a:t>Daugman</a:t>
+            </a:r>
+            <a:r>
+              <a:rPr lang="en-US" dirty="0" smtClean="0"/>
+              <a:t>, J. 1993. </a:t>
+            </a:r>
+            <a:r>
+              <a:rPr lang="en-US" dirty="0" err="1" smtClean="0"/>
+              <a:t>s.l</a:t>
+            </a:r>
+            <a:r>
+              <a:rPr lang="en-US" dirty="0" smtClean="0"/>
+              <a:t>. : IEEE Transactions on Pattern Analysis and Machine Intelligence, 1993, Vols. vol. 15(11), pp. 1148-1161.</a:t>
+            </a:r>
+          </a:p>
+          <a:p>
+            <a:r>
+              <a:rPr lang="en-US" dirty="0" smtClean="0"/>
+              <a:t>‘How Iris Recognition Works’. </a:t>
+            </a:r>
+            <a:r>
+              <a:rPr lang="en-US" dirty="0" err="1" smtClean="0"/>
+              <a:t>Daugman</a:t>
+            </a:r>
+            <a:r>
+              <a:rPr lang="en-US" dirty="0" smtClean="0"/>
+              <a:t>, J. 2004. vol.14(1), </a:t>
+            </a:r>
+            <a:r>
+              <a:rPr lang="en-US" dirty="0" err="1" smtClean="0"/>
+              <a:t>s.l</a:t>
+            </a:r>
+            <a:r>
+              <a:rPr lang="en-US" dirty="0" smtClean="0"/>
+              <a:t>. : IEEE TRANSACTIONS ON CIRCUITS AND SYSTEMS FOR VIDEO TECHNOLOGY, 2004.</a:t>
+            </a:r>
+          </a:p>
+          <a:p>
+            <a:r>
+              <a:rPr lang="en-US" dirty="0" smtClean="0"/>
+              <a:t>A 3x3 Isotropic Gradient Operator for Image Processing. </a:t>
+            </a:r>
+            <a:r>
+              <a:rPr lang="en-US" dirty="0" err="1" smtClean="0"/>
+              <a:t>Sobel</a:t>
+            </a:r>
+            <a:r>
+              <a:rPr lang="en-US" dirty="0" smtClean="0"/>
+              <a:t>, I. and Feldman, G. 1968. </a:t>
+            </a:r>
+            <a:r>
+              <a:rPr lang="en-US" dirty="0" err="1" smtClean="0"/>
+              <a:t>s.l</a:t>
+            </a:r>
+            <a:r>
+              <a:rPr lang="en-US" dirty="0" smtClean="0"/>
+              <a:t>. : presented at a talk at the Stanford Artificial Project ., 1968.</a:t>
+            </a:r>
+          </a:p>
+          <a:p>
+            <a:r>
+              <a:rPr lang="en-US" dirty="0" smtClean="0"/>
+              <a:t>A Linear Algorithm for Incremental Digital Display of Circular Arcs. </a:t>
+            </a:r>
+            <a:r>
+              <a:rPr lang="en-US" dirty="0" err="1" smtClean="0"/>
+              <a:t>Bresenham</a:t>
+            </a:r>
+            <a:r>
+              <a:rPr lang="en-US" dirty="0" smtClean="0"/>
+              <a:t>, J.E. 1977. </a:t>
+            </a:r>
+            <a:r>
+              <a:rPr lang="en-US" dirty="0" err="1" smtClean="0"/>
+              <a:t>s.l</a:t>
+            </a:r>
+            <a:r>
+              <a:rPr lang="en-US" dirty="0" smtClean="0"/>
+              <a:t>. : Communications of the ACM, 20(2), 1977. Vols. February ,100-106.</a:t>
+            </a:r>
+          </a:p>
+          <a:p>
+            <a:r>
+              <a:rPr lang="en-US" dirty="0" err="1" smtClean="0"/>
+              <a:t>Bresenham</a:t>
+            </a:r>
+            <a:r>
+              <a:rPr lang="en-US" dirty="0" smtClean="0"/>
+              <a:t>, J.E. (1965) “Algorithm for computer control of a digital plotter”. IBM Systems Journal </a:t>
+            </a:r>
+            <a:r>
+              <a:rPr lang="en-US" dirty="0" err="1" smtClean="0"/>
+              <a:t>Vol</a:t>
+            </a:r>
+            <a:r>
+              <a:rPr lang="en-US" dirty="0" smtClean="0"/>
+              <a:t> 4(1). </a:t>
+            </a:r>
+          </a:p>
+          <a:p>
+            <a:r>
+              <a:rPr lang="en-US" dirty="0" err="1" smtClean="0"/>
+              <a:t>Nelder</a:t>
+            </a:r>
+            <a:r>
+              <a:rPr lang="en-US" dirty="0" smtClean="0"/>
+              <a:t>, J.A. and Mead, R. 1965. </a:t>
+            </a:r>
+            <a:r>
+              <a:rPr lang="en-US" dirty="0" err="1" smtClean="0"/>
+              <a:t>s.l</a:t>
+            </a:r>
+            <a:r>
+              <a:rPr lang="en-US" dirty="0" smtClean="0"/>
+              <a:t>. : Computer Journal, 1965, Vols. vol.7, pp.308-313.</a:t>
+            </a:r>
+          </a:p>
+          <a:p>
+            <a:r>
+              <a:rPr lang="en-US" dirty="0" smtClean="0"/>
+              <a:t>W.K Kong and D. Zhang (2001), “Accurate Iris Segmentation Based on Novel Reflection and Eyelash Detection Model,” Proceedings of International Symposium on Intelligent Multimedia, Video and Speech </a:t>
+            </a:r>
+            <a:r>
+              <a:rPr lang="en-US" dirty="0" err="1" smtClean="0"/>
+              <a:t>Processing,Hong</a:t>
+            </a:r>
+            <a:r>
+              <a:rPr lang="en-US" dirty="0" smtClean="0"/>
+              <a:t> Kong.</a:t>
+            </a:r>
+          </a:p>
+          <a:p>
+            <a:r>
+              <a:rPr lang="en-US" dirty="0" smtClean="0"/>
+              <a:t>Libor </a:t>
+            </a:r>
+            <a:r>
+              <a:rPr lang="en-US" dirty="0" err="1" smtClean="0"/>
+              <a:t>Masek</a:t>
+            </a:r>
+            <a:r>
+              <a:rPr lang="en-US" dirty="0" smtClean="0"/>
+              <a:t>, </a:t>
+            </a:r>
+            <a:r>
+              <a:rPr lang="en-US" dirty="0" err="1" smtClean="0"/>
+              <a:t>Rocognition</a:t>
+            </a:r>
+            <a:r>
+              <a:rPr lang="en-US" dirty="0" smtClean="0"/>
+              <a:t> of Human Iris Patterns for Biometric Identification, University of Western Australia, 2003.</a:t>
+            </a:r>
+          </a:p>
+          <a:p>
+            <a:r>
+              <a:rPr lang="en-US" dirty="0" err="1" smtClean="0"/>
+              <a:t>Arvacheh</a:t>
+            </a:r>
+            <a:r>
+              <a:rPr lang="en-US" dirty="0" smtClean="0"/>
+              <a:t>, E.M.; </a:t>
+            </a:r>
+            <a:r>
+              <a:rPr lang="en-US" dirty="0" err="1" smtClean="0"/>
+              <a:t>Tizhoosh</a:t>
+            </a:r>
+            <a:r>
+              <a:rPr lang="en-US" dirty="0" smtClean="0"/>
+              <a:t>, H.R. (2006) 'IRIS Segmentation: Detecting Pupil, </a:t>
+            </a:r>
+            <a:r>
+              <a:rPr lang="en-US" dirty="0" err="1" smtClean="0"/>
+              <a:t>Limbus</a:t>
+            </a:r>
+            <a:r>
+              <a:rPr lang="en-US" dirty="0" smtClean="0"/>
+              <a:t> and Eyelids', Image Processing, 2006 IEEE International Conference.</a:t>
+            </a:r>
+          </a:p>
+          <a:p>
+            <a:endParaRPr lang="en-US" dirty="0"/>
+          </a:p>
+        </p:txBody>
+      </p:sp>
+    </p:spTree>
+  </p:cSld>
+  <p:clrMapOvr>
+    <a:masterClrMapping/>
+  </p:clrMapOvr>
 </p:sld>
 </file>
 
@@ -7464,33 +7730,6 @@
       </p:sp>
       <p:sp>
         <p:nvSpPr>
-          <p:cNvPr id="3" name="Content Placeholder 2"/>
-          <p:cNvSpPr>
-            <a:spLocks noGrp="1"/>
-          </p:cNvSpPr>
-          <p:nvPr>
-            <p:ph idx="1"/>
-          </p:nvPr>
-        </p:nvSpPr>
-        <p:spPr>
-          <a:xfrm>
-            <a:off x="381000" y="2971800"/>
-            <a:ext cx="8229600" cy="2285999"/>
-          </a:xfrm>
-        </p:spPr>
-        <p:txBody>
-          <a:bodyPr/>
-          <a:lstStyle/>
-          <a:p>
-            <a:pPr>
-              <a:buNone/>
-            </a:pPr>
-            <a:endParaRPr lang="en-US" dirty="0"/>
-          </a:p>
-        </p:txBody>
-      </p:sp>
-      <p:sp>
-        <p:nvSpPr>
           <p:cNvPr id="1026" name="Rectangle 2"/>
           <p:cNvSpPr>
             <a:spLocks noChangeArrowheads="1"/>
@@ -7527,43 +7766,6 @@
           </a:p>
         </p:txBody>
       </p:sp>
-      <p:pic>
-        <p:nvPicPr>
-          <p:cNvPr id="1025" name="Picture 1"/>
-          <p:cNvPicPr>
-            <a:picLocks noChangeAspect="1" noChangeArrowheads="1"/>
-          </p:cNvPicPr>
-          <p:nvPr/>
-        </p:nvPicPr>
-        <p:blipFill>
-          <a:blip r:embed="rId2">
-            <a:clrChange>
-              <a:clrFrom>
-                <a:srgbClr val="FFFFFF"/>
-              </a:clrFrom>
-              <a:clrTo>
-                <a:srgbClr val="FFFFFF">
-                  <a:alpha val="0"/>
-                </a:srgbClr>
-              </a:clrTo>
-            </a:clrChange>
-          </a:blip>
-          <a:srcRect/>
-          <a:stretch>
-            <a:fillRect/>
-          </a:stretch>
-        </p:blipFill>
-        <p:spPr bwMode="auto">
-          <a:xfrm>
-            <a:off x="-381000" y="2209800"/>
-            <a:ext cx="10439400" cy="2514600"/>
-          </a:xfrm>
-          <a:prstGeom prst="rect">
-            <a:avLst/>
-          </a:prstGeom>
-          <a:noFill/>
-        </p:spPr>
-      </p:pic>
       <p:sp>
         <p:nvSpPr>
           <p:cNvPr id="1027" name="Rectangle 3"/>
@@ -7628,6 +7830,30 @@
           </a:p>
         </p:txBody>
       </p:sp>
+      <p:pic>
+        <p:nvPicPr>
+          <p:cNvPr id="7" name="Picture 6" descr="equation.png"/>
+          <p:cNvPicPr>
+            <a:picLocks noChangeAspect="1"/>
+          </p:cNvPicPr>
+          <p:nvPr/>
+        </p:nvPicPr>
+        <p:blipFill>
+          <a:blip r:embed="rId2"/>
+          <a:stretch>
+            <a:fillRect/>
+          </a:stretch>
+        </p:blipFill>
+        <p:spPr>
+          <a:xfrm>
+            <a:off x="0" y="1944725"/>
+            <a:ext cx="9144000" cy="2968550"/>
+          </a:xfrm>
+          <a:prstGeom prst="rect">
+            <a:avLst/>
+          </a:prstGeom>
+        </p:spPr>
+      </p:pic>
     </p:spTree>
   </p:cSld>
   <p:clrMapOvr>

--- a/Reports/Group_Presentation.pptx
+++ b/Reports/Group_Presentation.pptx
@@ -5,7 +5,7 @@
     <p:sldMasterId id="2147483648" r:id="rId1"/>
   </p:sldMasterIdLst>
   <p:notesMasterIdLst>
-    <p:notesMasterId r:id="rId36"/>
+    <p:notesMasterId r:id="rId39"/>
   </p:notesMasterIdLst>
   <p:sldIdLst>
     <p:sldId id="257" r:id="rId2"/>
@@ -40,8 +40,11 @@
     <p:sldId id="268" r:id="rId31"/>
     <p:sldId id="265" r:id="rId32"/>
     <p:sldId id="266" r:id="rId33"/>
-    <p:sldId id="267" r:id="rId34"/>
-    <p:sldId id="291" r:id="rId35"/>
+    <p:sldId id="292" r:id="rId34"/>
+    <p:sldId id="267" r:id="rId35"/>
+    <p:sldId id="293" r:id="rId36"/>
+    <p:sldId id="294" r:id="rId37"/>
+    <p:sldId id="291" r:id="rId38"/>
   </p:sldIdLst>
   <p:sldSz cx="9144000" cy="6858000" type="screen4x3"/>
   <p:notesSz cx="6858000" cy="9144000"/>
@@ -5508,8 +5511,13 @@
           <a:p>
             <a:r>
               <a:rPr lang="en-GB" dirty="0" smtClean="0"/>
-              <a:t>Iris Location</a:t>
-            </a:r>
+              <a:t>Iris </a:t>
+            </a:r>
+            <a:r>
+              <a:rPr lang="en-GB" dirty="0" smtClean="0"/>
+              <a:t>location</a:t>
+            </a:r>
+            <a:endParaRPr lang="en-GB" dirty="0" smtClean="0"/>
           </a:p>
           <a:p>
             <a:r>
@@ -5526,13 +5534,17 @@
           <a:p>
             <a:r>
               <a:rPr lang="en-GB" dirty="0" smtClean="0"/>
-              <a:t>Hamming distance</a:t>
+              <a:t>Database access</a:t>
             </a:r>
           </a:p>
           <a:p>
             <a:r>
               <a:rPr lang="en-GB" dirty="0" smtClean="0"/>
-              <a:t>Database access</a:t>
+              <a:t>Hamming </a:t>
+            </a:r>
+            <a:r>
+              <a:rPr lang="en-GB" dirty="0" smtClean="0"/>
+              <a:t>distance</a:t>
             </a:r>
           </a:p>
           <a:p>
@@ -5540,6 +5552,7 @@
               <a:rPr lang="en-GB" dirty="0" smtClean="0"/>
               <a:t>Demonstration</a:t>
             </a:r>
+            <a:endParaRPr lang="en-GB" dirty="0" smtClean="0"/>
           </a:p>
           <a:p>
             <a:r>
@@ -7041,9 +7054,9 @@
       </p:sp>
       <p:pic>
         <p:nvPicPr>
-          <p:cNvPr id="4" name="Content Placeholder 3" descr="best_double.png"/>
+          <p:cNvPr id="6" name="Content Placeholder 5" descr="best_single.png"/>
           <p:cNvPicPr>
-            <a:picLocks noGrp="1"/>
+            <a:picLocks noGrp="1" noChangeAspect="1"/>
           </p:cNvPicPr>
           <p:nvPr>
             <p:ph idx="1"/>
@@ -7057,12 +7070,9 @@
         </p:blipFill>
         <p:spPr>
           <a:xfrm>
-            <a:off x="1905000" y="1600200"/>
-            <a:ext cx="5333334" cy="4000000"/>
+            <a:off x="1726953" y="1729396"/>
+            <a:ext cx="5690093" cy="4267570"/>
           </a:xfrm>
-          <a:prstGeom prst="rect">
-            <a:avLst/>
-          </a:prstGeom>
         </p:spPr>
       </p:pic>
     </p:spTree>
@@ -7122,9 +7132,9 @@
       </p:sp>
       <p:pic>
         <p:nvPicPr>
-          <p:cNvPr id="6" name="Content Placeholder 5" descr="best_single.png"/>
+          <p:cNvPr id="5" name="Content Placeholder 4" descr="best_twoEyes.png"/>
           <p:cNvPicPr>
-            <a:picLocks noGrp="1"/>
+            <a:picLocks noGrp="1" noChangeAspect="1"/>
           </p:cNvPicPr>
           <p:nvPr>
             <p:ph idx="1"/>
@@ -7138,12 +7148,9 @@
         </p:blipFill>
         <p:spPr>
           <a:xfrm>
-            <a:off x="1905333" y="1863181"/>
-            <a:ext cx="5333334" cy="4000000"/>
+            <a:off x="1726953" y="1729396"/>
+            <a:ext cx="5690093" cy="4267570"/>
           </a:xfrm>
-          <a:prstGeom prst="rect">
-            <a:avLst/>
-          </a:prstGeom>
         </p:spPr>
       </p:pic>
     </p:spTree>
@@ -7162,6 +7169,77 @@
 </file>
 
 <file path=ppt/slides/slide33.xml><?xml version="1.0" encoding="utf-8"?>
+<p:sld xmlns:a="http://schemas.openxmlformats.org/drawingml/2006/main" xmlns:r="http://schemas.openxmlformats.org/officeDocument/2006/relationships" xmlns:p="http://schemas.openxmlformats.org/presentationml/2006/main">
+  <p:cSld>
+    <p:spTree>
+      <p:nvGrpSpPr>
+        <p:cNvPr id="1" name=""/>
+        <p:cNvGrpSpPr/>
+        <p:nvPr/>
+      </p:nvGrpSpPr>
+      <p:grpSpPr>
+        <a:xfrm>
+          <a:off x="0" y="0"/>
+          <a:ext cx="0" cy="0"/>
+          <a:chOff x="0" y="0"/>
+          <a:chExt cx="0" cy="0"/>
+        </a:xfrm>
+      </p:grpSpPr>
+      <p:sp>
+        <p:nvSpPr>
+          <p:cNvPr id="2" name="Title 1"/>
+          <p:cNvSpPr>
+            <a:spLocks noGrp="1"/>
+          </p:cNvSpPr>
+          <p:nvPr>
+            <p:ph type="title"/>
+          </p:nvPr>
+        </p:nvSpPr>
+        <p:spPr/>
+        <p:txBody>
+          <a:bodyPr/>
+          <a:lstStyle/>
+          <a:p>
+            <a:r>
+              <a:rPr lang="en-GB" dirty="0" smtClean="0"/>
+              <a:t>Spot the difference...</a:t>
+            </a:r>
+            <a:endParaRPr lang="en-US" dirty="0"/>
+          </a:p>
+        </p:txBody>
+      </p:sp>
+      <p:pic>
+        <p:nvPicPr>
+          <p:cNvPr id="4" name="Content Placeholder 3" descr="Gabor_vs_Gauss.png"/>
+          <p:cNvPicPr>
+            <a:picLocks noGrp="1" noChangeAspect="1"/>
+          </p:cNvPicPr>
+          <p:nvPr>
+            <p:ph idx="1"/>
+          </p:nvPr>
+        </p:nvPicPr>
+        <p:blipFill>
+          <a:blip r:embed="rId2"/>
+          <a:stretch>
+            <a:fillRect/>
+          </a:stretch>
+        </p:blipFill>
+        <p:spPr>
+          <a:xfrm>
+            <a:off x="1219200" y="1600200"/>
+            <a:ext cx="7460486" cy="4525963"/>
+          </a:xfrm>
+        </p:spPr>
+      </p:pic>
+    </p:spTree>
+  </p:cSld>
+  <p:clrMapOvr>
+    <a:masterClrMapping/>
+  </p:clrMapOvr>
+</p:sld>
+</file>
+
+<file path=ppt/slides/slide34.xml><?xml version="1.0" encoding="utf-8"?>
 <p:sld xmlns:a="http://schemas.openxmlformats.org/drawingml/2006/main" xmlns:r="http://schemas.openxmlformats.org/officeDocument/2006/relationships" xmlns:p="http://schemas.openxmlformats.org/presentationml/2006/main" showMasterSp="0">
   <p:cSld>
     <p:spTree>
@@ -7203,9 +7281,9 @@
       </p:sp>
       <p:pic>
         <p:nvPicPr>
-          <p:cNvPr id="5" name="Content Placeholder 4" descr="best_gauss.png"/>
+          <p:cNvPr id="7" name="Content Placeholder 6" descr="best_gaussian.png"/>
           <p:cNvPicPr>
-            <a:picLocks noGrp="1"/>
+            <a:picLocks noGrp="1" noChangeAspect="1"/>
           </p:cNvPicPr>
           <p:nvPr>
             <p:ph idx="1"/>
@@ -7219,12 +7297,9 @@
         </p:blipFill>
         <p:spPr>
           <a:xfrm>
-            <a:off x="1905333" y="1863181"/>
-            <a:ext cx="5333334" cy="4000000"/>
+            <a:off x="1726953" y="1729396"/>
+            <a:ext cx="5690093" cy="4267570"/>
           </a:xfrm>
-          <a:prstGeom prst="rect">
-            <a:avLst/>
-          </a:prstGeom>
         </p:spPr>
       </p:pic>
     </p:spTree>
@@ -7242,7 +7317,7 @@
 </p:sld>
 </file>
 
-<file path=ppt/slides/slide34.xml><?xml version="1.0" encoding="utf-8"?>
+<file path=ppt/slides/slide35.xml><?xml version="1.0" encoding="utf-8"?>
 <p:sld xmlns:a="http://schemas.openxmlformats.org/drawingml/2006/main" xmlns:r="http://schemas.openxmlformats.org/officeDocument/2006/relationships" xmlns:p="http://schemas.openxmlformats.org/presentationml/2006/main">
   <p:cSld>
     <p:spTree>
@@ -7276,7 +7351,7 @@
           <a:p>
             <a:r>
               <a:rPr lang="en-GB" dirty="0" smtClean="0"/>
-              <a:t>Bibliography</a:t>
+              <a:t>Conclusion</a:t>
             </a:r>
             <a:endParaRPr lang="en-US" dirty="0"/>
           </a:p>
@@ -7294,200 +7369,33 @@
         </p:nvSpPr>
         <p:spPr/>
         <p:txBody>
-          <a:bodyPr>
-            <a:normAutofit fontScale="47500" lnSpcReduction="20000"/>
-          </a:bodyPr>
-          <a:lstStyle/>
-          <a:p>
-            <a:pPr>
-              <a:buNone/>
-            </a:pPr>
-            <a:endParaRPr lang="en-US" dirty="0" smtClean="0"/>
-          </a:p>
-          <a:p>
-            <a:r>
-              <a:rPr lang="en-US" dirty="0" smtClean="0"/>
-              <a:t>"High confidence visual recognition of persons by a test of statistical independence." . </a:t>
-            </a:r>
-            <a:r>
-              <a:rPr lang="en-US" dirty="0" err="1" smtClean="0"/>
-              <a:t>Daugman</a:t>
-            </a:r>
-            <a:r>
-              <a:rPr lang="en-US" dirty="0" smtClean="0"/>
-              <a:t>, J. 1993. </a:t>
-            </a:r>
-            <a:r>
-              <a:rPr lang="en-US" dirty="0" err="1" smtClean="0"/>
-              <a:t>s.l</a:t>
-            </a:r>
-            <a:r>
-              <a:rPr lang="en-US" dirty="0" smtClean="0"/>
-              <a:t>. : IEEE Transactions on Pattern Analysis and Machine Intelligence, 1993, Vols. vol. 15(11), pp. 1148-1161.</a:t>
-            </a:r>
-          </a:p>
-          <a:p>
-            <a:r>
-              <a:rPr lang="en-US" dirty="0" smtClean="0"/>
-              <a:t>‘How Iris Recognition Works’. </a:t>
-            </a:r>
-            <a:r>
-              <a:rPr lang="en-US" dirty="0" err="1" smtClean="0"/>
-              <a:t>Daugman</a:t>
-            </a:r>
-            <a:r>
-              <a:rPr lang="en-US" dirty="0" smtClean="0"/>
-              <a:t>, J. 2004. vol.14(1), </a:t>
-            </a:r>
-            <a:r>
-              <a:rPr lang="en-US" dirty="0" err="1" smtClean="0"/>
-              <a:t>s.l</a:t>
-            </a:r>
-            <a:r>
-              <a:rPr lang="en-US" dirty="0" smtClean="0"/>
-              <a:t>. : IEEE TRANSACTIONS ON CIRCUITS AND SYSTEMS FOR VIDEO TECHNOLOGY, 2004.</a:t>
-            </a:r>
-          </a:p>
-          <a:p>
-            <a:r>
-              <a:rPr lang="en-US" dirty="0" smtClean="0"/>
-              <a:t>A 3x3 Isotropic Gradient Operator for Image Processing. </a:t>
-            </a:r>
-            <a:r>
-              <a:rPr lang="en-US" dirty="0" err="1" smtClean="0"/>
-              <a:t>Sobel</a:t>
-            </a:r>
-            <a:r>
-              <a:rPr lang="en-US" dirty="0" smtClean="0"/>
-              <a:t>, I. and Feldman, G. 1968. </a:t>
-            </a:r>
-            <a:r>
-              <a:rPr lang="en-US" dirty="0" err="1" smtClean="0"/>
-              <a:t>s.l</a:t>
-            </a:r>
-            <a:r>
-              <a:rPr lang="en-US" dirty="0" smtClean="0"/>
-              <a:t>. : presented at a talk at the Stanford Artificial Project ., 1968.</a:t>
-            </a:r>
-          </a:p>
-          <a:p>
-            <a:r>
-              <a:rPr lang="en-US" dirty="0" smtClean="0"/>
-              <a:t>A Linear Algorithm for Incremental Digital Display of Circular Arcs. </a:t>
-            </a:r>
-            <a:r>
-              <a:rPr lang="en-US" dirty="0" err="1" smtClean="0"/>
-              <a:t>Bresenham</a:t>
-            </a:r>
-            <a:r>
-              <a:rPr lang="en-US" dirty="0" smtClean="0"/>
-              <a:t>, J.E. 1977. </a:t>
-            </a:r>
-            <a:r>
-              <a:rPr lang="en-US" dirty="0" err="1" smtClean="0"/>
-              <a:t>s.l</a:t>
-            </a:r>
-            <a:r>
-              <a:rPr lang="en-US" dirty="0" smtClean="0"/>
-              <a:t>. : Communications of the ACM, 20(2), 1977. Vols. February ,100-106.</a:t>
-            </a:r>
-          </a:p>
-          <a:p>
-            <a:r>
-              <a:rPr lang="en-US" dirty="0" err="1" smtClean="0"/>
-              <a:t>Bresenham</a:t>
-            </a:r>
-            <a:r>
-              <a:rPr lang="en-US" dirty="0" smtClean="0"/>
-              <a:t>, J.E. (1965) “Algorithm for computer control of a digital plotter”. IBM Systems Journal </a:t>
-            </a:r>
-            <a:r>
-              <a:rPr lang="en-US" dirty="0" err="1" smtClean="0"/>
-              <a:t>Vol</a:t>
-            </a:r>
-            <a:r>
-              <a:rPr lang="en-US" dirty="0" smtClean="0"/>
-              <a:t> 4(1). </a:t>
-            </a:r>
-          </a:p>
-          <a:p>
-            <a:r>
-              <a:rPr lang="en-US" dirty="0" err="1" smtClean="0"/>
-              <a:t>Nelder</a:t>
-            </a:r>
-            <a:r>
-              <a:rPr lang="en-US" dirty="0" smtClean="0"/>
-              <a:t>, J.A. and Mead, R. 1965. </a:t>
-            </a:r>
-            <a:r>
-              <a:rPr lang="en-US" dirty="0" err="1" smtClean="0"/>
-              <a:t>s.l</a:t>
-            </a:r>
-            <a:r>
-              <a:rPr lang="en-US" dirty="0" smtClean="0"/>
-              <a:t>. : Computer Journal, 1965, Vols. vol.7, pp.308-313.</a:t>
-            </a:r>
-          </a:p>
-          <a:p>
-            <a:r>
-              <a:rPr lang="en-US" dirty="0" smtClean="0"/>
-              <a:t>W.K Kong and D. Zhang (2001), “Accurate Iris Segmentation Based on Novel Reflection and Eyelash Detection Model,” Proceedings of International Symposium on Intelligent Multimedia, Video and Speech </a:t>
-            </a:r>
-            <a:r>
-              <a:rPr lang="en-US" dirty="0" err="1" smtClean="0"/>
-              <a:t>Processing,Hong</a:t>
-            </a:r>
-            <a:r>
-              <a:rPr lang="en-US" dirty="0" smtClean="0"/>
-              <a:t> Kong.</a:t>
-            </a:r>
-          </a:p>
-          <a:p>
-            <a:r>
-              <a:rPr lang="en-US" dirty="0" smtClean="0"/>
-              <a:t>Libor </a:t>
-            </a:r>
-            <a:r>
-              <a:rPr lang="en-US" dirty="0" err="1" smtClean="0"/>
-              <a:t>Masek</a:t>
-            </a:r>
-            <a:r>
-              <a:rPr lang="en-US" dirty="0" smtClean="0"/>
-              <a:t>, </a:t>
-            </a:r>
-            <a:r>
-              <a:rPr lang="en-US" dirty="0" err="1" smtClean="0"/>
-              <a:t>Rocognition</a:t>
-            </a:r>
-            <a:r>
-              <a:rPr lang="en-US" dirty="0" smtClean="0"/>
-              <a:t> of Human Iris Patterns for Biometric Identification, University of Western Australia, 2003.</a:t>
-            </a:r>
-          </a:p>
-          <a:p>
-            <a:r>
-              <a:rPr lang="en-US" dirty="0" err="1" smtClean="0"/>
-              <a:t>Arvacheh</a:t>
-            </a:r>
-            <a:r>
-              <a:rPr lang="en-US" dirty="0" smtClean="0"/>
-              <a:t>, E.M.; </a:t>
-            </a:r>
-            <a:r>
-              <a:rPr lang="en-US" dirty="0" err="1" smtClean="0"/>
-              <a:t>Tizhoosh</a:t>
-            </a:r>
-            <a:r>
-              <a:rPr lang="en-US" dirty="0" smtClean="0"/>
-              <a:t>, H.R. (2006) 'IRIS Segmentation: Detecting Pupil, </a:t>
-            </a:r>
-            <a:r>
-              <a:rPr lang="en-US" dirty="0" err="1" smtClean="0"/>
-              <a:t>Limbus</a:t>
-            </a:r>
-            <a:r>
-              <a:rPr lang="en-US" dirty="0" smtClean="0"/>
-              <a:t> and Eyelids', Image Processing, 2006 IEEE International Conference.</a:t>
+          <a:bodyPr/>
+          <a:lstStyle/>
+          <a:p>
+            <a:endParaRPr lang="en-GB" dirty="0" smtClean="0"/>
+          </a:p>
+          <a:p>
+            <a:r>
+              <a:rPr lang="en-GB" dirty="0" smtClean="0"/>
+              <a:t>The team produced much more than any one individual could have in the time</a:t>
+            </a:r>
+          </a:p>
+          <a:p>
+            <a:r>
+              <a:rPr lang="en-GB" dirty="0" smtClean="0"/>
+              <a:t>There is a lot still to learn...</a:t>
+            </a:r>
+          </a:p>
+          <a:p>
+            <a:r>
+              <a:rPr lang="en-GB" dirty="0" smtClean="0"/>
+              <a:t>...good start understanding Iris Recognition...</a:t>
+            </a:r>
+          </a:p>
+          <a:p>
+            <a:r>
+              <a:rPr lang="en-GB" dirty="0" smtClean="0"/>
+              <a:t>...and engineering software in teams</a:t>
             </a:r>
           </a:p>
           <a:p>
@@ -7500,6 +7408,438 @@
   <p:clrMapOvr>
     <a:masterClrMapping/>
   </p:clrMapOvr>
+</p:sld>
+</file>
+
+<file path=ppt/slides/slide36.xml><?xml version="1.0" encoding="utf-8"?>
+<p:sld xmlns:a="http://schemas.openxmlformats.org/drawingml/2006/main" xmlns:r="http://schemas.openxmlformats.org/officeDocument/2006/relationships" xmlns:p="http://schemas.openxmlformats.org/presentationml/2006/main">
+  <p:cSld>
+    <p:spTree>
+      <p:nvGrpSpPr>
+        <p:cNvPr id="1" name=""/>
+        <p:cNvGrpSpPr/>
+        <p:nvPr/>
+      </p:nvGrpSpPr>
+      <p:grpSpPr>
+        <a:xfrm>
+          <a:off x="0" y="0"/>
+          <a:ext cx="0" cy="0"/>
+          <a:chOff x="0" y="0"/>
+          <a:chExt cx="0" cy="0"/>
+        </a:xfrm>
+      </p:grpSpPr>
+      <p:sp>
+        <p:nvSpPr>
+          <p:cNvPr id="2" name="Title 1"/>
+          <p:cNvSpPr>
+            <a:spLocks noGrp="1"/>
+          </p:cNvSpPr>
+          <p:nvPr>
+            <p:ph type="title"/>
+          </p:nvPr>
+        </p:nvSpPr>
+        <p:spPr/>
+        <p:txBody>
+          <a:bodyPr/>
+          <a:lstStyle/>
+          <a:p>
+            <a:r>
+              <a:rPr lang="en-GB" dirty="0" smtClean="0"/>
+              <a:t>Acknowledgements</a:t>
+            </a:r>
+            <a:endParaRPr lang="en-US" dirty="0"/>
+          </a:p>
+        </p:txBody>
+      </p:sp>
+      <p:sp>
+        <p:nvSpPr>
+          <p:cNvPr id="3" name="Content Placeholder 2"/>
+          <p:cNvSpPr>
+            <a:spLocks noGrp="1"/>
+          </p:cNvSpPr>
+          <p:nvPr>
+            <p:ph idx="1"/>
+          </p:nvPr>
+        </p:nvSpPr>
+        <p:spPr/>
+        <p:txBody>
+          <a:bodyPr/>
+          <a:lstStyle/>
+          <a:p>
+            <a:pPr>
+              <a:buNone/>
+            </a:pPr>
+            <a:r>
+              <a:rPr lang="en-GB" dirty="0" smtClean="0"/>
+              <a:t>	Dr. Ashok Argent-</a:t>
+            </a:r>
+            <a:r>
+              <a:rPr lang="en-GB" dirty="0" err="1" smtClean="0"/>
+              <a:t>Katwala</a:t>
+            </a:r>
+            <a:r>
+              <a:rPr lang="en-GB" dirty="0" smtClean="0"/>
+              <a:t> </a:t>
+            </a:r>
+            <a:endParaRPr lang="en-US" dirty="0" smtClean="0"/>
+          </a:p>
+          <a:p>
+            <a:pPr>
+              <a:buNone/>
+            </a:pPr>
+            <a:r>
+              <a:rPr lang="en-GB" sz="2400" dirty="0" smtClean="0"/>
+              <a:t>	</a:t>
+            </a:r>
+            <a:r>
+              <a:rPr lang="en-GB" sz="2400" dirty="0" smtClean="0"/>
+              <a:t>Supervisor</a:t>
+            </a:r>
+          </a:p>
+          <a:p>
+            <a:pPr>
+              <a:buNone/>
+            </a:pPr>
+            <a:endParaRPr lang="en-GB" dirty="0" smtClean="0"/>
+          </a:p>
+          <a:p>
+            <a:pPr>
+              <a:buNone/>
+            </a:pPr>
+            <a:r>
+              <a:rPr lang="en-GB" dirty="0" smtClean="0"/>
+              <a:t>	</a:t>
+            </a:r>
+            <a:r>
+              <a:rPr lang="en-GB" dirty="0" smtClean="0"/>
+              <a:t>Professor Duncan </a:t>
+            </a:r>
+            <a:r>
+              <a:rPr lang="en-GB" dirty="0" err="1" smtClean="0"/>
+              <a:t>Gillies</a:t>
+            </a:r>
+            <a:endParaRPr lang="en-GB" dirty="0" smtClean="0"/>
+          </a:p>
+          <a:p>
+            <a:pPr>
+              <a:buNone/>
+            </a:pPr>
+            <a:r>
+              <a:rPr lang="en-GB" sz="2400" dirty="0" smtClean="0"/>
+              <a:t>	</a:t>
+            </a:r>
+            <a:r>
+              <a:rPr lang="en-GB" sz="2400" dirty="0" smtClean="0"/>
+              <a:t>Additional advice</a:t>
+            </a:r>
+          </a:p>
+          <a:p>
+            <a:pPr>
+              <a:buNone/>
+            </a:pPr>
+            <a:endParaRPr lang="en-GB" sz="2400" dirty="0" smtClean="0"/>
+          </a:p>
+          <a:p>
+            <a:pPr>
+              <a:buNone/>
+            </a:pPr>
+            <a:r>
+              <a:rPr lang="en-GB" sz="2400" dirty="0" smtClean="0"/>
+              <a:t>	</a:t>
+            </a:r>
+            <a:r>
+              <a:rPr lang="en-GB" dirty="0" smtClean="0"/>
+              <a:t>David McBride</a:t>
+            </a:r>
+          </a:p>
+          <a:p>
+            <a:pPr>
+              <a:buNone/>
+            </a:pPr>
+            <a:r>
+              <a:rPr lang="en-GB" sz="2400" dirty="0" smtClean="0"/>
+              <a:t>	</a:t>
+            </a:r>
+            <a:r>
+              <a:rPr lang="en-GB" sz="2400" dirty="0" smtClean="0"/>
+              <a:t>Help with Condor</a:t>
+            </a:r>
+          </a:p>
+        </p:txBody>
+      </p:sp>
+    </p:spTree>
+  </p:cSld>
+  <p:clrMapOvr>
+    <a:masterClrMapping/>
+  </p:clrMapOvr>
+</p:sld>
+</file>
+
+<file path=ppt/slides/slide37.xml><?xml version="1.0" encoding="utf-8"?>
+<p:sld xmlns:a="http://schemas.openxmlformats.org/drawingml/2006/main" xmlns:r="http://schemas.openxmlformats.org/officeDocument/2006/relationships" xmlns:p="http://schemas.openxmlformats.org/presentationml/2006/main">
+  <p:cSld>
+    <p:spTree>
+      <p:nvGrpSpPr>
+        <p:cNvPr id="1" name=""/>
+        <p:cNvGrpSpPr/>
+        <p:nvPr/>
+      </p:nvGrpSpPr>
+      <p:grpSpPr>
+        <a:xfrm>
+          <a:off x="0" y="0"/>
+          <a:ext cx="0" cy="0"/>
+          <a:chOff x="0" y="0"/>
+          <a:chExt cx="0" cy="0"/>
+        </a:xfrm>
+      </p:grpSpPr>
+      <p:sp>
+        <p:nvSpPr>
+          <p:cNvPr id="2" name="Title 1"/>
+          <p:cNvSpPr>
+            <a:spLocks noGrp="1"/>
+          </p:cNvSpPr>
+          <p:nvPr>
+            <p:ph type="title"/>
+          </p:nvPr>
+        </p:nvSpPr>
+        <p:spPr/>
+        <p:txBody>
+          <a:bodyPr/>
+          <a:lstStyle/>
+          <a:p>
+            <a:r>
+              <a:rPr lang="en-GB" dirty="0" smtClean="0"/>
+              <a:t>Bibliography</a:t>
+            </a:r>
+            <a:endParaRPr lang="en-US" dirty="0"/>
+          </a:p>
+        </p:txBody>
+      </p:sp>
+      <p:sp>
+        <p:nvSpPr>
+          <p:cNvPr id="3" name="Content Placeholder 2"/>
+          <p:cNvSpPr>
+            <a:spLocks noGrp="1"/>
+          </p:cNvSpPr>
+          <p:nvPr>
+            <p:ph idx="1"/>
+          </p:nvPr>
+        </p:nvSpPr>
+        <p:spPr/>
+        <p:txBody>
+          <a:bodyPr>
+            <a:normAutofit fontScale="47500" lnSpcReduction="20000"/>
+          </a:bodyPr>
+          <a:lstStyle/>
+          <a:p>
+            <a:pPr>
+              <a:buNone/>
+            </a:pPr>
+            <a:endParaRPr lang="en-US" dirty="0" smtClean="0"/>
+          </a:p>
+          <a:p>
+            <a:r>
+              <a:rPr lang="en-US" dirty="0" smtClean="0"/>
+              <a:t>"High confidence visual recognition of persons by a test of statistical independence." . </a:t>
+            </a:r>
+            <a:r>
+              <a:rPr lang="en-US" dirty="0" err="1" smtClean="0"/>
+              <a:t>Daugman</a:t>
+            </a:r>
+            <a:r>
+              <a:rPr lang="en-US" dirty="0" smtClean="0"/>
+              <a:t>, J. 1993. </a:t>
+            </a:r>
+            <a:r>
+              <a:rPr lang="en-US" dirty="0" err="1" smtClean="0"/>
+              <a:t>s.l</a:t>
+            </a:r>
+            <a:r>
+              <a:rPr lang="en-US" dirty="0" smtClean="0"/>
+              <a:t>. : IEEE Transactions on Pattern Analysis and Machine Intelligence, 1993, Vols. vol. 15(11), pp. 1148-1161.</a:t>
+            </a:r>
+          </a:p>
+          <a:p>
+            <a:r>
+              <a:rPr lang="en-US" dirty="0" smtClean="0"/>
+              <a:t>‘How Iris Recognition Works’. </a:t>
+            </a:r>
+            <a:r>
+              <a:rPr lang="en-US" dirty="0" err="1" smtClean="0"/>
+              <a:t>Daugman</a:t>
+            </a:r>
+            <a:r>
+              <a:rPr lang="en-US" dirty="0" smtClean="0"/>
+              <a:t>, J. 2004. vol.14(1), </a:t>
+            </a:r>
+            <a:r>
+              <a:rPr lang="en-US" dirty="0" err="1" smtClean="0"/>
+              <a:t>s.l</a:t>
+            </a:r>
+            <a:r>
+              <a:rPr lang="en-US" dirty="0" smtClean="0"/>
+              <a:t>. : IEEE TRANSACTIONS ON CIRCUITS AND SYSTEMS FOR VIDEO TECHNOLOGY, 2004.</a:t>
+            </a:r>
+          </a:p>
+          <a:p>
+            <a:r>
+              <a:rPr lang="en-US" dirty="0" smtClean="0"/>
+              <a:t>A 3x3 Isotropic Gradient Operator for Image Processing. </a:t>
+            </a:r>
+            <a:r>
+              <a:rPr lang="en-US" dirty="0" err="1" smtClean="0"/>
+              <a:t>Sobel</a:t>
+            </a:r>
+            <a:r>
+              <a:rPr lang="en-US" dirty="0" smtClean="0"/>
+              <a:t>, I. and Feldman, G. 1968. </a:t>
+            </a:r>
+            <a:r>
+              <a:rPr lang="en-US" dirty="0" err="1" smtClean="0"/>
+              <a:t>s.l</a:t>
+            </a:r>
+            <a:r>
+              <a:rPr lang="en-US" dirty="0" smtClean="0"/>
+              <a:t>. : presented at a talk at the Stanford Artificial Project ., 1968.</a:t>
+            </a:r>
+          </a:p>
+          <a:p>
+            <a:r>
+              <a:rPr lang="en-US" dirty="0" smtClean="0"/>
+              <a:t>A Linear Algorithm for Incremental Digital Display of Circular Arcs. </a:t>
+            </a:r>
+            <a:r>
+              <a:rPr lang="en-US" dirty="0" err="1" smtClean="0"/>
+              <a:t>Bresenham</a:t>
+            </a:r>
+            <a:r>
+              <a:rPr lang="en-US" dirty="0" smtClean="0"/>
+              <a:t>, J.E. 1977. </a:t>
+            </a:r>
+            <a:r>
+              <a:rPr lang="en-US" dirty="0" err="1" smtClean="0"/>
+              <a:t>s.l</a:t>
+            </a:r>
+            <a:r>
+              <a:rPr lang="en-US" dirty="0" smtClean="0"/>
+              <a:t>. : Communications of the ACM, 20(2), 1977. Vols. February ,100-106.</a:t>
+            </a:r>
+          </a:p>
+          <a:p>
+            <a:r>
+              <a:rPr lang="en-US" dirty="0" err="1" smtClean="0"/>
+              <a:t>Bresenham</a:t>
+            </a:r>
+            <a:r>
+              <a:rPr lang="en-US" dirty="0" smtClean="0"/>
+              <a:t>, J.E. (1965) “Algorithm for computer control of a digital plotter”. IBM Systems Journal </a:t>
+            </a:r>
+            <a:r>
+              <a:rPr lang="en-US" dirty="0" err="1" smtClean="0"/>
+              <a:t>Vol</a:t>
+            </a:r>
+            <a:r>
+              <a:rPr lang="en-US" dirty="0" smtClean="0"/>
+              <a:t> 4(1). </a:t>
+            </a:r>
+          </a:p>
+          <a:p>
+            <a:r>
+              <a:rPr lang="en-US" dirty="0" err="1" smtClean="0"/>
+              <a:t>Nelder</a:t>
+            </a:r>
+            <a:r>
+              <a:rPr lang="en-US" dirty="0" smtClean="0"/>
+              <a:t>, J.A. and Mead, R. 1965. </a:t>
+            </a:r>
+            <a:r>
+              <a:rPr lang="en-US" dirty="0" err="1" smtClean="0"/>
+              <a:t>s.l</a:t>
+            </a:r>
+            <a:r>
+              <a:rPr lang="en-US" dirty="0" smtClean="0"/>
+              <a:t>. : Computer Journal, 1965, Vols. vol.7, pp.308-313.</a:t>
+            </a:r>
+          </a:p>
+          <a:p>
+            <a:r>
+              <a:rPr lang="en-US" dirty="0" smtClean="0"/>
+              <a:t>W.K Kong and D. Zhang (2001), “Accurate Iris Segmentation Based on Novel Reflection and Eyelash Detection Model,” Proceedings of International Symposium on Intelligent Multimedia, Video and Speech </a:t>
+            </a:r>
+            <a:r>
+              <a:rPr lang="en-US" dirty="0" err="1" smtClean="0"/>
+              <a:t>Processing,Hong</a:t>
+            </a:r>
+            <a:r>
+              <a:rPr lang="en-US" dirty="0" smtClean="0"/>
+              <a:t> Kong.</a:t>
+            </a:r>
+          </a:p>
+          <a:p>
+            <a:r>
+              <a:rPr lang="en-US" dirty="0" smtClean="0"/>
+              <a:t>Libor </a:t>
+            </a:r>
+            <a:r>
+              <a:rPr lang="en-US" dirty="0" err="1" smtClean="0"/>
+              <a:t>Masek</a:t>
+            </a:r>
+            <a:r>
+              <a:rPr lang="en-US" dirty="0" smtClean="0"/>
+              <a:t>, </a:t>
+            </a:r>
+            <a:r>
+              <a:rPr lang="en-US" dirty="0" err="1" smtClean="0"/>
+              <a:t>Rocognition</a:t>
+            </a:r>
+            <a:r>
+              <a:rPr lang="en-US" dirty="0" smtClean="0"/>
+              <a:t> of Human Iris Patterns for Biometric Identification, University of Western Australia, 2003.</a:t>
+            </a:r>
+          </a:p>
+          <a:p>
+            <a:r>
+              <a:rPr lang="en-US" dirty="0" err="1" smtClean="0"/>
+              <a:t>Arvacheh</a:t>
+            </a:r>
+            <a:r>
+              <a:rPr lang="en-US" dirty="0" smtClean="0"/>
+              <a:t>, E.M.; </a:t>
+            </a:r>
+            <a:r>
+              <a:rPr lang="en-US" dirty="0" err="1" smtClean="0"/>
+              <a:t>Tizhoosh</a:t>
+            </a:r>
+            <a:r>
+              <a:rPr lang="en-US" dirty="0" smtClean="0"/>
+              <a:t>, H.R. (2006) 'IRIS Segmentation: Detecting Pupil, </a:t>
+            </a:r>
+            <a:r>
+              <a:rPr lang="en-US" dirty="0" err="1" smtClean="0"/>
+              <a:t>Limbus</a:t>
+            </a:r>
+            <a:r>
+              <a:rPr lang="en-US" dirty="0" smtClean="0"/>
+              <a:t> and Eyelids', Image Processing, 2006 IEEE International Conference.</a:t>
+            </a:r>
+          </a:p>
+          <a:p>
+            <a:endParaRPr lang="en-US" dirty="0"/>
+          </a:p>
+        </p:txBody>
+      </p:sp>
+    </p:spTree>
+  </p:cSld>
+  <p:clrMapOvr>
+    <a:masterClrMapping/>
+  </p:clrMapOvr>
+  <p:timing>
+    <p:tnLst>
+      <p:par>
+        <p:cTn id="1" dur="indefinite" restart="never" nodeType="tmRoot"/>
+      </p:par>
+    </p:tnLst>
+  </p:timing>
 </p:sld>
 </file>
 

--- a/Reports/Group_Presentation.pptx
+++ b/Reports/Group_Presentation.pptx
@@ -5,7 +5,7 @@
     <p:sldMasterId id="2147483648" r:id="rId1"/>
   </p:sldMasterIdLst>
   <p:notesMasterIdLst>
-    <p:notesMasterId r:id="rId39"/>
+    <p:notesMasterId r:id="rId38"/>
   </p:notesMasterIdLst>
   <p:sldIdLst>
     <p:sldId id="257" r:id="rId2"/>
@@ -22,29 +22,28 @@
     <p:sldId id="273" r:id="rId13"/>
     <p:sldId id="274" r:id="rId14"/>
     <p:sldId id="275" r:id="rId15"/>
-    <p:sldId id="276" r:id="rId16"/>
-    <p:sldId id="277" r:id="rId17"/>
-    <p:sldId id="278" r:id="rId18"/>
-    <p:sldId id="279" r:id="rId19"/>
-    <p:sldId id="280" r:id="rId20"/>
-    <p:sldId id="281" r:id="rId21"/>
-    <p:sldId id="282" r:id="rId22"/>
-    <p:sldId id="283" r:id="rId23"/>
-    <p:sldId id="284" r:id="rId24"/>
-    <p:sldId id="285" r:id="rId25"/>
-    <p:sldId id="286" r:id="rId26"/>
-    <p:sldId id="287" r:id="rId27"/>
-    <p:sldId id="288" r:id="rId28"/>
-    <p:sldId id="289" r:id="rId29"/>
-    <p:sldId id="290" r:id="rId30"/>
-    <p:sldId id="268" r:id="rId31"/>
-    <p:sldId id="265" r:id="rId32"/>
-    <p:sldId id="266" r:id="rId33"/>
-    <p:sldId id="292" r:id="rId34"/>
-    <p:sldId id="267" r:id="rId35"/>
-    <p:sldId id="293" r:id="rId36"/>
-    <p:sldId id="294" r:id="rId37"/>
-    <p:sldId id="291" r:id="rId38"/>
+    <p:sldId id="302" r:id="rId16"/>
+    <p:sldId id="303" r:id="rId17"/>
+    <p:sldId id="304" r:id="rId18"/>
+    <p:sldId id="305" r:id="rId19"/>
+    <p:sldId id="306" r:id="rId20"/>
+    <p:sldId id="307" r:id="rId21"/>
+    <p:sldId id="295" r:id="rId22"/>
+    <p:sldId id="296" r:id="rId23"/>
+    <p:sldId id="297" r:id="rId24"/>
+    <p:sldId id="298" r:id="rId25"/>
+    <p:sldId id="299" r:id="rId26"/>
+    <p:sldId id="300" r:id="rId27"/>
+    <p:sldId id="301" r:id="rId28"/>
+    <p:sldId id="290" r:id="rId29"/>
+    <p:sldId id="268" r:id="rId30"/>
+    <p:sldId id="265" r:id="rId31"/>
+    <p:sldId id="266" r:id="rId32"/>
+    <p:sldId id="292" r:id="rId33"/>
+    <p:sldId id="267" r:id="rId34"/>
+    <p:sldId id="293" r:id="rId35"/>
+    <p:sldId id="294" r:id="rId36"/>
+    <p:sldId id="291" r:id="rId37"/>
   </p:sldIdLst>
   <p:sldSz cx="9144000" cy="6858000" type="screen4x3"/>
   <p:notesSz cx="6858000" cy="9144000"/>
@@ -229,7 +228,7 @@
             <a:fld id="{5E48D3C5-3406-4D13-A39D-9C25EBE866D4}" type="datetimeFigureOut">
               <a:rPr lang="en-US" smtClean="0"/>
               <a:pPr/>
-              <a:t>3/24/2009</a:t>
+              <a:t>3/25/2009</a:t>
             </a:fld>
             <a:endParaRPr lang="en-US"/>
           </a:p>
@@ -563,7 +562,7 @@
             <a:fld id="{D89DB2AF-61CD-4AE3-9048-C8C5EBAFE3E9}" type="slidenum">
               <a:rPr lang="en-GB" smtClean="0"/>
               <a:pPr/>
-              <a:t>22</a:t>
+              <a:t>21</a:t>
             </a:fld>
             <a:endParaRPr lang="en-GB"/>
           </a:p>
@@ -759,7 +758,7 @@
             <a:fld id="{4456CDCE-B5B3-4B85-A395-76104AA85CA0}" type="datetimeFigureOut">
               <a:rPr lang="en-US" smtClean="0"/>
               <a:pPr/>
-              <a:t>3/24/2009</a:t>
+              <a:t>3/25/2009</a:t>
             </a:fld>
             <a:endParaRPr lang="en-US"/>
           </a:p>
@@ -926,7 +925,7 @@
             <a:fld id="{4456CDCE-B5B3-4B85-A395-76104AA85CA0}" type="datetimeFigureOut">
               <a:rPr lang="en-US" smtClean="0"/>
               <a:pPr/>
-              <a:t>3/24/2009</a:t>
+              <a:t>3/25/2009</a:t>
             </a:fld>
             <a:endParaRPr lang="en-US"/>
           </a:p>
@@ -1103,7 +1102,7 @@
             <a:fld id="{4456CDCE-B5B3-4B85-A395-76104AA85CA0}" type="datetimeFigureOut">
               <a:rPr lang="en-US" smtClean="0"/>
               <a:pPr/>
-              <a:t>3/24/2009</a:t>
+              <a:t>3/25/2009</a:t>
             </a:fld>
             <a:endParaRPr lang="en-US"/>
           </a:p>
@@ -1270,7 +1269,7 @@
             <a:fld id="{4456CDCE-B5B3-4B85-A395-76104AA85CA0}" type="datetimeFigureOut">
               <a:rPr lang="en-US" smtClean="0"/>
               <a:pPr/>
-              <a:t>3/24/2009</a:t>
+              <a:t>3/25/2009</a:t>
             </a:fld>
             <a:endParaRPr lang="en-US"/>
           </a:p>
@@ -1513,7 +1512,7 @@
             <a:fld id="{4456CDCE-B5B3-4B85-A395-76104AA85CA0}" type="datetimeFigureOut">
               <a:rPr lang="en-US" smtClean="0"/>
               <a:pPr/>
-              <a:t>3/24/2009</a:t>
+              <a:t>3/25/2009</a:t>
             </a:fld>
             <a:endParaRPr lang="en-US"/>
           </a:p>
@@ -1798,7 +1797,7 @@
             <a:fld id="{4456CDCE-B5B3-4B85-A395-76104AA85CA0}" type="datetimeFigureOut">
               <a:rPr lang="en-US" smtClean="0"/>
               <a:pPr/>
-              <a:t>3/24/2009</a:t>
+              <a:t>3/25/2009</a:t>
             </a:fld>
             <a:endParaRPr lang="en-US"/>
           </a:p>
@@ -2217,7 +2216,7 @@
             <a:fld id="{4456CDCE-B5B3-4B85-A395-76104AA85CA0}" type="datetimeFigureOut">
               <a:rPr lang="en-US" smtClean="0"/>
               <a:pPr/>
-              <a:t>3/24/2009</a:t>
+              <a:t>3/25/2009</a:t>
             </a:fld>
             <a:endParaRPr lang="en-US"/>
           </a:p>
@@ -2332,7 +2331,7 @@
             <a:fld id="{4456CDCE-B5B3-4B85-A395-76104AA85CA0}" type="datetimeFigureOut">
               <a:rPr lang="en-US" smtClean="0"/>
               <a:pPr/>
-              <a:t>3/24/2009</a:t>
+              <a:t>3/25/2009</a:t>
             </a:fld>
             <a:endParaRPr lang="en-US"/>
           </a:p>
@@ -2424,7 +2423,7 @@
             <a:fld id="{4456CDCE-B5B3-4B85-A395-76104AA85CA0}" type="datetimeFigureOut">
               <a:rPr lang="en-US" smtClean="0"/>
               <a:pPr/>
-              <a:t>3/24/2009</a:t>
+              <a:t>3/25/2009</a:t>
             </a:fld>
             <a:endParaRPr lang="en-US"/>
           </a:p>
@@ -2698,7 +2697,7 @@
             <a:fld id="{4456CDCE-B5B3-4B85-A395-76104AA85CA0}" type="datetimeFigureOut">
               <a:rPr lang="en-US" smtClean="0"/>
               <a:pPr/>
-              <a:t>3/24/2009</a:t>
+              <a:t>3/25/2009</a:t>
             </a:fld>
             <a:endParaRPr lang="en-US"/>
           </a:p>
@@ -2948,7 +2947,7 @@
             <a:fld id="{4456CDCE-B5B3-4B85-A395-76104AA85CA0}" type="datetimeFigureOut">
               <a:rPr lang="en-US" smtClean="0"/>
               <a:pPr/>
-              <a:t>3/24/2009</a:t>
+              <a:t>3/25/2009</a:t>
             </a:fld>
             <a:endParaRPr lang="en-US"/>
           </a:p>
@@ -3168,7 +3167,7 @@
             <a:fld id="{4456CDCE-B5B3-4B85-A395-76104AA85CA0}" type="datetimeFigureOut">
               <a:rPr lang="en-US" smtClean="0"/>
               <a:pPr/>
-              <a:t>3/24/2009</a:t>
+              <a:t>3/25/2009</a:t>
             </a:fld>
             <a:endParaRPr lang="en-US"/>
           </a:p>
@@ -4649,7 +4648,7 @@
 </file>
 
 <file path=ppt/slides/slide15.xml><?xml version="1.0" encoding="utf-8"?>
-<p:sld xmlns:a="http://schemas.openxmlformats.org/drawingml/2006/main" xmlns:r="http://schemas.openxmlformats.org/officeDocument/2006/relationships" xmlns:p="http://schemas.openxmlformats.org/presentationml/2006/main" showMasterSp="0">
+<p:sld xmlns:a="http://schemas.openxmlformats.org/drawingml/2006/main" xmlns:r="http://schemas.openxmlformats.org/officeDocument/2006/relationships" xmlns:p="http://schemas.openxmlformats.org/presentationml/2006/main">
   <p:cSld>
     <p:spTree>
       <p:nvGrpSpPr>
@@ -4704,28 +4703,28 @@
           <a:lstStyle/>
           <a:p>
             <a:r>
-              <a:rPr lang="en-GB" smtClean="0"/>
+              <a:rPr lang="en-GB" dirty="0" smtClean="0"/>
               <a:t>Where to store</a:t>
             </a:r>
           </a:p>
           <a:p>
             <a:r>
-              <a:rPr lang="en-GB" smtClean="0"/>
+              <a:rPr lang="en-GB" dirty="0" smtClean="0"/>
               <a:t>What to store</a:t>
             </a:r>
           </a:p>
           <a:p>
             <a:r>
-              <a:rPr lang="en-GB" smtClean="0"/>
-              <a:t>How to access it</a:t>
-            </a:r>
-          </a:p>
-          <a:p>
-            <a:r>
-              <a:rPr lang="en-GB" smtClean="0"/>
-              <a:t>How to manage data/ view metadata</a:t>
-            </a:r>
-            <a:endParaRPr lang="en-US" smtClean="0"/>
+              <a:rPr lang="en-GB" dirty="0" smtClean="0"/>
+              <a:t>How to store and access data</a:t>
+            </a:r>
+          </a:p>
+          <a:p>
+            <a:r>
+              <a:rPr lang="en-GB" dirty="0" smtClean="0"/>
+              <a:t>How to manage data and view metadata</a:t>
+            </a:r>
+            <a:endParaRPr lang="en-US" dirty="0" smtClean="0"/>
           </a:p>
         </p:txBody>
       </p:sp>
@@ -4745,7 +4744,7 @@
 </file>
 
 <file path=ppt/slides/slide16.xml><?xml version="1.0" encoding="utf-8"?>
-<p:sld xmlns:a="http://schemas.openxmlformats.org/drawingml/2006/main" xmlns:r="http://schemas.openxmlformats.org/officeDocument/2006/relationships" xmlns:p="http://schemas.openxmlformats.org/presentationml/2006/main" showMasterSp="0">
+<p:sld xmlns:a="http://schemas.openxmlformats.org/drawingml/2006/main" xmlns:r="http://schemas.openxmlformats.org/officeDocument/2006/relationships" xmlns:p="http://schemas.openxmlformats.org/presentationml/2006/main">
   <p:cSld>
     <p:spTree>
       <p:nvGrpSpPr>
@@ -4841,7 +4840,7 @@
 </file>
 
 <file path=ppt/slides/slide17.xml><?xml version="1.0" encoding="utf-8"?>
-<p:sld xmlns:a="http://schemas.openxmlformats.org/drawingml/2006/main" xmlns:r="http://schemas.openxmlformats.org/officeDocument/2006/relationships" xmlns:p="http://schemas.openxmlformats.org/presentationml/2006/main" showMasterSp="0">
+<p:sld xmlns:a="http://schemas.openxmlformats.org/drawingml/2006/main" xmlns:r="http://schemas.openxmlformats.org/officeDocument/2006/relationships" xmlns:p="http://schemas.openxmlformats.org/presentationml/2006/main">
   <p:cSld>
     <p:spTree>
       <p:nvGrpSpPr>
@@ -4896,34 +4895,34 @@
           <a:lstStyle/>
           <a:p>
             <a:r>
-              <a:rPr lang="en-GB" smtClean="0"/>
+              <a:rPr lang="en-GB" dirty="0" smtClean="0"/>
               <a:t>Images or just bit-code</a:t>
             </a:r>
           </a:p>
           <a:p>
             <a:r>
-              <a:rPr lang="en-GB" smtClean="0"/>
-              <a:t>Advantages or disadvantages – future compatibility vs speed vs size</a:t>
-            </a:r>
-          </a:p>
-          <a:p>
-            <a:r>
-              <a:rPr lang="en-GB" smtClean="0"/>
+              <a:rPr lang="en-GB" dirty="0" smtClean="0"/>
+              <a:t>Advantages to both</a:t>
+            </a:r>
+          </a:p>
+          <a:p>
+            <a:r>
+              <a:rPr lang="en-GB" dirty="0" smtClean="0"/>
               <a:t>What other metadata</a:t>
             </a:r>
           </a:p>
           <a:p>
             <a:r>
-              <a:rPr lang="en-GB" smtClean="0"/>
-              <a:t>Access information</a:t>
-            </a:r>
-          </a:p>
-          <a:p>
-            <a:r>
-              <a:rPr lang="en-GB" smtClean="0"/>
+              <a:rPr lang="en-GB" dirty="0" smtClean="0"/>
+              <a:t>Access status</a:t>
+            </a:r>
+          </a:p>
+          <a:p>
+            <a:r>
+              <a:rPr lang="en-GB" dirty="0" smtClean="0"/>
               <a:t>What format to store the bit-code in  </a:t>
             </a:r>
-            <a:endParaRPr lang="en-US" smtClean="0"/>
+            <a:endParaRPr lang="en-US" dirty="0" smtClean="0"/>
           </a:p>
         </p:txBody>
       </p:sp>
@@ -4943,7 +4942,7 @@
 </file>
 
 <file path=ppt/slides/slide18.xml><?xml version="1.0" encoding="utf-8"?>
-<p:sld xmlns:a="http://schemas.openxmlformats.org/drawingml/2006/main" xmlns:r="http://schemas.openxmlformats.org/officeDocument/2006/relationships" xmlns:p="http://schemas.openxmlformats.org/presentationml/2006/main" showMasterSp="0">
+<p:sld xmlns:a="http://schemas.openxmlformats.org/drawingml/2006/main" xmlns:r="http://schemas.openxmlformats.org/officeDocument/2006/relationships" xmlns:p="http://schemas.openxmlformats.org/presentationml/2006/main">
   <p:cSld>
     <p:spTree>
       <p:nvGrpSpPr>
@@ -4995,7 +4994,7 @@
         <p:spPr/>
         <p:txBody>
           <a:bodyPr rtlCol="0">
-            <a:normAutofit fontScale="62500" lnSpcReduction="20000"/>
+            <a:normAutofit fontScale="77500" lnSpcReduction="20000"/>
           </a:bodyPr>
           <a:lstStyle/>
           <a:p>
@@ -5007,8 +5006,13 @@
             </a:pPr>
             <a:r>
               <a:rPr lang="en-GB" sz="4000" dirty="0" smtClean="0"/>
-              <a:t>Byte array format for admission into postgres</a:t>
-            </a:r>
+              <a:t>Byte array format for admission into </a:t>
+            </a:r>
+            <a:r>
+              <a:rPr lang="en-GB" sz="4000" dirty="0" err="1" smtClean="0"/>
+              <a:t>postgres</a:t>
+            </a:r>
+            <a:endParaRPr lang="en-GB" sz="4000" dirty="0" smtClean="0"/>
           </a:p>
           <a:p>
             <a:pPr fontAlgn="auto">
@@ -5018,8 +5022,26 @@
               <a:defRPr/>
             </a:pPr>
             <a:r>
-              <a:rPr lang="en-GB" sz="4000" dirty="0" smtClean="0"/>
-              <a:t>Converting functions:</a:t>
+              <a:rPr lang="en-US" sz="4000" dirty="0" smtClean="0"/>
+              <a:t>The most significant bit in the result is guaranteed not to be a 1</a:t>
+            </a:r>
+          </a:p>
+          <a:p>
+            <a:pPr>
+              <a:buNone/>
+              <a:defRPr/>
+            </a:pPr>
+            <a:r>
+              <a:rPr lang="en-US" sz="4000" dirty="0" smtClean="0"/>
+              <a:t>   (since </a:t>
+            </a:r>
+            <a:r>
+              <a:rPr lang="en-US" sz="4000" dirty="0" err="1" smtClean="0"/>
+              <a:t>BitSet</a:t>
+            </a:r>
+            <a:r>
+              <a:rPr lang="en-US" sz="4000" dirty="0" smtClean="0"/>
+              <a:t> does not support sign extension).</a:t>
             </a:r>
           </a:p>
           <a:p>
@@ -5027,37 +5049,11 @@
               <a:spcAft>
                 <a:spcPts val="0"/>
               </a:spcAft>
-              <a:buFont typeface="Arial" pitchFamily="34" charset="0"/>
-              <a:buNone/>
               <a:defRPr/>
             </a:pPr>
             <a:r>
               <a:rPr lang="en-US" sz="4000" dirty="0" smtClean="0"/>
-              <a:t>      public static byte[] </a:t>
-            </a:r>
-            <a:r>
-              <a:rPr lang="en-US" sz="4000" dirty="0" err="1" smtClean="0"/>
-              <a:t>toByteArray</a:t>
-            </a:r>
-            <a:r>
-              <a:rPr lang="en-US" sz="4000" dirty="0" smtClean="0"/>
-              <a:t>(</a:t>
-            </a:r>
-            <a:r>
-              <a:rPr lang="en-US" sz="4000" dirty="0" err="1" smtClean="0"/>
-              <a:t>BitCode</a:t>
-            </a:r>
-            <a:r>
-              <a:rPr lang="en-US" sz="4000" dirty="0" smtClean="0"/>
-              <a:t> </a:t>
-            </a:r>
-            <a:r>
-              <a:rPr lang="en-US" sz="4000" dirty="0" err="1" smtClean="0"/>
-              <a:t>bitcode</a:t>
-            </a:r>
-            <a:r>
-              <a:rPr lang="en-US" sz="4000" dirty="0" smtClean="0"/>
-              <a:t>){</a:t>
+              <a:t>     The byte-ordering of the result is big-endian which means the most significant bit is in element 0.</a:t>
             </a:r>
           </a:p>
           <a:p>
@@ -5065,13 +5061,11 @@
               <a:spcAft>
                 <a:spcPts val="0"/>
               </a:spcAft>
-              <a:buFont typeface="Arial" pitchFamily="34" charset="0"/>
-              <a:buNone/>
               <a:defRPr/>
             </a:pPr>
             <a:r>
-              <a:rPr lang="en-US" dirty="0" smtClean="0"/>
-              <a:t>				</a:t>
+              <a:rPr lang="en-US" sz="4000" dirty="0" smtClean="0"/>
+              <a:t>    The bit at index 0 of the bit set is assumed to be the least significant bit.</a:t>
             </a:r>
           </a:p>
           <a:p>
@@ -5079,212 +5073,9 @@
               <a:spcAft>
                 <a:spcPts val="0"/>
               </a:spcAft>
-              <a:buFont typeface="Arial" pitchFamily="34" charset="0"/>
-              <a:buNone/>
               <a:defRPr/>
             </a:pPr>
-            <a:r>
-              <a:rPr lang="en-US" dirty="0" smtClean="0"/>
-              <a:t>      byte[] result = new byte[</a:t>
-            </a:r>
-            <a:r>
-              <a:rPr lang="en-US" dirty="0" err="1" smtClean="0"/>
-              <a:t>bitcode.length</a:t>
-            </a:r>
-            <a:r>
-              <a:rPr lang="en-US" dirty="0" smtClean="0"/>
-              <a:t>()/8+1];</a:t>
-            </a:r>
-          </a:p>
-          <a:p>
-            <a:pPr fontAlgn="auto">
-              <a:spcAft>
-                <a:spcPts val="0"/>
-              </a:spcAft>
-              <a:buFont typeface="Arial" pitchFamily="34" charset="0"/>
-              <a:buNone/>
-              <a:defRPr/>
-            </a:pPr>
-            <a:r>
-              <a:rPr lang="en-US" dirty="0" smtClean="0"/>
-              <a:t>          for(</a:t>
-            </a:r>
-            <a:r>
-              <a:rPr lang="en-US" dirty="0" err="1" smtClean="0"/>
-              <a:t>int</a:t>
-            </a:r>
-            <a:r>
-              <a:rPr lang="en-US" dirty="0" smtClean="0"/>
-              <a:t> </a:t>
-            </a:r>
-            <a:r>
-              <a:rPr lang="en-US" dirty="0" err="1" smtClean="0"/>
-              <a:t>i</a:t>
-            </a:r>
-            <a:r>
-              <a:rPr lang="en-US" dirty="0" smtClean="0"/>
-              <a:t>=0; </a:t>
-            </a:r>
-            <a:r>
-              <a:rPr lang="en-US" dirty="0" err="1" smtClean="0"/>
-              <a:t>i</a:t>
-            </a:r>
-            <a:r>
-              <a:rPr lang="en-US" dirty="0" smtClean="0"/>
-              <a:t>&lt;</a:t>
-            </a:r>
-            <a:r>
-              <a:rPr lang="en-US" dirty="0" err="1" smtClean="0"/>
-              <a:t>bitcode.length</a:t>
-            </a:r>
-            <a:r>
-              <a:rPr lang="en-US" dirty="0" smtClean="0"/>
-              <a:t>(); </a:t>
-            </a:r>
-            <a:r>
-              <a:rPr lang="en-US" dirty="0" err="1" smtClean="0"/>
-              <a:t>i</a:t>
-            </a:r>
-            <a:r>
-              <a:rPr lang="en-US" dirty="0" smtClean="0"/>
-              <a:t>++){</a:t>
-            </a:r>
-          </a:p>
-          <a:p>
-            <a:pPr fontAlgn="auto">
-              <a:spcAft>
-                <a:spcPts val="0"/>
-              </a:spcAft>
-              <a:buFont typeface="Arial" pitchFamily="34" charset="0"/>
-              <a:buNone/>
-              <a:defRPr/>
-            </a:pPr>
-            <a:r>
-              <a:rPr lang="en-US" dirty="0" smtClean="0"/>
-              <a:t>                       if  (</a:t>
-            </a:r>
-            <a:r>
-              <a:rPr lang="en-US" dirty="0" err="1" smtClean="0"/>
-              <a:t>bitcode.get</a:t>
-            </a:r>
-            <a:r>
-              <a:rPr lang="en-US" dirty="0" smtClean="0"/>
-              <a:t>(</a:t>
-            </a:r>
-            <a:r>
-              <a:rPr lang="en-US" dirty="0" err="1" smtClean="0"/>
-              <a:t>i</a:t>
-            </a:r>
-            <a:r>
-              <a:rPr lang="en-US" dirty="0" smtClean="0"/>
-              <a:t>))</a:t>
-            </a:r>
-          </a:p>
-          <a:p>
-            <a:pPr fontAlgn="auto">
-              <a:spcAft>
-                <a:spcPts val="0"/>
-              </a:spcAft>
-              <a:buFont typeface="Arial" pitchFamily="34" charset="0"/>
-              <a:buNone/>
-              <a:defRPr/>
-            </a:pPr>
-            <a:r>
-              <a:rPr lang="en-US" dirty="0" smtClean="0"/>
-              <a:t>                            result[</a:t>
-            </a:r>
-            <a:r>
-              <a:rPr lang="en-US" dirty="0" err="1" smtClean="0"/>
-              <a:t>result.length-i</a:t>
-            </a:r>
-            <a:r>
-              <a:rPr lang="en-US" dirty="0" smtClean="0"/>
-              <a:t>/8-1] |= 1&lt;&lt;(i%8);</a:t>
-            </a:r>
-          </a:p>
-          <a:p>
-            <a:pPr fontAlgn="auto">
-              <a:spcAft>
-                <a:spcPts val="0"/>
-              </a:spcAft>
-              <a:buFont typeface="Arial" pitchFamily="34" charset="0"/>
-              <a:buNone/>
-              <a:defRPr/>
-            </a:pPr>
-            <a:r>
-              <a:rPr lang="en-US" dirty="0" smtClean="0"/>
-              <a:t>					</a:t>
-            </a:r>
-          </a:p>
-          <a:p>
-            <a:pPr lvl="1" fontAlgn="auto">
-              <a:spcAft>
-                <a:spcPts val="0"/>
-              </a:spcAft>
-              <a:buFont typeface="Arial" pitchFamily="34" charset="0"/>
-              <a:buNone/>
-              <a:defRPr/>
-            </a:pPr>
-            <a:r>
-              <a:rPr lang="en-US" dirty="0" smtClean="0"/>
-              <a:t>	}</a:t>
-            </a:r>
-          </a:p>
-          <a:p>
-            <a:pPr fontAlgn="auto">
-              <a:spcAft>
-                <a:spcPts val="0"/>
-              </a:spcAft>
-              <a:buFont typeface="Arial" pitchFamily="34" charset="0"/>
-              <a:buNone/>
-              <a:defRPr/>
-            </a:pPr>
-            <a:r>
-              <a:rPr lang="en-US" dirty="0" smtClean="0"/>
-              <a:t>				</a:t>
-            </a:r>
-          </a:p>
-          <a:p>
-            <a:pPr fontAlgn="auto">
-              <a:spcAft>
-                <a:spcPts val="0"/>
-              </a:spcAft>
-              <a:buFont typeface="Arial" pitchFamily="34" charset="0"/>
-              <a:buNone/>
-              <a:defRPr/>
-            </a:pPr>
-            <a:r>
-              <a:rPr lang="en-US" dirty="0" smtClean="0"/>
-              <a:t>	return result;</a:t>
-            </a:r>
-          </a:p>
-          <a:p>
-            <a:pPr fontAlgn="auto">
-              <a:spcAft>
-                <a:spcPts val="0"/>
-              </a:spcAft>
-              <a:buFont typeface="Arial" pitchFamily="34" charset="0"/>
-              <a:buNone/>
-              <a:defRPr/>
-            </a:pPr>
-            <a:r>
-              <a:rPr lang="en-US" dirty="0" smtClean="0"/>
-              <a:t>				</a:t>
-            </a:r>
-          </a:p>
-          <a:p>
-            <a:pPr fontAlgn="auto">
-              <a:spcAft>
-                <a:spcPts val="0"/>
-              </a:spcAft>
-              <a:buFont typeface="Arial" pitchFamily="34" charset="0"/>
-              <a:buNone/>
-              <a:defRPr/>
-            </a:pPr>
-            <a:r>
-              <a:rPr lang="en-US" dirty="0" smtClean="0"/>
-              <a:t>}</a:t>
-            </a:r>
+            <a:endParaRPr lang="en-GB" sz="4000" dirty="0" smtClean="0"/>
           </a:p>
         </p:txBody>
       </p:sp>
@@ -5304,7 +5095,7 @@
 </file>
 
 <file path=ppt/slides/slide19.xml><?xml version="1.0" encoding="utf-8"?>
-<p:sld xmlns:a="http://schemas.openxmlformats.org/drawingml/2006/main" xmlns:r="http://schemas.openxmlformats.org/officeDocument/2006/relationships" xmlns:p="http://schemas.openxmlformats.org/presentationml/2006/main" showMasterSp="0">
+<p:sld xmlns:a="http://schemas.openxmlformats.org/drawingml/2006/main" xmlns:r="http://schemas.openxmlformats.org/officeDocument/2006/relationships" xmlns:p="http://schemas.openxmlformats.org/presentationml/2006/main">
   <p:cSld>
     <p:spTree>
       <p:nvGrpSpPr>
@@ -5322,7 +5113,7 @@
       </p:grpSpPr>
       <p:sp>
         <p:nvSpPr>
-          <p:cNvPr id="7170" name="Title 1"/>
+          <p:cNvPr id="8194" name="Title 1"/>
           <p:cNvSpPr>
             <a:spLocks noGrp="1"/>
           </p:cNvSpPr>
@@ -5337,7 +5128,7 @@
           <a:p>
             <a:r>
               <a:rPr lang="en-GB" smtClean="0"/>
-              <a:t>Converting cont.</a:t>
+              <a:t>How to store it</a:t>
             </a:r>
             <a:endParaRPr lang="en-US" smtClean="0"/>
           </a:p>
@@ -5345,7 +5136,7 @@
       </p:sp>
       <p:sp>
         <p:nvSpPr>
-          <p:cNvPr id="3" name="Content Placeholder 2"/>
+          <p:cNvPr id="8195" name="Content Placeholder 2"/>
           <p:cNvSpPr>
             <a:spLocks noGrp="1"/>
           </p:cNvSpPr>
@@ -5355,79 +5146,45 @@
         </p:nvSpPr>
         <p:spPr/>
         <p:txBody>
-          <a:bodyPr rtlCol="0">
-            <a:normAutofit lnSpcReduction="10000"/>
-          </a:bodyPr>
-          <a:lstStyle/>
-          <a:p>
-            <a:pPr fontAlgn="auto">
-              <a:spcAft>
-                <a:spcPts val="0"/>
-              </a:spcAft>
-              <a:defRPr/>
-            </a:pPr>
-            <a:r>
-              <a:rPr lang="en-US" dirty="0" smtClean="0"/>
-              <a:t>Returns a byte array of at least length 1.</a:t>
-            </a:r>
-          </a:p>
-          <a:p>
-            <a:pPr fontAlgn="auto">
-              <a:spcAft>
-                <a:spcPts val="0"/>
-              </a:spcAft>
-              <a:defRPr/>
-            </a:pPr>
-            <a:r>
-              <a:rPr lang="en-US" dirty="0" smtClean="0"/>
-              <a:t>    The most significant bit in the result is guaranteed not to be a 1</a:t>
-            </a:r>
-          </a:p>
-          <a:p>
-            <a:pPr fontAlgn="auto">
-              <a:spcAft>
-                <a:spcPts val="0"/>
-              </a:spcAft>
-              <a:buFont typeface="Arial" pitchFamily="34" charset="0"/>
-              <a:buNone/>
-              <a:defRPr/>
-            </a:pPr>
-            <a:r>
-              <a:rPr lang="en-US" dirty="0" smtClean="0"/>
-              <a:t>   (since </a:t>
-            </a:r>
-            <a:r>
-              <a:rPr lang="en-US" dirty="0" err="1" smtClean="0"/>
-              <a:t>BitSet</a:t>
-            </a:r>
-            <a:r>
-              <a:rPr lang="en-US" dirty="0" smtClean="0"/>
-              <a:t> does not support sign extension).</a:t>
-            </a:r>
-          </a:p>
-          <a:p>
-            <a:pPr fontAlgn="auto">
-              <a:spcAft>
-                <a:spcPts val="0"/>
-              </a:spcAft>
-              <a:defRPr/>
-            </a:pPr>
-            <a:r>
-              <a:rPr lang="en-US" dirty="0" smtClean="0"/>
-              <a:t>     The byte-ordering of the result is big-endian which means the most significant bit is in element 0.</a:t>
-            </a:r>
-          </a:p>
-          <a:p>
-            <a:pPr fontAlgn="auto">
-              <a:spcAft>
-                <a:spcPts val="0"/>
-              </a:spcAft>
-              <a:defRPr/>
-            </a:pPr>
-            <a:r>
-              <a:rPr lang="en-US" dirty="0" smtClean="0"/>
-              <a:t>    The bit at index 0 of the bit set is assumed to be the least significant bit.</a:t>
-            </a:r>
+          <a:bodyPr/>
+          <a:lstStyle/>
+          <a:p>
+            <a:r>
+              <a:rPr lang="en-GB" dirty="0" smtClean="0"/>
+              <a:t>JDBC Package</a:t>
+            </a:r>
+          </a:p>
+          <a:p>
+            <a:r>
+              <a:rPr lang="en-GB" dirty="0" smtClean="0"/>
+              <a:t>Advantage of using Java for implementation</a:t>
+            </a:r>
+          </a:p>
+          <a:p>
+            <a:r>
+              <a:rPr lang="en-GB" dirty="0" smtClean="0"/>
+              <a:t>Class </a:t>
+            </a:r>
+            <a:r>
+              <a:rPr lang="en-GB" dirty="0" err="1" smtClean="0"/>
+              <a:t>databaseWrapper</a:t>
+            </a:r>
+            <a:r>
+              <a:rPr lang="en-GB" dirty="0" smtClean="0"/>
+              <a:t> is in itself a new connection to the database with a scrollable </a:t>
+            </a:r>
+            <a:r>
+              <a:rPr lang="en-GB" dirty="0" err="1" smtClean="0"/>
+              <a:t>resultset</a:t>
+            </a:r>
+            <a:endParaRPr lang="en-GB" dirty="0" smtClean="0"/>
+          </a:p>
+          <a:p>
+            <a:r>
+              <a:rPr lang="en-GB" dirty="0" smtClean="0"/>
+              <a:t>Allows other parts of the software to implement db functions and access metadata</a:t>
+            </a:r>
+            <a:endParaRPr lang="en-US" dirty="0" smtClean="0"/>
           </a:p>
         </p:txBody>
       </p:sp>
@@ -5511,13 +5268,8 @@
           <a:p>
             <a:r>
               <a:rPr lang="en-GB" dirty="0" smtClean="0"/>
-              <a:t>Iris </a:t>
-            </a:r>
-            <a:r>
-              <a:rPr lang="en-GB" dirty="0" smtClean="0"/>
-              <a:t>location</a:t>
-            </a:r>
-            <a:endParaRPr lang="en-GB" dirty="0" smtClean="0"/>
+              <a:t>Iris location</a:t>
+            </a:r>
           </a:p>
           <a:p>
             <a:r>
@@ -5540,11 +5292,7 @@
           <a:p>
             <a:r>
               <a:rPr lang="en-GB" dirty="0" smtClean="0"/>
-              <a:t>Hamming </a:t>
-            </a:r>
-            <a:r>
-              <a:rPr lang="en-GB" dirty="0" smtClean="0"/>
-              <a:t>distance</a:t>
+              <a:t>Hamming distance</a:t>
             </a:r>
           </a:p>
           <a:p>
@@ -5552,7 +5300,6 @@
               <a:rPr lang="en-GB" dirty="0" smtClean="0"/>
               <a:t>Demonstration</a:t>
             </a:r>
-            <a:endParaRPr lang="en-GB" dirty="0" smtClean="0"/>
           </a:p>
           <a:p>
             <a:r>
@@ -5579,7 +5326,7 @@
 </file>
 
 <file path=ppt/slides/slide20.xml><?xml version="1.0" encoding="utf-8"?>
-<p:sld xmlns:a="http://schemas.openxmlformats.org/drawingml/2006/main" xmlns:r="http://schemas.openxmlformats.org/officeDocument/2006/relationships" xmlns:p="http://schemas.openxmlformats.org/presentationml/2006/main" showMasterSp="0">
+<p:sld xmlns:a="http://schemas.openxmlformats.org/drawingml/2006/main" xmlns:r="http://schemas.openxmlformats.org/officeDocument/2006/relationships" xmlns:p="http://schemas.openxmlformats.org/presentationml/2006/main">
   <p:cSld>
     <p:spTree>
       <p:nvGrpSpPr>
@@ -5597,7 +5344,7 @@
       </p:grpSpPr>
       <p:sp>
         <p:nvSpPr>
-          <p:cNvPr id="8194" name="Title 1"/>
+          <p:cNvPr id="9218" name="Title 1"/>
           <p:cNvSpPr>
             <a:spLocks noGrp="1"/>
           </p:cNvSpPr>
@@ -5611,16 +5358,16 @@
           <a:lstStyle/>
           <a:p>
             <a:r>
-              <a:rPr lang="en-GB" smtClean="0"/>
-              <a:t>How to store it</a:t>
-            </a:r>
-            <a:endParaRPr lang="en-US" smtClean="0"/>
-          </a:p>
-        </p:txBody>
-      </p:sp>
-      <p:sp>
-        <p:nvSpPr>
-          <p:cNvPr id="8195" name="Content Placeholder 2"/>
+              <a:rPr lang="en-GB" dirty="0" smtClean="0"/>
+              <a:t>How to manage data</a:t>
+            </a:r>
+            <a:endParaRPr lang="en-US" dirty="0" smtClean="0"/>
+          </a:p>
+        </p:txBody>
+      </p:sp>
+      <p:sp>
+        <p:nvSpPr>
+          <p:cNvPr id="9219" name="Content Placeholder 2"/>
           <p:cNvSpPr>
             <a:spLocks noGrp="1"/>
           </p:cNvSpPr>
@@ -5634,28 +5381,39 @@
           <a:lstStyle/>
           <a:p>
             <a:r>
-              <a:rPr lang="en-GB" smtClean="0"/>
-              <a:t>JDBC Package</a:t>
-            </a:r>
-          </a:p>
-          <a:p>
-            <a:r>
-              <a:rPr lang="en-GB" smtClean="0"/>
-              <a:t>Advantage of using Java for implementation</a:t>
-            </a:r>
-          </a:p>
-          <a:p>
-            <a:r>
-              <a:rPr lang="en-GB" smtClean="0"/>
-              <a:t>Class databaseWrapper is in itself a new connection to the database with a scrollable resultset (requires remote ssh connection)</a:t>
-            </a:r>
-          </a:p>
-          <a:p>
-            <a:r>
-              <a:rPr lang="en-GB" smtClean="0"/>
-              <a:t>Allows other parts of the software to implement db functions and access metadata</a:t>
-            </a:r>
-            <a:endParaRPr lang="en-US" smtClean="0"/>
+              <a:rPr lang="en-GB" dirty="0" smtClean="0"/>
+              <a:t>Functions in the code or in the database</a:t>
+            </a:r>
+          </a:p>
+          <a:p>
+            <a:r>
+              <a:rPr lang="en-GB" dirty="0" smtClean="0"/>
+              <a:t>Administrators need to see and manage the database</a:t>
+            </a:r>
+          </a:p>
+          <a:p>
+            <a:r>
+              <a:rPr lang="en-GB" dirty="0" smtClean="0"/>
+              <a:t>Means the db is fully                               integrated </a:t>
+            </a:r>
+            <a:r>
+              <a:rPr lang="en-GB" dirty="0" err="1" smtClean="0"/>
+              <a:t>i.e</a:t>
+            </a:r>
+            <a:r>
+              <a:rPr lang="en-GB" dirty="0" smtClean="0"/>
+              <a:t> software cannot be used without a connection</a:t>
+            </a:r>
+          </a:p>
+          <a:p>
+            <a:pPr>
+              <a:buNone/>
+            </a:pPr>
+            <a:endParaRPr lang="en-US" dirty="0" smtClean="0"/>
+          </a:p>
+          <a:p>
+            <a:pPr lvl="4"/>
+            <a:endParaRPr lang="en-GB" dirty="0" smtClean="0"/>
           </a:p>
         </p:txBody>
       </p:sp>
@@ -5675,128 +5433,7 @@
 </file>
 
 <file path=ppt/slides/slide21.xml><?xml version="1.0" encoding="utf-8"?>
-<p:sld xmlns:a="http://schemas.openxmlformats.org/drawingml/2006/main" xmlns:r="http://schemas.openxmlformats.org/officeDocument/2006/relationships" xmlns:p="http://schemas.openxmlformats.org/presentationml/2006/main" showMasterSp="0">
-  <p:cSld>
-    <p:spTree>
-      <p:nvGrpSpPr>
-        <p:cNvPr id="1" name=""/>
-        <p:cNvGrpSpPr/>
-        <p:nvPr/>
-      </p:nvGrpSpPr>
-      <p:grpSpPr>
-        <a:xfrm>
-          <a:off x="0" y="0"/>
-          <a:ext cx="0" cy="0"/>
-          <a:chOff x="0" y="0"/>
-          <a:chExt cx="0" cy="0"/>
-        </a:xfrm>
-      </p:grpSpPr>
-      <p:sp>
-        <p:nvSpPr>
-          <p:cNvPr id="9218" name="Title 1"/>
-          <p:cNvSpPr>
-            <a:spLocks noGrp="1"/>
-          </p:cNvSpPr>
-          <p:nvPr>
-            <p:ph type="title"/>
-          </p:nvPr>
-        </p:nvSpPr>
-        <p:spPr/>
-        <p:txBody>
-          <a:bodyPr/>
-          <a:lstStyle/>
-          <a:p>
-            <a:r>
-              <a:rPr lang="en-GB" smtClean="0"/>
-              <a:t>How to manage data</a:t>
-            </a:r>
-            <a:endParaRPr lang="en-US" smtClean="0"/>
-          </a:p>
-        </p:txBody>
-      </p:sp>
-      <p:sp>
-        <p:nvSpPr>
-          <p:cNvPr id="9219" name="Content Placeholder 2"/>
-          <p:cNvSpPr>
-            <a:spLocks noGrp="1"/>
-          </p:cNvSpPr>
-          <p:nvPr>
-            <p:ph idx="1"/>
-          </p:nvPr>
-        </p:nvSpPr>
-        <p:spPr/>
-        <p:txBody>
-          <a:bodyPr/>
-          <a:lstStyle/>
-          <a:p>
-            <a:r>
-              <a:rPr lang="en-GB" smtClean="0"/>
-              <a:t>Administrators need to see and manage the db from the gui</a:t>
-            </a:r>
-          </a:p>
-          <a:p>
-            <a:pPr lvl="4"/>
-            <a:r>
-              <a:rPr lang="en-GB" smtClean="0"/>
-              <a:t>                                             Means the db is fully                               			integrated i.e software cannot be 			used without a connection</a:t>
-            </a:r>
-            <a:endParaRPr lang="en-US" smtClean="0"/>
-          </a:p>
-          <a:p>
-            <a:pPr lvl="4"/>
-            <a:endParaRPr lang="en-GB" smtClean="0"/>
-          </a:p>
-        </p:txBody>
-      </p:sp>
-      <p:pic>
-        <p:nvPicPr>
-          <p:cNvPr id="9220" name="Picture 2" descr="C:\Users\Pip\AppData\Local\Temp\VMwareDnD\0000519d\Picture 1.png"/>
-          <p:cNvPicPr>
-            <a:picLocks noChangeAspect="1" noChangeArrowheads="1"/>
-          </p:cNvPicPr>
-          <p:nvPr/>
-        </p:nvPicPr>
-        <p:blipFill>
-          <a:blip r:embed="rId2"/>
-          <a:srcRect/>
-          <a:stretch>
-            <a:fillRect/>
-          </a:stretch>
-        </p:blipFill>
-        <p:spPr bwMode="auto">
-          <a:xfrm>
-            <a:off x="533400" y="2743200"/>
-            <a:ext cx="4441825" cy="3822700"/>
-          </a:xfrm>
-          <a:prstGeom prst="rect">
-            <a:avLst/>
-          </a:prstGeom>
-          <a:noFill/>
-          <a:ln w="9525">
-            <a:noFill/>
-            <a:miter lim="800000"/>
-            <a:headEnd/>
-            <a:tailEnd/>
-          </a:ln>
-        </p:spPr>
-      </p:pic>
-    </p:spTree>
-  </p:cSld>
-  <p:clrMapOvr>
-    <a:masterClrMapping/>
-  </p:clrMapOvr>
-  <p:timing>
-    <p:tnLst>
-      <p:par>
-        <p:cTn id="1" dur="indefinite" restart="never" nodeType="tmRoot"/>
-      </p:par>
-    </p:tnLst>
-  </p:timing>
-</p:sld>
-</file>
-
-<file path=ppt/slides/slide22.xml><?xml version="1.0" encoding="utf-8"?>
-<p:sld xmlns:a="http://schemas.openxmlformats.org/drawingml/2006/main" xmlns:r="http://schemas.openxmlformats.org/officeDocument/2006/relationships" xmlns:p="http://schemas.openxmlformats.org/presentationml/2006/main" showMasterSp="0">
+<p:sld xmlns:a="http://schemas.openxmlformats.org/drawingml/2006/main" xmlns:r="http://schemas.openxmlformats.org/officeDocument/2006/relationships" xmlns:p="http://schemas.openxmlformats.org/presentationml/2006/main">
   <p:cSld>
     <p:spTree>
       <p:nvGrpSpPr>
@@ -6103,7 +5740,7 @@
         </p:xfrm>
         <a:graphic>
           <a:graphicData uri="http://schemas.openxmlformats.org/presentationml/2006/ole">
-            <p:oleObj spid="_x0000_s21506" name="Equation" r:id="rId4" imgW="1574640" imgH="660240" progId="Equation.3">
+            <p:oleObj spid="_x0000_s57346" name="Equation" r:id="rId4" imgW="1574640" imgH="660240" progId="Equation.3">
               <p:embed/>
             </p:oleObj>
           </a:graphicData>
@@ -6118,7 +5755,7 @@
         <p:spPr>
           <a:xfrm>
             <a:off x="1857356" y="1928802"/>
-            <a:ext cx="5286412" cy="3247043"/>
+            <a:ext cx="5286412" cy="2600712"/>
           </a:xfrm>
           <a:prstGeom prst="rect">
             <a:avLst/>
@@ -6134,27 +5771,21 @@
             <a:endParaRPr lang="en-GB" dirty="0" smtClean="0"/>
           </a:p>
           <a:p>
-            <a:r>
-              <a:rPr lang="en-GB" sz="1900" dirty="0" smtClean="0"/>
+            <a:endParaRPr lang="en-GB" sz="1900" dirty="0" smtClean="0"/>
+          </a:p>
+          <a:p>
+            <a:r>
+              <a:rPr lang="en-GB" sz="2400" dirty="0" smtClean="0"/>
               <a:t>Simplest approach among many.</a:t>
             </a:r>
           </a:p>
           <a:p>
-            <a:endParaRPr lang="en-GB" sz="1900" dirty="0"/>
-          </a:p>
-          <a:p>
-            <a:r>
-              <a:rPr lang="en-GB" sz="1900" dirty="0" smtClean="0"/>
-              <a:t>A fractional measure of the dissimilarity between the two codes.</a:t>
-            </a:r>
-          </a:p>
-          <a:p>
-            <a:endParaRPr lang="en-GB" sz="1900" dirty="0"/>
-          </a:p>
-          <a:p>
-            <a:r>
-              <a:rPr lang="en-GB" sz="1900" dirty="0" smtClean="0"/>
-              <a:t>The total number of corresponding bits which disagree, divided by the total number of bits:</a:t>
+            <a:endParaRPr lang="en-GB" sz="2400" dirty="0"/>
+          </a:p>
+          <a:p>
+            <a:r>
+              <a:rPr lang="en-GB" sz="2400" dirty="0" smtClean="0"/>
+              <a:t>The percentage of bits which disagree:</a:t>
             </a:r>
           </a:p>
           <a:p>
@@ -6177,18 +5808,11 @@
   <p:clrMapOvr>
     <a:masterClrMapping/>
   </p:clrMapOvr>
-  <p:timing>
-    <p:tnLst>
-      <p:par>
-        <p:cTn id="1" dur="indefinite" restart="never" nodeType="tmRoot"/>
-      </p:par>
-    </p:tnLst>
-  </p:timing>
 </p:sld>
 </file>
 
-<file path=ppt/slides/slide23.xml><?xml version="1.0" encoding="utf-8"?>
-<p:sld xmlns:a="http://schemas.openxmlformats.org/drawingml/2006/main" xmlns:r="http://schemas.openxmlformats.org/officeDocument/2006/relationships" xmlns:p="http://schemas.openxmlformats.org/presentationml/2006/main" showMasterSp="0">
+<file path=ppt/slides/slide22.xml><?xml version="1.0" encoding="utf-8"?>
+<p:sld xmlns:a="http://schemas.openxmlformats.org/drawingml/2006/main" xmlns:r="http://schemas.openxmlformats.org/officeDocument/2006/relationships" xmlns:p="http://schemas.openxmlformats.org/presentationml/2006/main">
   <p:cSld>
     <p:spTree>
       <p:nvGrpSpPr>
@@ -6255,7 +5879,7 @@
           <a:p>
             <a:r>
               <a:rPr lang="en-GB" dirty="0" smtClean="0"/>
-              <a:t>Different (independent) irises should give a Hamming distance of around 0.5.</a:t>
+              <a:t>Different irises should give a Hamming distance of around 0.5.</a:t>
             </a:r>
           </a:p>
           <a:p>
@@ -6277,18 +5901,11 @@
   <p:clrMapOvr>
     <a:masterClrMapping/>
   </p:clrMapOvr>
-  <p:timing>
-    <p:tnLst>
-      <p:par>
-        <p:cTn id="1" dur="indefinite" restart="never" nodeType="tmRoot"/>
-      </p:par>
-    </p:tnLst>
-  </p:timing>
 </p:sld>
 </file>
 
-<file path=ppt/slides/slide24.xml><?xml version="1.0" encoding="utf-8"?>
-<p:sld xmlns:a="http://schemas.openxmlformats.org/drawingml/2006/main" xmlns:r="http://schemas.openxmlformats.org/officeDocument/2006/relationships" xmlns:p="http://schemas.openxmlformats.org/presentationml/2006/main" showMasterSp="0">
+<file path=ppt/slides/slide23.xml><?xml version="1.0" encoding="utf-8"?>
+<p:sld xmlns:a="http://schemas.openxmlformats.org/drawingml/2006/main" xmlns:r="http://schemas.openxmlformats.org/officeDocument/2006/relationships" xmlns:p="http://schemas.openxmlformats.org/presentationml/2006/main">
   <p:cSld>
     <p:spTree>
       <p:nvGrpSpPr>
@@ -6344,37 +5961,26 @@
           </a:xfrm>
         </p:spPr>
         <p:txBody>
-          <a:bodyPr/>
+          <a:bodyPr>
+            <a:normAutofit fontScale="92500" lnSpcReduction="10000"/>
+          </a:bodyPr>
           <a:lstStyle/>
           <a:p>
             <a:r>
               <a:rPr lang="en-GB" dirty="0" smtClean="0"/>
-              <a:t>Will never quite get zero (image noise and normalisation algorithms not perfect).</a:t>
+              <a:t>Will never get zero for different images, even if it’s the same iris.</a:t>
             </a:r>
           </a:p>
           <a:p>
             <a:r>
               <a:rPr lang="en-GB" dirty="0" smtClean="0"/>
-              <a:t>Make use of result by Daugman:</a:t>
-            </a:r>
-          </a:p>
-          <a:p>
-            <a:pPr>
-              <a:buNone/>
-            </a:pPr>
-            <a:r>
-              <a:rPr lang="en-GB" dirty="0"/>
-              <a:t>	</a:t>
-            </a:r>
+              <a:t>Instead, look for a threshold. Daugman shows that a Hamming distance between 0 and 0.33 is good enough for a match. See his paper ‘How Iris Recognition Works’ for details.</a:t>
+            </a:r>
+          </a:p>
+          <a:p>
             <a:r>
               <a:rPr lang="en-GB" dirty="0" smtClean="0"/>
-              <a:t>4000 images studied, probability of obtaining false positive is 1 in 16 million if Hamming distance lies between 0 and 0.33.</a:t>
-            </a:r>
-          </a:p>
-          <a:p>
-            <a:r>
-              <a:rPr lang="en-GB" dirty="0" smtClean="0"/>
-              <a:t>So 0.33 is our threshold point.</a:t>
+              <a:t>Our graph, although not perfect, shows similar behaviour. So we take 0.33 as our threshold point.</a:t>
             </a:r>
             <a:endParaRPr lang="en-GB" dirty="0"/>
           </a:p>
@@ -6385,18 +5991,11 @@
   <p:clrMapOvr>
     <a:masterClrMapping/>
   </p:clrMapOvr>
-  <p:timing>
-    <p:tnLst>
-      <p:par>
-        <p:cTn id="1" dur="indefinite" restart="never" nodeType="tmRoot"/>
-      </p:par>
-    </p:tnLst>
-  </p:timing>
 </p:sld>
 </file>
 
-<file path=ppt/slides/slide25.xml><?xml version="1.0" encoding="utf-8"?>
-<p:sld xmlns:a="http://schemas.openxmlformats.org/drawingml/2006/main" xmlns:r="http://schemas.openxmlformats.org/officeDocument/2006/relationships" xmlns:p="http://schemas.openxmlformats.org/presentationml/2006/main" showMasterSp="0">
+<file path=ppt/slides/slide24.xml><?xml version="1.0" encoding="utf-8"?>
+<p:sld xmlns:a="http://schemas.openxmlformats.org/drawingml/2006/main" xmlns:r="http://schemas.openxmlformats.org/officeDocument/2006/relationships" xmlns:p="http://schemas.openxmlformats.org/presentationml/2006/main">
   <p:cSld>
     <p:spTree>
       <p:nvGrpSpPr>
@@ -6431,7 +6030,7 @@
           <a:p>
             <a:r>
               <a:rPr lang="en-GB" dirty="0" smtClean="0"/>
-              <a:t>Two things to be wary of...</a:t>
+              <a:t>Two things to be mindful of...</a:t>
             </a:r>
             <a:endParaRPr lang="en-GB" dirty="0"/>
           </a:p>
@@ -6450,21 +6049,13 @@
         <p:spPr/>
         <p:txBody>
           <a:bodyPr>
-            <a:normAutofit lnSpcReduction="10000"/>
+            <a:normAutofit/>
           </a:bodyPr>
           <a:lstStyle/>
           <a:p>
             <a:r>
               <a:rPr lang="en-GB" dirty="0" smtClean="0"/>
-              <a:t>One: There will be noise in all images. Since we really should only consider bits which do not correspond to noise, </a:t>
-            </a:r>
-            <a:r>
-              <a:rPr lang="en-GB" dirty="0"/>
-              <a:t>w</a:t>
-            </a:r>
-            <a:r>
-              <a:rPr lang="en-GB" dirty="0" smtClean="0"/>
-              <a:t>e need an algorithm to detect noise. More later.</a:t>
+              <a:t>One: Ideally, we should account for occlusions in the image: eyelids, eyelashes, reflections.</a:t>
             </a:r>
           </a:p>
           <a:p>
@@ -6487,18 +6078,11 @@
   <p:clrMapOvr>
     <a:masterClrMapping/>
   </p:clrMapOvr>
-  <p:timing>
-    <p:tnLst>
-      <p:par>
-        <p:cTn id="1" dur="indefinite" restart="never" nodeType="tmRoot"/>
-      </p:par>
-    </p:tnLst>
-  </p:timing>
 </p:sld>
 </file>
 
-<file path=ppt/slides/slide26.xml><?xml version="1.0" encoding="utf-8"?>
-<p:sld xmlns:a="http://schemas.openxmlformats.org/drawingml/2006/main" xmlns:r="http://schemas.openxmlformats.org/officeDocument/2006/relationships" xmlns:p="http://schemas.openxmlformats.org/presentationml/2006/main" showMasterSp="0">
+<file path=ppt/slides/slide25.xml><?xml version="1.0" encoding="utf-8"?>
+<p:sld xmlns:a="http://schemas.openxmlformats.org/drawingml/2006/main" xmlns:r="http://schemas.openxmlformats.org/officeDocument/2006/relationships" xmlns:p="http://schemas.openxmlformats.org/presentationml/2006/main">
   <p:cSld>
     <p:spTree>
       <p:nvGrpSpPr>
@@ -6575,18 +6159,11 @@
   <p:clrMapOvr>
     <a:masterClrMapping/>
   </p:clrMapOvr>
-  <p:timing>
-    <p:tnLst>
-      <p:par>
-        <p:cTn id="1" dur="indefinite" restart="never" nodeType="tmRoot"/>
-      </p:par>
-    </p:tnLst>
-  </p:timing>
 </p:sld>
 </file>
 
-<file path=ppt/slides/slide27.xml><?xml version="1.0" encoding="utf-8"?>
-<p:sld xmlns:a="http://schemas.openxmlformats.org/drawingml/2006/main" xmlns:r="http://schemas.openxmlformats.org/officeDocument/2006/relationships" xmlns:p="http://schemas.openxmlformats.org/presentationml/2006/main" showMasterSp="0">
+<file path=ppt/slides/slide26.xml><?xml version="1.0" encoding="utf-8"?>
+<p:sld xmlns:a="http://schemas.openxmlformats.org/drawingml/2006/main" xmlns:r="http://schemas.openxmlformats.org/officeDocument/2006/relationships" xmlns:p="http://schemas.openxmlformats.org/presentationml/2006/main">
   <p:cSld>
     <p:spTree>
       <p:nvGrpSpPr>
@@ -6621,7 +6198,7 @@
           <a:p>
             <a:r>
               <a:rPr lang="en-GB" dirty="0" smtClean="0"/>
-              <a:t>Limitations of Algorithms: Normalisation</a:t>
+              <a:t>Limitations of Algorithms: Unwrapping the Iris</a:t>
             </a:r>
             <a:endParaRPr lang="en-GB" dirty="0"/>
           </a:p>
@@ -6649,13 +6226,13 @@
           <a:p>
             <a:r>
               <a:rPr lang="en-GB" dirty="0" smtClean="0"/>
-              <a:t>The normalisation algorithm which unwraps the iris relies on a model of how the iris looks when the pupil and limbus boundaries are not concentric. </a:t>
+              <a:t>The algorithm which unwraps the iris makes an assumption about how the iris looks when the pupil and limbus boundaries are not concentric. </a:t>
             </a:r>
           </a:p>
           <a:p>
             <a:r>
               <a:rPr lang="en-GB" dirty="0" smtClean="0"/>
-              <a:t>More than one model. Different models give different results. </a:t>
+              <a:t>More than one option here. Different choices give different results. </a:t>
             </a:r>
             <a:endParaRPr lang="en-GB" dirty="0"/>
           </a:p>
@@ -6673,13 +6250,115 @@
   <p:clrMapOvr>
     <a:masterClrMapping/>
   </p:clrMapOvr>
-  <p:timing>
-    <p:tnLst>
-      <p:par>
-        <p:cTn id="1" dur="indefinite" restart="never" nodeType="tmRoot"/>
-      </p:par>
-    </p:tnLst>
-  </p:timing>
+</p:sld>
+</file>
+
+<file path=ppt/slides/slide27.xml><?xml version="1.0" encoding="utf-8"?>
+<p:sld xmlns:a="http://schemas.openxmlformats.org/drawingml/2006/main" xmlns:r="http://schemas.openxmlformats.org/officeDocument/2006/relationships" xmlns:p="http://schemas.openxmlformats.org/presentationml/2006/main">
+  <p:cSld>
+    <p:spTree>
+      <p:nvGrpSpPr>
+        <p:cNvPr id="1" name=""/>
+        <p:cNvGrpSpPr/>
+        <p:nvPr/>
+      </p:nvGrpSpPr>
+      <p:grpSpPr>
+        <a:xfrm>
+          <a:off x="0" y="0"/>
+          <a:ext cx="0" cy="0"/>
+          <a:chOff x="0" y="0"/>
+          <a:chExt cx="0" cy="0"/>
+        </a:xfrm>
+      </p:grpSpPr>
+      <p:sp>
+        <p:nvSpPr>
+          <p:cNvPr id="2" name="Title 1"/>
+          <p:cNvSpPr>
+            <a:spLocks noGrp="1"/>
+          </p:cNvSpPr>
+          <p:nvPr>
+            <p:ph type="title"/>
+          </p:nvPr>
+        </p:nvSpPr>
+        <p:spPr/>
+        <p:txBody>
+          <a:bodyPr>
+            <a:normAutofit fontScale="90000"/>
+          </a:bodyPr>
+          <a:lstStyle/>
+          <a:p>
+            <a:r>
+              <a:rPr lang="en-GB" dirty="0" smtClean="0"/>
+              <a:t>Limitations of Algorithms: Occlusion Detection</a:t>
+            </a:r>
+            <a:endParaRPr lang="en-GB" dirty="0"/>
+          </a:p>
+        </p:txBody>
+      </p:sp>
+      <p:sp>
+        <p:nvSpPr>
+          <p:cNvPr id="3" name="Content Placeholder 2"/>
+          <p:cNvSpPr>
+            <a:spLocks noGrp="1"/>
+          </p:cNvSpPr>
+          <p:nvPr>
+            <p:ph idx="1"/>
+          </p:nvPr>
+        </p:nvSpPr>
+        <p:spPr>
+          <a:xfrm>
+            <a:off x="457200" y="2214554"/>
+            <a:ext cx="8229600" cy="3911609"/>
+          </a:xfrm>
+        </p:spPr>
+        <p:txBody>
+          <a:bodyPr>
+            <a:normAutofit fontScale="92500" lnSpcReduction="10000"/>
+          </a:bodyPr>
+          <a:lstStyle/>
+          <a:p>
+            <a:r>
+              <a:rPr lang="en-GB" dirty="0" smtClean="0"/>
+              <a:t>No algorithm will detect, with 100% accuracy, all occlusions present in image.</a:t>
+            </a:r>
+          </a:p>
+          <a:p>
+            <a:r>
+              <a:rPr lang="en-GB" dirty="0" smtClean="0"/>
+              <a:t>Some invalid bits go undetected and are passed into Hamming algorithm as valid bits.</a:t>
+            </a:r>
+          </a:p>
+          <a:p>
+            <a:r>
+              <a:rPr lang="en-GB" dirty="0" smtClean="0"/>
+              <a:t>Cannot then get zero, even with two images of same iris.</a:t>
+            </a:r>
+          </a:p>
+          <a:p>
+            <a:r>
+              <a:rPr lang="en-GB" dirty="0" smtClean="0"/>
+              <a:t>Bottom line: imperfect algorithms give imperfect results.</a:t>
+            </a:r>
+          </a:p>
+          <a:p>
+            <a:pPr>
+              <a:buNone/>
+            </a:pPr>
+            <a:endParaRPr lang="en-GB" dirty="0" smtClean="0"/>
+          </a:p>
+          <a:p>
+            <a:pPr>
+              <a:buNone/>
+            </a:pPr>
+            <a:endParaRPr lang="en-GB" dirty="0"/>
+          </a:p>
+        </p:txBody>
+      </p:sp>
+    </p:spTree>
+  </p:cSld>
+  <p:clrMapOvr>
+    <a:masterClrMapping/>
+  </p:clrMapOvr>
 </p:sld>
 </file>
 
@@ -6712,67 +6391,14 @@
         </p:nvSpPr>
         <p:spPr/>
         <p:txBody>
-          <a:bodyPr>
-            <a:normAutofit fontScale="90000"/>
-          </a:bodyPr>
-          <a:lstStyle/>
-          <a:p>
-            <a:r>
-              <a:rPr lang="en-GB" dirty="0" smtClean="0"/>
-              <a:t>Limitations of Algorithms: Noise Detection</a:t>
-            </a:r>
-            <a:endParaRPr lang="en-GB" dirty="0"/>
-          </a:p>
-        </p:txBody>
-      </p:sp>
-      <p:sp>
-        <p:nvSpPr>
-          <p:cNvPr id="3" name="Content Placeholder 2"/>
-          <p:cNvSpPr>
-            <a:spLocks noGrp="1"/>
-          </p:cNvSpPr>
-          <p:nvPr>
-            <p:ph idx="1"/>
-          </p:nvPr>
-        </p:nvSpPr>
-        <p:spPr>
-          <a:xfrm>
-            <a:off x="457200" y="2214554"/>
-            <a:ext cx="8229600" cy="3911609"/>
-          </a:xfrm>
-        </p:spPr>
-        <p:txBody>
-          <a:bodyPr/>
-          <a:lstStyle/>
-          <a:p>
-            <a:r>
-              <a:rPr lang="en-GB" dirty="0" smtClean="0"/>
-              <a:t>No noise detection algorithm will detect, with 100% accuracy, all noise present in image.</a:t>
-            </a:r>
-          </a:p>
-          <a:p>
-            <a:r>
-              <a:rPr lang="en-GB" dirty="0" smtClean="0"/>
-              <a:t>Some noisy bits go undetected and are passed into Hamming algorithm as valid bits.</a:t>
-            </a:r>
-          </a:p>
-          <a:p>
-            <a:r>
-              <a:rPr lang="en-GB" dirty="0" smtClean="0"/>
-              <a:t>Cannot then get zero, even with two images of same iris.</a:t>
-            </a:r>
-          </a:p>
-          <a:p>
-            <a:pPr>
-              <a:buNone/>
-            </a:pPr>
-            <a:endParaRPr lang="en-GB" dirty="0" smtClean="0"/>
-          </a:p>
-          <a:p>
-            <a:pPr>
-              <a:buNone/>
-            </a:pPr>
-            <a:endParaRPr lang="en-GB" dirty="0"/>
+          <a:bodyPr/>
+          <a:lstStyle/>
+          <a:p>
+            <a:r>
+              <a:rPr lang="is-IS" dirty="0" smtClean="0"/>
+              <a:t>GUI</a:t>
+            </a:r>
+            <a:endParaRPr lang="is-IS" dirty="0"/>
           </a:p>
         </p:txBody>
       </p:sp>
@@ -6824,13 +6450,40 @@
           <a:lstStyle/>
           <a:p>
             <a:r>
-              <a:rPr lang="is-IS" dirty="0" smtClean="0"/>
-              <a:t>GUI</a:t>
-            </a:r>
-            <a:endParaRPr lang="is-IS" dirty="0"/>
-          </a:p>
-        </p:txBody>
-      </p:sp>
+              <a:rPr lang="en-GB" dirty="0" smtClean="0"/>
+              <a:t>Results </a:t>
+            </a:r>
+            <a:r>
+              <a:rPr lang="en-GB" dirty="0" err="1" smtClean="0"/>
+              <a:t>Daugman</a:t>
+            </a:r>
+            <a:endParaRPr lang="en-US" dirty="0"/>
+          </a:p>
+        </p:txBody>
+      </p:sp>
+      <p:pic>
+        <p:nvPicPr>
+          <p:cNvPr id="4" name="Content Placeholder 3" descr="Daugman1.png"/>
+          <p:cNvPicPr>
+            <a:picLocks noGrp="1" noChangeAspect="1"/>
+          </p:cNvPicPr>
+          <p:nvPr>
+            <p:ph idx="1"/>
+          </p:nvPr>
+        </p:nvPicPr>
+        <p:blipFill>
+          <a:blip r:embed="rId2"/>
+          <a:stretch>
+            <a:fillRect/>
+          </a:stretch>
+        </p:blipFill>
+        <p:spPr>
+          <a:xfrm>
+            <a:off x="2172694" y="1600200"/>
+            <a:ext cx="4798611" cy="4525963"/>
+          </a:xfrm>
+        </p:spPr>
+      </p:pic>
     </p:spTree>
   </p:cSld>
   <p:clrMapOvr>
@@ -6964,11 +6617,7 @@
           <a:p>
             <a:r>
               <a:rPr lang="en-GB" dirty="0" smtClean="0"/>
-              <a:t>Results </a:t>
-            </a:r>
-            <a:r>
-              <a:rPr lang="en-GB" dirty="0" err="1" smtClean="0"/>
-              <a:t>Daugman</a:t>
+              <a:t>Results One Eye</a:t>
             </a:r>
             <a:endParaRPr lang="en-US" dirty="0"/>
           </a:p>
@@ -6976,7 +6625,7 @@
       </p:sp>
       <p:pic>
         <p:nvPicPr>
-          <p:cNvPr id="4" name="Content Placeholder 3" descr="Daugman1.png"/>
+          <p:cNvPr id="6" name="Content Placeholder 5" descr="best_single.png"/>
           <p:cNvPicPr>
             <a:picLocks noGrp="1" noChangeAspect="1"/>
           </p:cNvPicPr>
@@ -6992,8 +6641,8 @@
         </p:blipFill>
         <p:spPr>
           <a:xfrm>
-            <a:off x="2172694" y="1600200"/>
-            <a:ext cx="4798611" cy="4525963"/>
+            <a:off x="1726953" y="1729396"/>
+            <a:ext cx="5690093" cy="4267570"/>
           </a:xfrm>
         </p:spPr>
       </p:pic>
@@ -7046,7 +6695,7 @@
           <a:p>
             <a:r>
               <a:rPr lang="en-GB" dirty="0" smtClean="0"/>
-              <a:t>Results One Eye</a:t>
+              <a:t>Results Two Eyes</a:t>
             </a:r>
             <a:endParaRPr lang="en-US" dirty="0"/>
           </a:p>
@@ -7054,7 +6703,7 @@
       </p:sp>
       <p:pic>
         <p:nvPicPr>
-          <p:cNvPr id="6" name="Content Placeholder 5" descr="best_single.png"/>
+          <p:cNvPr id="5" name="Content Placeholder 4" descr="best_twoEyes.png"/>
           <p:cNvPicPr>
             <a:picLocks noGrp="1" noChangeAspect="1"/>
           </p:cNvPicPr>
@@ -7091,6 +6740,77 @@
 </file>
 
 <file path=ppt/slides/slide32.xml><?xml version="1.0" encoding="utf-8"?>
+<p:sld xmlns:a="http://schemas.openxmlformats.org/drawingml/2006/main" xmlns:r="http://schemas.openxmlformats.org/officeDocument/2006/relationships" xmlns:p="http://schemas.openxmlformats.org/presentationml/2006/main">
+  <p:cSld>
+    <p:spTree>
+      <p:nvGrpSpPr>
+        <p:cNvPr id="1" name=""/>
+        <p:cNvGrpSpPr/>
+        <p:nvPr/>
+      </p:nvGrpSpPr>
+      <p:grpSpPr>
+        <a:xfrm>
+          <a:off x="0" y="0"/>
+          <a:ext cx="0" cy="0"/>
+          <a:chOff x="0" y="0"/>
+          <a:chExt cx="0" cy="0"/>
+        </a:xfrm>
+      </p:grpSpPr>
+      <p:sp>
+        <p:nvSpPr>
+          <p:cNvPr id="2" name="Title 1"/>
+          <p:cNvSpPr>
+            <a:spLocks noGrp="1"/>
+          </p:cNvSpPr>
+          <p:nvPr>
+            <p:ph type="title"/>
+          </p:nvPr>
+        </p:nvSpPr>
+        <p:spPr/>
+        <p:txBody>
+          <a:bodyPr/>
+          <a:lstStyle/>
+          <a:p>
+            <a:r>
+              <a:rPr lang="en-GB" dirty="0" smtClean="0"/>
+              <a:t>Spot the difference...</a:t>
+            </a:r>
+            <a:endParaRPr lang="en-US" dirty="0"/>
+          </a:p>
+        </p:txBody>
+      </p:sp>
+      <p:pic>
+        <p:nvPicPr>
+          <p:cNvPr id="4" name="Content Placeholder 3" descr="Gabor_vs_Gauss.png"/>
+          <p:cNvPicPr>
+            <a:picLocks noGrp="1" noChangeAspect="1"/>
+          </p:cNvPicPr>
+          <p:nvPr>
+            <p:ph idx="1"/>
+          </p:nvPr>
+        </p:nvPicPr>
+        <p:blipFill>
+          <a:blip r:embed="rId2"/>
+          <a:stretch>
+            <a:fillRect/>
+          </a:stretch>
+        </p:blipFill>
+        <p:spPr>
+          <a:xfrm>
+            <a:off x="1219200" y="1600200"/>
+            <a:ext cx="7460486" cy="4525963"/>
+          </a:xfrm>
+        </p:spPr>
+      </p:pic>
+    </p:spTree>
+  </p:cSld>
+  <p:clrMapOvr>
+    <a:masterClrMapping/>
+  </p:clrMapOvr>
+</p:sld>
+</file>
+
+<file path=ppt/slides/slide33.xml><?xml version="1.0" encoding="utf-8"?>
 <p:sld xmlns:a="http://schemas.openxmlformats.org/drawingml/2006/main" xmlns:r="http://schemas.openxmlformats.org/officeDocument/2006/relationships" xmlns:p="http://schemas.openxmlformats.org/presentationml/2006/main" showMasterSp="0">
   <p:cSld>
     <p:spTree>
@@ -7124,7 +6844,7 @@
           <a:p>
             <a:r>
               <a:rPr lang="en-GB" dirty="0" smtClean="0"/>
-              <a:t>Results Two Eyes</a:t>
+              <a:t>Results Gaussian</a:t>
             </a:r>
             <a:endParaRPr lang="en-US" dirty="0"/>
           </a:p>
@@ -7132,7 +6852,7 @@
       </p:sp>
       <p:pic>
         <p:nvPicPr>
-          <p:cNvPr id="5" name="Content Placeholder 4" descr="best_twoEyes.png"/>
+          <p:cNvPr id="7" name="Content Placeholder 6" descr="best_gaussian.png"/>
           <p:cNvPicPr>
             <a:picLocks noGrp="1" noChangeAspect="1"/>
           </p:cNvPicPr>
@@ -7168,7 +6888,7 @@
 </p:sld>
 </file>
 
-<file path=ppt/slides/slide33.xml><?xml version="1.0" encoding="utf-8"?>
+<file path=ppt/slides/slide34.xml><?xml version="1.0" encoding="utf-8"?>
 <p:sld xmlns:a="http://schemas.openxmlformats.org/drawingml/2006/main" xmlns:r="http://schemas.openxmlformats.org/officeDocument/2006/relationships" xmlns:p="http://schemas.openxmlformats.org/presentationml/2006/main">
   <p:cSld>
     <p:spTree>
@@ -7202,118 +6922,63 @@
           <a:p>
             <a:r>
               <a:rPr lang="en-GB" dirty="0" smtClean="0"/>
-              <a:t>Spot the difference...</a:t>
+              <a:t>Conclusion</a:t>
             </a:r>
             <a:endParaRPr lang="en-US" dirty="0"/>
           </a:p>
         </p:txBody>
       </p:sp>
-      <p:pic>
-        <p:nvPicPr>
-          <p:cNvPr id="4" name="Content Placeholder 3" descr="Gabor_vs_Gauss.png"/>
-          <p:cNvPicPr>
-            <a:picLocks noGrp="1" noChangeAspect="1"/>
-          </p:cNvPicPr>
+      <p:sp>
+        <p:nvSpPr>
+          <p:cNvPr id="3" name="Content Placeholder 2"/>
+          <p:cNvSpPr>
+            <a:spLocks noGrp="1"/>
+          </p:cNvSpPr>
           <p:nvPr>
             <p:ph idx="1"/>
           </p:nvPr>
-        </p:nvPicPr>
-        <p:blipFill>
-          <a:blip r:embed="rId2"/>
-          <a:stretch>
-            <a:fillRect/>
-          </a:stretch>
-        </p:blipFill>
-        <p:spPr>
-          <a:xfrm>
-            <a:off x="1219200" y="1600200"/>
-            <a:ext cx="7460486" cy="4525963"/>
-          </a:xfrm>
-        </p:spPr>
-      </p:pic>
+        </p:nvSpPr>
+        <p:spPr/>
+        <p:txBody>
+          <a:bodyPr/>
+          <a:lstStyle/>
+          <a:p>
+            <a:endParaRPr lang="en-GB" dirty="0" smtClean="0"/>
+          </a:p>
+          <a:p>
+            <a:r>
+              <a:rPr lang="en-GB" dirty="0" smtClean="0"/>
+              <a:t>The team produced much more than any one individual could have in the time</a:t>
+            </a:r>
+          </a:p>
+          <a:p>
+            <a:r>
+              <a:rPr lang="en-GB" dirty="0" smtClean="0"/>
+              <a:t>There is a lot still to learn...</a:t>
+            </a:r>
+          </a:p>
+          <a:p>
+            <a:r>
+              <a:rPr lang="en-GB" dirty="0" smtClean="0"/>
+              <a:t>...good start understanding Iris Recognition...</a:t>
+            </a:r>
+          </a:p>
+          <a:p>
+            <a:r>
+              <a:rPr lang="en-GB" dirty="0" smtClean="0"/>
+              <a:t>...and engineering software in teams</a:t>
+            </a:r>
+          </a:p>
+          <a:p>
+            <a:endParaRPr lang="en-US" dirty="0"/>
+          </a:p>
+        </p:txBody>
+      </p:sp>
     </p:spTree>
   </p:cSld>
   <p:clrMapOvr>
     <a:masterClrMapping/>
   </p:clrMapOvr>
-</p:sld>
-</file>
-
-<file path=ppt/slides/slide34.xml><?xml version="1.0" encoding="utf-8"?>
-<p:sld xmlns:a="http://schemas.openxmlformats.org/drawingml/2006/main" xmlns:r="http://schemas.openxmlformats.org/officeDocument/2006/relationships" xmlns:p="http://schemas.openxmlformats.org/presentationml/2006/main" showMasterSp="0">
-  <p:cSld>
-    <p:spTree>
-      <p:nvGrpSpPr>
-        <p:cNvPr id="1" name=""/>
-        <p:cNvGrpSpPr/>
-        <p:nvPr/>
-      </p:nvGrpSpPr>
-      <p:grpSpPr>
-        <a:xfrm>
-          <a:off x="0" y="0"/>
-          <a:ext cx="0" cy="0"/>
-          <a:chOff x="0" y="0"/>
-          <a:chExt cx="0" cy="0"/>
-        </a:xfrm>
-      </p:grpSpPr>
-      <p:sp>
-        <p:nvSpPr>
-          <p:cNvPr id="2" name="Title 1"/>
-          <p:cNvSpPr>
-            <a:spLocks noGrp="1"/>
-          </p:cNvSpPr>
-          <p:nvPr>
-            <p:ph type="title"/>
-          </p:nvPr>
-        </p:nvSpPr>
-        <p:spPr/>
-        <p:txBody>
-          <a:bodyPr/>
-          <a:lstStyle/>
-          <a:p>
-            <a:r>
-              <a:rPr lang="en-GB" dirty="0" smtClean="0"/>
-              <a:t>Results Gaussian</a:t>
-            </a:r>
-            <a:endParaRPr lang="en-US" dirty="0"/>
-          </a:p>
-        </p:txBody>
-      </p:sp>
-      <p:pic>
-        <p:nvPicPr>
-          <p:cNvPr id="7" name="Content Placeholder 6" descr="best_gaussian.png"/>
-          <p:cNvPicPr>
-            <a:picLocks noGrp="1" noChangeAspect="1"/>
-          </p:cNvPicPr>
-          <p:nvPr>
-            <p:ph idx="1"/>
-          </p:nvPr>
-        </p:nvPicPr>
-        <p:blipFill>
-          <a:blip r:embed="rId2"/>
-          <a:stretch>
-            <a:fillRect/>
-          </a:stretch>
-        </p:blipFill>
-        <p:spPr>
-          <a:xfrm>
-            <a:off x="1726953" y="1729396"/>
-            <a:ext cx="5690093" cy="4267570"/>
-          </a:xfrm>
-        </p:spPr>
-      </p:pic>
-    </p:spTree>
-  </p:cSld>
-  <p:clrMapOvr>
-    <a:masterClrMapping/>
-  </p:clrMapOvr>
-  <p:timing>
-    <p:tnLst>
-      <p:par>
-        <p:cTn id="1" dur="indefinite" restart="never" nodeType="tmRoot"/>
-      </p:par>
-    </p:tnLst>
-  </p:timing>
 </p:sld>
 </file>
 
@@ -7351,7 +7016,7 @@
           <a:p>
             <a:r>
               <a:rPr lang="en-GB" dirty="0" smtClean="0"/>
-              <a:t>Conclusion</a:t>
+              <a:t>Acknowledgements</a:t>
             </a:r>
             <a:endParaRPr lang="en-US" dirty="0"/>
           </a:p>
@@ -7372,34 +7037,88 @@
           <a:bodyPr/>
           <a:lstStyle/>
           <a:p>
+            <a:pPr>
+              <a:buNone/>
+            </a:pPr>
+            <a:r>
+              <a:rPr lang="en-GB" dirty="0" smtClean="0"/>
+              <a:t>	Dr. Ashok Argent-</a:t>
+            </a:r>
+            <a:r>
+              <a:rPr lang="en-GB" dirty="0" err="1" smtClean="0"/>
+              <a:t>Katwala</a:t>
+            </a:r>
+            <a:r>
+              <a:rPr lang="en-GB" dirty="0" smtClean="0"/>
+              <a:t> </a:t>
+            </a:r>
+            <a:endParaRPr lang="en-US" dirty="0" smtClean="0"/>
+          </a:p>
+          <a:p>
+            <a:pPr>
+              <a:buNone/>
+            </a:pPr>
+            <a:r>
+              <a:rPr lang="en-GB" sz="2400" dirty="0" smtClean="0"/>
+              <a:t>	Supervisor</a:t>
+            </a:r>
+          </a:p>
+          <a:p>
+            <a:pPr>
+              <a:buNone/>
+            </a:pPr>
             <a:endParaRPr lang="en-GB" dirty="0" smtClean="0"/>
           </a:p>
           <a:p>
+            <a:pPr>
+              <a:buNone/>
+            </a:pPr>
             <a:r>
               <a:rPr lang="en-GB" dirty="0" smtClean="0"/>
-              <a:t>The team produced much more than any one individual could have in the time</a:t>
-            </a:r>
-          </a:p>
-          <a:p>
+              <a:t>	Professor Duncan </a:t>
+            </a:r>
+            <a:r>
+              <a:rPr lang="en-GB" dirty="0" err="1" smtClean="0"/>
+              <a:t>Gillies</a:t>
+            </a:r>
+            <a:endParaRPr lang="en-GB" dirty="0" smtClean="0"/>
+          </a:p>
+          <a:p>
+            <a:pPr>
+              <a:buNone/>
+            </a:pPr>
+            <a:r>
+              <a:rPr lang="en-GB" sz="2400" dirty="0" smtClean="0"/>
+              <a:t>	Additional advice</a:t>
+            </a:r>
+          </a:p>
+          <a:p>
+            <a:pPr>
+              <a:buNone/>
+            </a:pPr>
+            <a:endParaRPr lang="en-GB" sz="2400" dirty="0" smtClean="0"/>
+          </a:p>
+          <a:p>
+            <a:pPr>
+              <a:buNone/>
+            </a:pPr>
+            <a:r>
+              <a:rPr lang="en-GB" sz="2400" dirty="0" smtClean="0"/>
+              <a:t>	</a:t>
+            </a:r>
             <a:r>
               <a:rPr lang="en-GB" dirty="0" smtClean="0"/>
-              <a:t>There is a lot still to learn...</a:t>
-            </a:r>
-          </a:p>
-          <a:p>
-            <a:r>
-              <a:rPr lang="en-GB" dirty="0" smtClean="0"/>
-              <a:t>...good start understanding Iris Recognition...</a:t>
-            </a:r>
-          </a:p>
-          <a:p>
-            <a:r>
-              <a:rPr lang="en-GB" dirty="0" smtClean="0"/>
-              <a:t>...and engineering software in teams</a:t>
-            </a:r>
-          </a:p>
-          <a:p>
-            <a:endParaRPr lang="en-US" dirty="0"/>
+              <a:t>David McBride</a:t>
+            </a:r>
+          </a:p>
+          <a:p>
+            <a:pPr>
+              <a:buNone/>
+            </a:pPr>
+            <a:r>
+              <a:rPr lang="en-GB" sz="2400" dirty="0" smtClean="0"/>
+              <a:t>	Help with Condor</a:t>
+            </a:r>
           </a:p>
         </p:txBody>
       </p:sp>
@@ -7412,170 +7131,6 @@
 </file>
 
 <file path=ppt/slides/slide36.xml><?xml version="1.0" encoding="utf-8"?>
-<p:sld xmlns:a="http://schemas.openxmlformats.org/drawingml/2006/main" xmlns:r="http://schemas.openxmlformats.org/officeDocument/2006/relationships" xmlns:p="http://schemas.openxmlformats.org/presentationml/2006/main">
-  <p:cSld>
-    <p:spTree>
-      <p:nvGrpSpPr>
-        <p:cNvPr id="1" name=""/>
-        <p:cNvGrpSpPr/>
-        <p:nvPr/>
-      </p:nvGrpSpPr>
-      <p:grpSpPr>
-        <a:xfrm>
-          <a:off x="0" y="0"/>
-          <a:ext cx="0" cy="0"/>
-          <a:chOff x="0" y="0"/>
-          <a:chExt cx="0" cy="0"/>
-        </a:xfrm>
-      </p:grpSpPr>
-      <p:sp>
-        <p:nvSpPr>
-          <p:cNvPr id="2" name="Title 1"/>
-          <p:cNvSpPr>
-            <a:spLocks noGrp="1"/>
-          </p:cNvSpPr>
-          <p:nvPr>
-            <p:ph type="title"/>
-          </p:nvPr>
-        </p:nvSpPr>
-        <p:spPr/>
-        <p:txBody>
-          <a:bodyPr/>
-          <a:lstStyle/>
-          <a:p>
-            <a:r>
-              <a:rPr lang="en-GB" dirty="0" smtClean="0"/>
-              <a:t>Acknowledgements</a:t>
-            </a:r>
-            <a:endParaRPr lang="en-US" dirty="0"/>
-          </a:p>
-        </p:txBody>
-      </p:sp>
-      <p:sp>
-        <p:nvSpPr>
-          <p:cNvPr id="3" name="Content Placeholder 2"/>
-          <p:cNvSpPr>
-            <a:spLocks noGrp="1"/>
-          </p:cNvSpPr>
-          <p:nvPr>
-            <p:ph idx="1"/>
-          </p:nvPr>
-        </p:nvSpPr>
-        <p:spPr/>
-        <p:txBody>
-          <a:bodyPr/>
-          <a:lstStyle/>
-          <a:p>
-            <a:pPr>
-              <a:buNone/>
-            </a:pPr>
-            <a:r>
-              <a:rPr lang="en-GB" dirty="0" smtClean="0"/>
-              <a:t>	Dr. Ashok Argent-</a:t>
-            </a:r>
-            <a:r>
-              <a:rPr lang="en-GB" dirty="0" err="1" smtClean="0"/>
-              <a:t>Katwala</a:t>
-            </a:r>
-            <a:r>
-              <a:rPr lang="en-GB" dirty="0" smtClean="0"/>
-              <a:t> </a:t>
-            </a:r>
-            <a:endParaRPr lang="en-US" dirty="0" smtClean="0"/>
-          </a:p>
-          <a:p>
-            <a:pPr>
-              <a:buNone/>
-            </a:pPr>
-            <a:r>
-              <a:rPr lang="en-GB" sz="2400" dirty="0" smtClean="0"/>
-              <a:t>	</a:t>
-            </a:r>
-            <a:r>
-              <a:rPr lang="en-GB" sz="2400" dirty="0" smtClean="0"/>
-              <a:t>Supervisor</a:t>
-            </a:r>
-          </a:p>
-          <a:p>
-            <a:pPr>
-              <a:buNone/>
-            </a:pPr>
-            <a:endParaRPr lang="en-GB" dirty="0" smtClean="0"/>
-          </a:p>
-          <a:p>
-            <a:pPr>
-              <a:buNone/>
-            </a:pPr>
-            <a:r>
-              <a:rPr lang="en-GB" dirty="0" smtClean="0"/>
-              <a:t>	</a:t>
-            </a:r>
-            <a:r>
-              <a:rPr lang="en-GB" dirty="0" smtClean="0"/>
-              <a:t>Professor Duncan </a:t>
-            </a:r>
-            <a:r>
-              <a:rPr lang="en-GB" dirty="0" err="1" smtClean="0"/>
-              <a:t>Gillies</a:t>
-            </a:r>
-            <a:endParaRPr lang="en-GB" dirty="0" smtClean="0"/>
-          </a:p>
-          <a:p>
-            <a:pPr>
-              <a:buNone/>
-            </a:pPr>
-            <a:r>
-              <a:rPr lang="en-GB" sz="2400" dirty="0" smtClean="0"/>
-              <a:t>	</a:t>
-            </a:r>
-            <a:r>
-              <a:rPr lang="en-GB" sz="2400" dirty="0" smtClean="0"/>
-              <a:t>Additional advice</a:t>
-            </a:r>
-          </a:p>
-          <a:p>
-            <a:pPr>
-              <a:buNone/>
-            </a:pPr>
-            <a:endParaRPr lang="en-GB" sz="2400" dirty="0" smtClean="0"/>
-          </a:p>
-          <a:p>
-            <a:pPr>
-              <a:buNone/>
-            </a:pPr>
-            <a:r>
-              <a:rPr lang="en-GB" sz="2400" dirty="0" smtClean="0"/>
-              <a:t>	</a:t>
-            </a:r>
-            <a:r>
-              <a:rPr lang="en-GB" dirty="0" smtClean="0"/>
-              <a:t>David McBride</a:t>
-            </a:r>
-          </a:p>
-          <a:p>
-            <a:pPr>
-              <a:buNone/>
-            </a:pPr>
-            <a:r>
-              <a:rPr lang="en-GB" sz="2400" dirty="0" smtClean="0"/>
-              <a:t>	</a:t>
-            </a:r>
-            <a:r>
-              <a:rPr lang="en-GB" sz="2400" dirty="0" smtClean="0"/>
-              <a:t>Help with Condor</a:t>
-            </a:r>
-          </a:p>
-        </p:txBody>
-      </p:sp>
-    </p:spTree>
-  </p:cSld>
-  <p:clrMapOvr>
-    <a:masterClrMapping/>
-  </p:clrMapOvr>
-</p:sld>
-</file>
-
-<file path=ppt/slides/slide37.xml><?xml version="1.0" encoding="utf-8"?>
 <p:sld xmlns:a="http://schemas.openxmlformats.org/drawingml/2006/main" xmlns:r="http://schemas.openxmlformats.org/officeDocument/2006/relationships" xmlns:p="http://schemas.openxmlformats.org/presentationml/2006/main">
   <p:cSld>
     <p:spTree>

--- a/Reports/Group_Presentation.pptx
+++ b/Reports/Group_Presentation.pptx
@@ -4453,17 +4453,13 @@
           <a:bodyPr/>
           <a:lstStyle/>
           <a:p>
-            <a:r>
-              <a:rPr lang="is-IS" dirty="0" smtClean="0"/>
-              <a:t>Bitcode generation: Video</a:t>
-            </a:r>
             <a:endParaRPr lang="is-IS" dirty="0"/>
           </a:p>
         </p:txBody>
       </p:sp>
       <p:pic>
         <p:nvPicPr>
-          <p:cNvPr id="4" name="Bitcode_generation.wmv">
+          <p:cNvPr id="5" name="Bitcode generation.wmv">
             <a:hlinkClick r:id="" action="ppaction://media"/>
           </p:cNvPr>
           <p:cNvPicPr>
@@ -4527,7 +4523,7 @@
                                       <p:cBhvr>
                                         <p:cTn id="6" dur="72746" fill="hold"/>
                                         <p:tgtEl>
-                                          <p:spTgt spid="4"/>
+                                          <p:spTgt spid="5"/>
                                         </p:tgtEl>
                                       </p:cBhvr>
                                     </p:cmd>
@@ -4577,7 +4573,7 @@
                   </p:endCondLst>
                 </p:cTn>
                 <p:tgtEl>
-                  <p:spTgt spid="4"/>
+                  <p:spTgt spid="5"/>
                 </p:tgtEl>
               </p:cMediaNode>
             </p:video>
@@ -4586,7 +4582,7 @@
                 <p:stCondLst>
                   <p:cond evt="onClick" delay="0">
                     <p:tgtEl>
-                      <p:spTgt spid="4"/>
+                      <p:spTgt spid="5"/>
                     </p:tgtEl>
                   </p:cond>
                 </p:stCondLst>
@@ -4616,7 +4612,7 @@
                                       <p:cBhvr>
                                         <p:cTn id="12" dur="1" fill="hold"/>
                                         <p:tgtEl>
-                                          <p:spTgt spid="4"/>
+                                          <p:spTgt spid="5"/>
                                         </p:tgtEl>
                                       </p:cBhvr>
                                     </p:cmd>
@@ -4634,7 +4630,7 @@
               <p:nextCondLst>
                 <p:cond evt="onClick" delay="0">
                   <p:tgtEl>
-                    <p:spTgt spid="4"/>
+                    <p:spTgt spid="5"/>
                   </p:tgtEl>
                 </p:cond>
               </p:nextCondLst>
@@ -6807,6 +6803,13 @@
   <p:clrMapOvr>
     <a:masterClrMapping/>
   </p:clrMapOvr>
+  <p:timing>
+    <p:tnLst>
+      <p:par>
+        <p:cTn id="1" dur="indefinite" restart="never" nodeType="tmRoot"/>
+      </p:par>
+    </p:tnLst>
+  </p:timing>
 </p:sld>
 </file>
 

--- a/Reports/Group_Presentation.pptx
+++ b/Reports/Group_Presentation.pptx
@@ -3548,7 +3548,7 @@
       </p:grpSpPr>
       <p:pic>
         <p:nvPicPr>
-          <p:cNvPr id="5" name="Content Placeholder 4" descr="Iris Recognition About.gif"/>
+          <p:cNvPr id="4" name="Content Placeholder 3" descr="Iris Recognition About.gif"/>
           <p:cNvPicPr>
             <a:picLocks noGrp="1" noChangeAspect="1"/>
           </p:cNvPicPr>
@@ -3564,8 +3564,8 @@
         </p:blipFill>
         <p:spPr>
           <a:xfrm>
-            <a:off x="685800" y="0"/>
-            <a:ext cx="7848600" cy="6858000"/>
+            <a:off x="1371600" y="0"/>
+            <a:ext cx="6477000" cy="6857999"/>
           </a:xfrm>
         </p:spPr>
       </p:pic>

--- a/Reports/Group_Presentation.pptx
+++ b/Reports/Group_Presentation.pptx
@@ -5,45 +5,46 @@
     <p:sldMasterId id="2147483648" r:id="rId1"/>
   </p:sldMasterIdLst>
   <p:notesMasterIdLst>
-    <p:notesMasterId r:id="rId38"/>
+    <p:notesMasterId r:id="rId39"/>
   </p:notesMasterIdLst>
   <p:sldIdLst>
-    <p:sldId id="257" r:id="rId2"/>
-    <p:sldId id="258" r:id="rId3"/>
-    <p:sldId id="260" r:id="rId4"/>
-    <p:sldId id="261" r:id="rId5"/>
-    <p:sldId id="259" r:id="rId6"/>
-    <p:sldId id="263" r:id="rId7"/>
-    <p:sldId id="264" r:id="rId8"/>
-    <p:sldId id="262" r:id="rId9"/>
-    <p:sldId id="270" r:id="rId10"/>
-    <p:sldId id="271" r:id="rId11"/>
-    <p:sldId id="272" r:id="rId12"/>
-    <p:sldId id="273" r:id="rId13"/>
-    <p:sldId id="274" r:id="rId14"/>
-    <p:sldId id="275" r:id="rId15"/>
-    <p:sldId id="302" r:id="rId16"/>
-    <p:sldId id="303" r:id="rId17"/>
-    <p:sldId id="304" r:id="rId18"/>
-    <p:sldId id="305" r:id="rId19"/>
-    <p:sldId id="306" r:id="rId20"/>
-    <p:sldId id="307" r:id="rId21"/>
-    <p:sldId id="295" r:id="rId22"/>
-    <p:sldId id="296" r:id="rId23"/>
-    <p:sldId id="297" r:id="rId24"/>
-    <p:sldId id="298" r:id="rId25"/>
-    <p:sldId id="299" r:id="rId26"/>
-    <p:sldId id="300" r:id="rId27"/>
-    <p:sldId id="301" r:id="rId28"/>
-    <p:sldId id="290" r:id="rId29"/>
-    <p:sldId id="268" r:id="rId30"/>
-    <p:sldId id="265" r:id="rId31"/>
-    <p:sldId id="266" r:id="rId32"/>
-    <p:sldId id="292" r:id="rId33"/>
-    <p:sldId id="267" r:id="rId34"/>
-    <p:sldId id="293" r:id="rId35"/>
-    <p:sldId id="294" r:id="rId36"/>
-    <p:sldId id="291" r:id="rId37"/>
+    <p:sldId id="308" r:id="rId2"/>
+    <p:sldId id="257" r:id="rId3"/>
+    <p:sldId id="258" r:id="rId4"/>
+    <p:sldId id="260" r:id="rId5"/>
+    <p:sldId id="261" r:id="rId6"/>
+    <p:sldId id="259" r:id="rId7"/>
+    <p:sldId id="263" r:id="rId8"/>
+    <p:sldId id="264" r:id="rId9"/>
+    <p:sldId id="262" r:id="rId10"/>
+    <p:sldId id="270" r:id="rId11"/>
+    <p:sldId id="271" r:id="rId12"/>
+    <p:sldId id="272" r:id="rId13"/>
+    <p:sldId id="273" r:id="rId14"/>
+    <p:sldId id="274" r:id="rId15"/>
+    <p:sldId id="275" r:id="rId16"/>
+    <p:sldId id="302" r:id="rId17"/>
+    <p:sldId id="303" r:id="rId18"/>
+    <p:sldId id="304" r:id="rId19"/>
+    <p:sldId id="305" r:id="rId20"/>
+    <p:sldId id="306" r:id="rId21"/>
+    <p:sldId id="307" r:id="rId22"/>
+    <p:sldId id="295" r:id="rId23"/>
+    <p:sldId id="296" r:id="rId24"/>
+    <p:sldId id="297" r:id="rId25"/>
+    <p:sldId id="298" r:id="rId26"/>
+    <p:sldId id="299" r:id="rId27"/>
+    <p:sldId id="300" r:id="rId28"/>
+    <p:sldId id="301" r:id="rId29"/>
+    <p:sldId id="290" r:id="rId30"/>
+    <p:sldId id="268" r:id="rId31"/>
+    <p:sldId id="265" r:id="rId32"/>
+    <p:sldId id="266" r:id="rId33"/>
+    <p:sldId id="292" r:id="rId34"/>
+    <p:sldId id="267" r:id="rId35"/>
+    <p:sldId id="293" r:id="rId36"/>
+    <p:sldId id="294" r:id="rId37"/>
+    <p:sldId id="291" r:id="rId38"/>
   </p:sldIdLst>
   <p:sldSz cx="9144000" cy="6858000" type="screen4x3"/>
   <p:notesSz cx="6858000" cy="9144000"/>
@@ -562,7 +563,7 @@
             <a:fld id="{D89DB2AF-61CD-4AE3-9048-C8C5EBAFE3E9}" type="slidenum">
               <a:rPr lang="en-GB" smtClean="0"/>
               <a:pPr/>
-              <a:t>21</a:t>
+              <a:t>22</a:t>
             </a:fld>
             <a:endParaRPr lang="en-GB"/>
           </a:p>
@@ -3522,16 +3523,8 @@
 </file>
 
 <file path=ppt/slides/slide1.xml><?xml version="1.0" encoding="utf-8"?>
-<p:sld xmlns:a="http://schemas.openxmlformats.org/drawingml/2006/main" xmlns:r="http://schemas.openxmlformats.org/officeDocument/2006/relationships" xmlns:p="http://schemas.openxmlformats.org/presentationml/2006/main" showMasterSp="0">
+<p:sld xmlns:a="http://schemas.openxmlformats.org/drawingml/2006/main" xmlns:r="http://schemas.openxmlformats.org/officeDocument/2006/relationships" xmlns:p="http://schemas.openxmlformats.org/presentationml/2006/main">
   <p:cSld>
-    <p:bg>
-      <p:bgPr>
-        <a:solidFill>
-          <a:schemeClr val="bg1"/>
-        </a:solidFill>
-        <a:effectLst/>
-      </p:bgPr>
-    </p:bg>
     <p:spTree>
       <p:nvGrpSpPr>
         <p:cNvPr id="1" name=""/>
@@ -3546,15 +3539,55 @@
           <a:chExt cx="0" cy="0"/>
         </a:xfrm>
       </p:grpSpPr>
+      <p:sp>
+        <p:nvSpPr>
+          <p:cNvPr id="2" name="Title 1"/>
+          <p:cNvSpPr>
+            <a:spLocks noGrp="1"/>
+          </p:cNvSpPr>
+          <p:nvPr>
+            <p:ph type="ctrTitle"/>
+          </p:nvPr>
+        </p:nvSpPr>
+        <p:spPr/>
+        <p:txBody>
+          <a:bodyPr/>
+          <a:lstStyle/>
+          <a:p>
+            <a:r>
+              <a:rPr lang="en-GB" dirty="0" smtClean="0"/>
+              <a:t>Iris Recognition</a:t>
+            </a:r>
+            <a:endParaRPr lang="en-US" dirty="0"/>
+          </a:p>
+        </p:txBody>
+      </p:sp>
+      <p:sp>
+        <p:nvSpPr>
+          <p:cNvPr id="3" name="Subtitle 2"/>
+          <p:cNvSpPr>
+            <a:spLocks noGrp="1"/>
+          </p:cNvSpPr>
+          <p:nvPr>
+            <p:ph type="subTitle" idx="1"/>
+          </p:nvPr>
+        </p:nvSpPr>
+        <p:spPr/>
+        <p:txBody>
+          <a:bodyPr/>
+          <a:lstStyle/>
+          <a:p>
+            <a:endParaRPr lang="en-US" dirty="0"/>
+          </a:p>
+        </p:txBody>
+      </p:sp>
       <p:pic>
         <p:nvPicPr>
-          <p:cNvPr id="4" name="Content Placeholder 3" descr="Iris Recognition About.gif"/>
+          <p:cNvPr id="4" name="Picture 3" descr="irises_recognition.png"/>
           <p:cNvPicPr>
-            <a:picLocks noGrp="1" noChangeAspect="1"/>
+            <a:picLocks noChangeAspect="1"/>
           </p:cNvPicPr>
-          <p:nvPr>
-            <p:ph idx="1"/>
-          </p:nvPr>
+          <p:nvPr/>
         </p:nvPicPr>
         <p:blipFill>
           <a:blip r:embed="rId2"/>
@@ -3564,9 +3597,12 @@
         </p:blipFill>
         <p:spPr>
           <a:xfrm>
-            <a:off x="1371600" y="0"/>
-            <a:ext cx="6477000" cy="6857999"/>
+            <a:off x="0" y="289774"/>
+            <a:ext cx="9144000" cy="6278451"/>
           </a:xfrm>
+          <a:prstGeom prst="rect">
+            <a:avLst/>
+          </a:prstGeom>
         </p:spPr>
       </p:pic>
     </p:spTree>
@@ -3585,6 +3621,217 @@
 </file>
 
 <file path=ppt/slides/slide10.xml><?xml version="1.0" encoding="utf-8"?>
+<p:sld xmlns:a="http://schemas.openxmlformats.org/drawingml/2006/main" xmlns:r="http://schemas.openxmlformats.org/officeDocument/2006/relationships" xmlns:p="http://schemas.openxmlformats.org/presentationml/2006/main" showMasterSp="0">
+  <p:cSld>
+    <p:spTree>
+      <p:nvGrpSpPr>
+        <p:cNvPr id="1" name=""/>
+        <p:cNvGrpSpPr/>
+        <p:nvPr/>
+      </p:nvGrpSpPr>
+      <p:grpSpPr>
+        <a:xfrm>
+          <a:off x="0" y="0"/>
+          <a:ext cx="0" cy="0"/>
+          <a:chOff x="0" y="0"/>
+          <a:chExt cx="0" cy="0"/>
+        </a:xfrm>
+      </p:grpSpPr>
+      <p:sp>
+        <p:nvSpPr>
+          <p:cNvPr id="2" name="Title 1"/>
+          <p:cNvSpPr>
+            <a:spLocks noGrp="1"/>
+          </p:cNvSpPr>
+          <p:nvPr>
+            <p:ph type="title"/>
+          </p:nvPr>
+        </p:nvSpPr>
+        <p:spPr/>
+        <p:txBody>
+          <a:bodyPr/>
+          <a:lstStyle/>
+          <a:p>
+            <a:r>
+              <a:rPr lang="is-IS" dirty="0" smtClean="0"/>
+              <a:t>Unwrapping the iris</a:t>
+            </a:r>
+            <a:endParaRPr lang="is-IS" dirty="0"/>
+          </a:p>
+        </p:txBody>
+      </p:sp>
+      <p:sp>
+        <p:nvSpPr>
+          <p:cNvPr id="10" name="TextBox 9"/>
+          <p:cNvSpPr txBox="1"/>
+          <p:nvPr/>
+        </p:nvSpPr>
+        <p:spPr>
+          <a:xfrm>
+            <a:off x="642910" y="1630908"/>
+            <a:ext cx="2834622" cy="461665"/>
+          </a:xfrm>
+          <a:prstGeom prst="rect">
+            <a:avLst/>
+          </a:prstGeom>
+          <a:noFill/>
+        </p:spPr>
+        <p:txBody>
+          <a:bodyPr wrap="none" rtlCol="0">
+            <a:spAutoFit/>
+          </a:bodyPr>
+          <a:lstStyle/>
+          <a:p>
+            <a:r>
+              <a:rPr lang="is-IS" sz="2400" dirty="0" smtClean="0"/>
+              <a:t>We want to turn this:</a:t>
+            </a:r>
+            <a:endParaRPr lang="is-IS" sz="2400" dirty="0"/>
+          </a:p>
+        </p:txBody>
+      </p:sp>
+      <p:sp>
+        <p:nvSpPr>
+          <p:cNvPr id="12" name="TextBox 11"/>
+          <p:cNvSpPr txBox="1"/>
+          <p:nvPr/>
+        </p:nvSpPr>
+        <p:spPr>
+          <a:xfrm>
+            <a:off x="5214942" y="1630908"/>
+            <a:ext cx="1581395" cy="461665"/>
+          </a:xfrm>
+          <a:prstGeom prst="rect">
+            <a:avLst/>
+          </a:prstGeom>
+          <a:noFill/>
+        </p:spPr>
+        <p:txBody>
+          <a:bodyPr wrap="none" rtlCol="0">
+            <a:spAutoFit/>
+          </a:bodyPr>
+          <a:lstStyle/>
+          <a:p>
+            <a:r>
+              <a:rPr lang="is-IS" sz="2400" dirty="0" smtClean="0"/>
+              <a:t>... into this:</a:t>
+            </a:r>
+            <a:endParaRPr lang="is-IS" sz="2400" dirty="0"/>
+          </a:p>
+        </p:txBody>
+      </p:sp>
+      <p:sp>
+        <p:nvSpPr>
+          <p:cNvPr id="13" name="TextBox 12"/>
+          <p:cNvSpPr txBox="1"/>
+          <p:nvPr/>
+        </p:nvSpPr>
+        <p:spPr>
+          <a:xfrm>
+            <a:off x="857224" y="4857760"/>
+            <a:ext cx="7715304" cy="954107"/>
+          </a:xfrm>
+          <a:prstGeom prst="rect">
+            <a:avLst/>
+          </a:prstGeom>
+          <a:noFill/>
+        </p:spPr>
+        <p:txBody>
+          <a:bodyPr wrap="square" rtlCol="0">
+            <a:spAutoFit/>
+          </a:bodyPr>
+          <a:lstStyle/>
+          <a:p>
+            <a:r>
+              <a:rPr lang="is-IS" sz="2800" b="1" dirty="0" smtClean="0"/>
+              <a:t>Why?</a:t>
+            </a:r>
+          </a:p>
+          <a:p>
+            <a:r>
+              <a:rPr lang="is-IS" sz="2800" dirty="0" smtClean="0"/>
+              <a:t>Because it’s computationally cheaper to work with</a:t>
+            </a:r>
+            <a:endParaRPr lang="is-IS" sz="2800" dirty="0"/>
+          </a:p>
+        </p:txBody>
+      </p:sp>
+      <p:pic>
+        <p:nvPicPr>
+          <p:cNvPr id="8" name="Picture 7" descr="OriginalWithGuides.jpg"/>
+          <p:cNvPicPr/>
+          <p:nvPr/>
+        </p:nvPicPr>
+        <p:blipFill>
+          <a:blip r:embed="rId2"/>
+          <a:srcRect/>
+          <a:stretch>
+            <a:fillRect/>
+          </a:stretch>
+        </p:blipFill>
+        <p:spPr bwMode="auto">
+          <a:xfrm>
+            <a:off x="762000" y="2286001"/>
+            <a:ext cx="2514599" cy="2195246"/>
+          </a:xfrm>
+          <a:prstGeom prst="rect">
+            <a:avLst/>
+          </a:prstGeom>
+          <a:noFill/>
+          <a:ln w="9525">
+            <a:noFill/>
+            <a:miter lim="800000"/>
+            <a:headEnd/>
+            <a:tailEnd/>
+          </a:ln>
+        </p:spPr>
+      </p:pic>
+      <p:pic>
+        <p:nvPicPr>
+          <p:cNvPr id="9" name="Picture 8" descr="unwrappedWithGuides.jpg"/>
+          <p:cNvPicPr/>
+          <p:nvPr/>
+        </p:nvPicPr>
+        <p:blipFill>
+          <a:blip r:embed="rId3"/>
+          <a:srcRect/>
+          <a:stretch>
+            <a:fillRect/>
+          </a:stretch>
+        </p:blipFill>
+        <p:spPr bwMode="auto">
+          <a:xfrm>
+            <a:off x="3429000" y="2286000"/>
+            <a:ext cx="5303520" cy="1322957"/>
+          </a:xfrm>
+          <a:prstGeom prst="rect">
+            <a:avLst/>
+          </a:prstGeom>
+          <a:noFill/>
+          <a:ln w="9525">
+            <a:noFill/>
+            <a:miter lim="800000"/>
+            <a:headEnd/>
+            <a:tailEnd/>
+          </a:ln>
+        </p:spPr>
+      </p:pic>
+    </p:spTree>
+  </p:cSld>
+  <p:clrMapOvr>
+    <a:masterClrMapping/>
+  </p:clrMapOvr>
+  <p:timing>
+    <p:tnLst>
+      <p:par>
+        <p:cTn id="1" dur="indefinite" restart="never" nodeType="tmRoot"/>
+      </p:par>
+    </p:tnLst>
+  </p:timing>
+</p:sld>
+</file>
+
+<file path=ppt/slides/slide11.xml><?xml version="1.0" encoding="utf-8"?>
 <p:sld xmlns:a="http://schemas.openxmlformats.org/drawingml/2006/main" xmlns:r="http://schemas.openxmlformats.org/officeDocument/2006/relationships" xmlns:p="http://schemas.openxmlformats.org/presentationml/2006/main" showMasterSp="0">
   <p:cSld>
     <p:spTree>
@@ -3889,7 +4136,7 @@
 </p:sld>
 </file>
 
-<file path=ppt/slides/slide11.xml><?xml version="1.0" encoding="utf-8"?>
+<file path=ppt/slides/slide12.xml><?xml version="1.0" encoding="utf-8"?>
 <p:sld xmlns:a="http://schemas.openxmlformats.org/drawingml/2006/main" xmlns:r="http://schemas.openxmlformats.org/officeDocument/2006/relationships" xmlns:p="http://schemas.openxmlformats.org/presentationml/2006/main" showMasterSp="0">
   <p:cSld>
     <p:spTree>
@@ -4088,7 +4335,7 @@
 </p:sld>
 </file>
 
-<file path=ppt/slides/slide12.xml><?xml version="1.0" encoding="utf-8"?>
+<file path=ppt/slides/slide13.xml><?xml version="1.0" encoding="utf-8"?>
 <p:sld xmlns:a="http://schemas.openxmlformats.org/drawingml/2006/main" xmlns:r="http://schemas.openxmlformats.org/officeDocument/2006/relationships" xmlns:p="http://schemas.openxmlformats.org/presentationml/2006/main" showMasterSp="0">
   <p:cSld>
     <p:spTree>
@@ -4295,7 +4542,7 @@
 </p:sld>
 </file>
 
-<file path=ppt/slides/slide13.xml><?xml version="1.0" encoding="utf-8"?>
+<file path=ppt/slides/slide14.xml><?xml version="1.0" encoding="utf-8"?>
 <p:sld xmlns:a="http://schemas.openxmlformats.org/drawingml/2006/main" xmlns:r="http://schemas.openxmlformats.org/officeDocument/2006/relationships" xmlns:p="http://schemas.openxmlformats.org/presentationml/2006/main" showMasterSp="0">
   <p:cSld>
     <p:spTree>
@@ -4421,7 +4668,7 @@
 </p:sld>
 </file>
 
-<file path=ppt/slides/slide14.xml><?xml version="1.0" encoding="utf-8"?>
+<file path=ppt/slides/slide15.xml><?xml version="1.0" encoding="utf-8"?>
 <p:sld xmlns:a="http://schemas.openxmlformats.org/drawingml/2006/main" xmlns:r="http://schemas.openxmlformats.org/officeDocument/2006/relationships" xmlns:p="http://schemas.openxmlformats.org/presentationml/2006/main" showMasterSp="0">
   <p:cSld>
     <p:spTree>
@@ -4643,102 +4890,6 @@
 </p:sld>
 </file>
 
-<file path=ppt/slides/slide15.xml><?xml version="1.0" encoding="utf-8"?>
-<p:sld xmlns:a="http://schemas.openxmlformats.org/drawingml/2006/main" xmlns:r="http://schemas.openxmlformats.org/officeDocument/2006/relationships" xmlns:p="http://schemas.openxmlformats.org/presentationml/2006/main">
-  <p:cSld>
-    <p:spTree>
-      <p:nvGrpSpPr>
-        <p:cNvPr id="1" name=""/>
-        <p:cNvGrpSpPr/>
-        <p:nvPr/>
-      </p:nvGrpSpPr>
-      <p:grpSpPr>
-        <a:xfrm>
-          <a:off x="0" y="0"/>
-          <a:ext cx="0" cy="0"/>
-          <a:chOff x="0" y="0"/>
-          <a:chExt cx="0" cy="0"/>
-        </a:xfrm>
-      </p:grpSpPr>
-      <p:sp>
-        <p:nvSpPr>
-          <p:cNvPr id="3074" name="Title 1"/>
-          <p:cNvSpPr>
-            <a:spLocks noGrp="1"/>
-          </p:cNvSpPr>
-          <p:nvPr>
-            <p:ph type="title"/>
-          </p:nvPr>
-        </p:nvSpPr>
-        <p:spPr/>
-        <p:txBody>
-          <a:bodyPr/>
-          <a:lstStyle/>
-          <a:p>
-            <a:r>
-              <a:rPr lang="en-GB" smtClean="0"/>
-              <a:t>Database</a:t>
-            </a:r>
-            <a:endParaRPr lang="en-US" smtClean="0"/>
-          </a:p>
-        </p:txBody>
-      </p:sp>
-      <p:sp>
-        <p:nvSpPr>
-          <p:cNvPr id="3075" name="Content Placeholder 2"/>
-          <p:cNvSpPr>
-            <a:spLocks noGrp="1"/>
-          </p:cNvSpPr>
-          <p:nvPr>
-            <p:ph idx="1"/>
-          </p:nvPr>
-        </p:nvSpPr>
-        <p:spPr/>
-        <p:txBody>
-          <a:bodyPr/>
-          <a:lstStyle/>
-          <a:p>
-            <a:r>
-              <a:rPr lang="en-GB" dirty="0" smtClean="0"/>
-              <a:t>Where to store</a:t>
-            </a:r>
-          </a:p>
-          <a:p>
-            <a:r>
-              <a:rPr lang="en-GB" dirty="0" smtClean="0"/>
-              <a:t>What to store</a:t>
-            </a:r>
-          </a:p>
-          <a:p>
-            <a:r>
-              <a:rPr lang="en-GB" dirty="0" smtClean="0"/>
-              <a:t>How to store and access data</a:t>
-            </a:r>
-          </a:p>
-          <a:p>
-            <a:r>
-              <a:rPr lang="en-GB" dirty="0" smtClean="0"/>
-              <a:t>How to manage data and view metadata</a:t>
-            </a:r>
-            <a:endParaRPr lang="en-US" dirty="0" smtClean="0"/>
-          </a:p>
-        </p:txBody>
-      </p:sp>
-    </p:spTree>
-  </p:cSld>
-  <p:clrMapOvr>
-    <a:masterClrMapping/>
-  </p:clrMapOvr>
-  <p:timing>
-    <p:tnLst>
-      <p:par>
-        <p:cTn id="1" dur="indefinite" restart="never" nodeType="tmRoot"/>
-      </p:par>
-    </p:tnLst>
-  </p:timing>
-</p:sld>
-</file>
-
 <file path=ppt/slides/slide16.xml><?xml version="1.0" encoding="utf-8"?>
 <p:sld xmlns:a="http://schemas.openxmlformats.org/drawingml/2006/main" xmlns:r="http://schemas.openxmlformats.org/officeDocument/2006/relationships" xmlns:p="http://schemas.openxmlformats.org/presentationml/2006/main">
   <p:cSld>
@@ -4758,7 +4909,7 @@
       </p:grpSpPr>
       <p:sp>
         <p:nvSpPr>
-          <p:cNvPr id="4098" name="Title 1"/>
+          <p:cNvPr id="3074" name="Title 1"/>
           <p:cNvSpPr>
             <a:spLocks noGrp="1"/>
           </p:cNvSpPr>
@@ -4773,50 +4924,50 @@
           <a:p>
             <a:r>
               <a:rPr lang="en-GB" smtClean="0"/>
+              <a:t>Database</a:t>
+            </a:r>
+            <a:endParaRPr lang="en-US" smtClean="0"/>
+          </a:p>
+        </p:txBody>
+      </p:sp>
+      <p:sp>
+        <p:nvSpPr>
+          <p:cNvPr id="3075" name="Content Placeholder 2"/>
+          <p:cNvSpPr>
+            <a:spLocks noGrp="1"/>
+          </p:cNvSpPr>
+          <p:nvPr>
+            <p:ph idx="1"/>
+          </p:nvPr>
+        </p:nvSpPr>
+        <p:spPr/>
+        <p:txBody>
+          <a:bodyPr/>
+          <a:lstStyle/>
+          <a:p>
+            <a:r>
+              <a:rPr lang="en-GB" dirty="0" smtClean="0"/>
               <a:t>Where to store</a:t>
             </a:r>
-            <a:endParaRPr lang="en-US" smtClean="0"/>
-          </a:p>
-        </p:txBody>
-      </p:sp>
-      <p:sp>
-        <p:nvSpPr>
-          <p:cNvPr id="4099" name="Content Placeholder 2"/>
-          <p:cNvSpPr>
-            <a:spLocks noGrp="1"/>
-          </p:cNvSpPr>
-          <p:nvPr>
-            <p:ph idx="1"/>
-          </p:nvPr>
-        </p:nvSpPr>
-        <p:spPr/>
-        <p:txBody>
-          <a:bodyPr/>
-          <a:lstStyle/>
-          <a:p>
-            <a:r>
-              <a:rPr lang="en-GB" smtClean="0"/>
-              <a:t>DoC Postgres Database</a:t>
-            </a:r>
-          </a:p>
-          <a:p>
-            <a:r>
-              <a:rPr lang="en-GB" smtClean="0"/>
-              <a:t>Ease of shared access</a:t>
-            </a:r>
-          </a:p>
-          <a:p>
-            <a:r>
-              <a:rPr lang="en-GB" smtClean="0"/>
-              <a:t>JDBC interface compatibility</a:t>
-            </a:r>
-          </a:p>
-          <a:p>
-            <a:r>
-              <a:rPr lang="en-GB" smtClean="0"/>
-              <a:t>SQL coverage in lectures</a:t>
-            </a:r>
-            <a:endParaRPr lang="en-US" smtClean="0"/>
+          </a:p>
+          <a:p>
+            <a:r>
+              <a:rPr lang="en-GB" dirty="0" smtClean="0"/>
+              <a:t>What to store</a:t>
+            </a:r>
+          </a:p>
+          <a:p>
+            <a:r>
+              <a:rPr lang="en-GB" dirty="0" smtClean="0"/>
+              <a:t>How to store and access data</a:t>
+            </a:r>
+          </a:p>
+          <a:p>
+            <a:r>
+              <a:rPr lang="en-GB" dirty="0" smtClean="0"/>
+              <a:t>How to manage data and view metadata</a:t>
+            </a:r>
+            <a:endParaRPr lang="en-US" dirty="0" smtClean="0"/>
           </a:p>
         </p:txBody>
       </p:sp>
@@ -4854,7 +5005,7 @@
       </p:grpSpPr>
       <p:sp>
         <p:nvSpPr>
-          <p:cNvPr id="5122" name="Title 1"/>
+          <p:cNvPr id="4098" name="Title 1"/>
           <p:cNvSpPr>
             <a:spLocks noGrp="1"/>
           </p:cNvSpPr>
@@ -4869,7 +5020,7 @@
           <a:p>
             <a:r>
               <a:rPr lang="en-GB" smtClean="0"/>
-              <a:t>What to store</a:t>
+              <a:t>Where to store</a:t>
             </a:r>
             <a:endParaRPr lang="en-US" smtClean="0"/>
           </a:p>
@@ -4877,7 +5028,7 @@
       </p:sp>
       <p:sp>
         <p:nvSpPr>
-          <p:cNvPr id="5123" name="Content Placeholder 2"/>
+          <p:cNvPr id="4099" name="Content Placeholder 2"/>
           <p:cNvSpPr>
             <a:spLocks noGrp="1"/>
           </p:cNvSpPr>
@@ -4891,34 +5042,28 @@
           <a:lstStyle/>
           <a:p>
             <a:r>
-              <a:rPr lang="en-GB" dirty="0" smtClean="0"/>
-              <a:t>Images or just bit-code</a:t>
-            </a:r>
-          </a:p>
-          <a:p>
-            <a:r>
-              <a:rPr lang="en-GB" dirty="0" smtClean="0"/>
-              <a:t>Advantages to both</a:t>
-            </a:r>
-          </a:p>
-          <a:p>
-            <a:r>
-              <a:rPr lang="en-GB" dirty="0" smtClean="0"/>
-              <a:t>What other metadata</a:t>
-            </a:r>
-          </a:p>
-          <a:p>
-            <a:r>
-              <a:rPr lang="en-GB" dirty="0" smtClean="0"/>
-              <a:t>Access status</a:t>
-            </a:r>
-          </a:p>
-          <a:p>
-            <a:r>
-              <a:rPr lang="en-GB" dirty="0" smtClean="0"/>
-              <a:t>What format to store the bit-code in  </a:t>
-            </a:r>
-            <a:endParaRPr lang="en-US" dirty="0" smtClean="0"/>
+              <a:rPr lang="en-GB" smtClean="0"/>
+              <a:t>DoC Postgres Database</a:t>
+            </a:r>
+          </a:p>
+          <a:p>
+            <a:r>
+              <a:rPr lang="en-GB" smtClean="0"/>
+              <a:t>Ease of shared access</a:t>
+            </a:r>
+          </a:p>
+          <a:p>
+            <a:r>
+              <a:rPr lang="en-GB" smtClean="0"/>
+              <a:t>JDBC interface compatibility</a:t>
+            </a:r>
+          </a:p>
+          <a:p>
+            <a:r>
+              <a:rPr lang="en-GB" smtClean="0"/>
+              <a:t>SQL coverage in lectures</a:t>
+            </a:r>
+            <a:endParaRPr lang="en-US" smtClean="0"/>
           </a:p>
         </p:txBody>
       </p:sp>
@@ -4956,7 +5101,7 @@
       </p:grpSpPr>
       <p:sp>
         <p:nvSpPr>
-          <p:cNvPr id="6146" name="Title 1"/>
+          <p:cNvPr id="5122" name="Title 1"/>
           <p:cNvSpPr>
             <a:spLocks noGrp="1"/>
           </p:cNvSpPr>
@@ -4971,7 +5116,7 @@
           <a:p>
             <a:r>
               <a:rPr lang="en-GB" smtClean="0"/>
-              <a:t>Converting bit-code</a:t>
+              <a:t>What to store</a:t>
             </a:r>
             <a:endParaRPr lang="en-US" smtClean="0"/>
           </a:p>
@@ -4979,7 +5124,7 @@
       </p:sp>
       <p:sp>
         <p:nvSpPr>
-          <p:cNvPr id="3" name="Content Placeholder 2"/>
+          <p:cNvPr id="5123" name="Content Placeholder 2"/>
           <p:cNvSpPr>
             <a:spLocks noGrp="1"/>
           </p:cNvSpPr>
@@ -4989,89 +5134,38 @@
         </p:nvSpPr>
         <p:spPr/>
         <p:txBody>
-          <a:bodyPr rtlCol="0">
-            <a:normAutofit fontScale="77500" lnSpcReduction="20000"/>
-          </a:bodyPr>
-          <a:lstStyle/>
-          <a:p>
-            <a:pPr fontAlgn="auto">
-              <a:spcAft>
-                <a:spcPts val="0"/>
-              </a:spcAft>
-              <a:defRPr/>
-            </a:pPr>
-            <a:r>
-              <a:rPr lang="en-GB" sz="4000" dirty="0" smtClean="0"/>
-              <a:t>Byte array format for admission into </a:t>
-            </a:r>
-            <a:r>
-              <a:rPr lang="en-GB" sz="4000" dirty="0" err="1" smtClean="0"/>
-              <a:t>postgres</a:t>
-            </a:r>
-            <a:endParaRPr lang="en-GB" sz="4000" dirty="0" smtClean="0"/>
-          </a:p>
-          <a:p>
-            <a:pPr fontAlgn="auto">
-              <a:spcAft>
-                <a:spcPts val="0"/>
-              </a:spcAft>
-              <a:defRPr/>
-            </a:pPr>
-            <a:r>
-              <a:rPr lang="en-US" sz="4000" dirty="0" smtClean="0"/>
-              <a:t>The most significant bit in the result is guaranteed not to be a 1</a:t>
-            </a:r>
-          </a:p>
-          <a:p>
-            <a:pPr>
-              <a:buNone/>
-              <a:defRPr/>
-            </a:pPr>
-            <a:r>
-              <a:rPr lang="en-US" sz="4000" dirty="0" smtClean="0"/>
-              <a:t>   (since </a:t>
-            </a:r>
-            <a:r>
-              <a:rPr lang="en-US" sz="4000" dirty="0" err="1" smtClean="0"/>
-              <a:t>BitSet</a:t>
-            </a:r>
-            <a:r>
-              <a:rPr lang="en-US" sz="4000" dirty="0" smtClean="0"/>
-              <a:t> does not support sign extension).</a:t>
-            </a:r>
-          </a:p>
-          <a:p>
-            <a:pPr fontAlgn="auto">
-              <a:spcAft>
-                <a:spcPts val="0"/>
-              </a:spcAft>
-              <a:defRPr/>
-            </a:pPr>
-            <a:r>
-              <a:rPr lang="en-US" sz="4000" dirty="0" smtClean="0"/>
-              <a:t>     The byte-ordering of the result is big-endian which means the most significant bit is in element 0.</a:t>
-            </a:r>
-          </a:p>
-          <a:p>
-            <a:pPr fontAlgn="auto">
-              <a:spcAft>
-                <a:spcPts val="0"/>
-              </a:spcAft>
-              <a:defRPr/>
-            </a:pPr>
-            <a:r>
-              <a:rPr lang="en-US" sz="4000" dirty="0" smtClean="0"/>
-              <a:t>    The bit at index 0 of the bit set is assumed to be the least significant bit.</a:t>
-            </a:r>
-          </a:p>
-          <a:p>
-            <a:pPr fontAlgn="auto">
-              <a:spcAft>
-                <a:spcPts val="0"/>
-              </a:spcAft>
-              <a:defRPr/>
-            </a:pPr>
-            <a:endParaRPr lang="en-GB" sz="4000" dirty="0" smtClean="0"/>
+          <a:bodyPr/>
+          <a:lstStyle/>
+          <a:p>
+            <a:r>
+              <a:rPr lang="en-GB" dirty="0" smtClean="0"/>
+              <a:t>Images or just bit-code</a:t>
+            </a:r>
+          </a:p>
+          <a:p>
+            <a:r>
+              <a:rPr lang="en-GB" dirty="0" smtClean="0"/>
+              <a:t>Advantages to both</a:t>
+            </a:r>
+          </a:p>
+          <a:p>
+            <a:r>
+              <a:rPr lang="en-GB" dirty="0" smtClean="0"/>
+              <a:t>What other metadata</a:t>
+            </a:r>
+          </a:p>
+          <a:p>
+            <a:r>
+              <a:rPr lang="en-GB" dirty="0" smtClean="0"/>
+              <a:t>Access status</a:t>
+            </a:r>
+          </a:p>
+          <a:p>
+            <a:r>
+              <a:rPr lang="en-GB" dirty="0" smtClean="0"/>
+              <a:t>What format to store the bit-code in  </a:t>
+            </a:r>
+            <a:endParaRPr lang="en-US" dirty="0" smtClean="0"/>
           </a:p>
         </p:txBody>
       </p:sp>
@@ -5109,7 +5203,7 @@
       </p:grpSpPr>
       <p:sp>
         <p:nvSpPr>
-          <p:cNvPr id="8194" name="Title 1"/>
+          <p:cNvPr id="6146" name="Title 1"/>
           <p:cNvSpPr>
             <a:spLocks noGrp="1"/>
           </p:cNvSpPr>
@@ -5124,7 +5218,7 @@
           <a:p>
             <a:r>
               <a:rPr lang="en-GB" smtClean="0"/>
-              <a:t>How to store it</a:t>
+              <a:t>Converting bit-code</a:t>
             </a:r>
             <a:endParaRPr lang="en-US" smtClean="0"/>
           </a:p>
@@ -5132,7 +5226,7 @@
       </p:sp>
       <p:sp>
         <p:nvSpPr>
-          <p:cNvPr id="8195" name="Content Placeholder 2"/>
+          <p:cNvPr id="3" name="Content Placeholder 2"/>
           <p:cNvSpPr>
             <a:spLocks noGrp="1"/>
           </p:cNvSpPr>
@@ -5142,45 +5236,89 @@
         </p:nvSpPr>
         <p:spPr/>
         <p:txBody>
-          <a:bodyPr/>
-          <a:lstStyle/>
-          <a:p>
-            <a:r>
-              <a:rPr lang="en-GB" dirty="0" smtClean="0"/>
-              <a:t>JDBC Package</a:t>
-            </a:r>
-          </a:p>
-          <a:p>
-            <a:r>
-              <a:rPr lang="en-GB" dirty="0" smtClean="0"/>
-              <a:t>Advantage of using Java for implementation</a:t>
-            </a:r>
-          </a:p>
-          <a:p>
-            <a:r>
-              <a:rPr lang="en-GB" dirty="0" smtClean="0"/>
-              <a:t>Class </a:t>
-            </a:r>
-            <a:r>
-              <a:rPr lang="en-GB" dirty="0" err="1" smtClean="0"/>
-              <a:t>databaseWrapper</a:t>
-            </a:r>
-            <a:r>
-              <a:rPr lang="en-GB" dirty="0" smtClean="0"/>
-              <a:t> is in itself a new connection to the database with a scrollable </a:t>
-            </a:r>
-            <a:r>
-              <a:rPr lang="en-GB" dirty="0" err="1" smtClean="0"/>
-              <a:t>resultset</a:t>
-            </a:r>
-            <a:endParaRPr lang="en-GB" dirty="0" smtClean="0"/>
-          </a:p>
-          <a:p>
-            <a:r>
-              <a:rPr lang="en-GB" dirty="0" smtClean="0"/>
-              <a:t>Allows other parts of the software to implement db functions and access metadata</a:t>
-            </a:r>
-            <a:endParaRPr lang="en-US" dirty="0" smtClean="0"/>
+          <a:bodyPr rtlCol="0">
+            <a:normAutofit fontScale="77500" lnSpcReduction="20000"/>
+          </a:bodyPr>
+          <a:lstStyle/>
+          <a:p>
+            <a:pPr fontAlgn="auto">
+              <a:spcAft>
+                <a:spcPts val="0"/>
+              </a:spcAft>
+              <a:defRPr/>
+            </a:pPr>
+            <a:r>
+              <a:rPr lang="en-GB" sz="4000" dirty="0" smtClean="0"/>
+              <a:t>Byte array format for admission into </a:t>
+            </a:r>
+            <a:r>
+              <a:rPr lang="en-GB" sz="4000" dirty="0" err="1" smtClean="0"/>
+              <a:t>postgres</a:t>
+            </a:r>
+            <a:endParaRPr lang="en-GB" sz="4000" dirty="0" smtClean="0"/>
+          </a:p>
+          <a:p>
+            <a:pPr fontAlgn="auto">
+              <a:spcAft>
+                <a:spcPts val="0"/>
+              </a:spcAft>
+              <a:defRPr/>
+            </a:pPr>
+            <a:r>
+              <a:rPr lang="en-US" sz="4000" dirty="0" smtClean="0"/>
+              <a:t>The most significant bit in the result is guaranteed not to be a 1</a:t>
+            </a:r>
+          </a:p>
+          <a:p>
+            <a:pPr>
+              <a:buNone/>
+              <a:defRPr/>
+            </a:pPr>
+            <a:r>
+              <a:rPr lang="en-US" sz="4000" dirty="0" smtClean="0"/>
+              <a:t>   (since </a:t>
+            </a:r>
+            <a:r>
+              <a:rPr lang="en-US" sz="4000" dirty="0" err="1" smtClean="0"/>
+              <a:t>BitSet</a:t>
+            </a:r>
+            <a:r>
+              <a:rPr lang="en-US" sz="4000" dirty="0" smtClean="0"/>
+              <a:t> does not support sign extension).</a:t>
+            </a:r>
+          </a:p>
+          <a:p>
+            <a:pPr fontAlgn="auto">
+              <a:spcAft>
+                <a:spcPts val="0"/>
+              </a:spcAft>
+              <a:defRPr/>
+            </a:pPr>
+            <a:r>
+              <a:rPr lang="en-US" sz="4000" dirty="0" smtClean="0"/>
+              <a:t>     The byte-ordering of the result is big-endian which means the most significant bit is in element 0.</a:t>
+            </a:r>
+          </a:p>
+          <a:p>
+            <a:pPr fontAlgn="auto">
+              <a:spcAft>
+                <a:spcPts val="0"/>
+              </a:spcAft>
+              <a:defRPr/>
+            </a:pPr>
+            <a:r>
+              <a:rPr lang="en-US" sz="4000" dirty="0" smtClean="0"/>
+              <a:t>    The bit at index 0 of the bit set is assumed to be the least significant bit.</a:t>
+            </a:r>
+          </a:p>
+          <a:p>
+            <a:pPr fontAlgn="auto">
+              <a:spcAft>
+                <a:spcPts val="0"/>
+              </a:spcAft>
+              <a:defRPr/>
+            </a:pPr>
+            <a:endParaRPr lang="en-GB" sz="4000" dirty="0" smtClean="0"/>
           </a:p>
         </p:txBody>
       </p:sp>
@@ -5202,6 +5340,14 @@
 <file path=ppt/slides/slide2.xml><?xml version="1.0" encoding="utf-8"?>
 <p:sld xmlns:a="http://schemas.openxmlformats.org/drawingml/2006/main" xmlns:r="http://schemas.openxmlformats.org/officeDocument/2006/relationships" xmlns:p="http://schemas.openxmlformats.org/presentationml/2006/main" showMasterSp="0">
   <p:cSld>
+    <p:bg>
+      <p:bgPr>
+        <a:solidFill>
+          <a:schemeClr val="bg1"/>
+        </a:solidFill>
+        <a:effectLst/>
+      </p:bgPr>
+    </p:bg>
     <p:spTree>
       <p:nvGrpSpPr>
         <p:cNvPr id="1" name=""/>
@@ -5216,96 +5362,29 @@
           <a:chExt cx="0" cy="0"/>
         </a:xfrm>
       </p:grpSpPr>
-      <p:sp>
-        <p:nvSpPr>
-          <p:cNvPr id="2" name="Title 1"/>
-          <p:cNvSpPr>
-            <a:spLocks noGrp="1"/>
-          </p:cNvSpPr>
-          <p:nvPr>
-            <p:ph type="title"/>
-          </p:nvPr>
-        </p:nvSpPr>
-        <p:spPr/>
-        <p:txBody>
-          <a:bodyPr/>
-          <a:lstStyle/>
-          <a:p>
-            <a:r>
-              <a:rPr lang="en-GB" dirty="0" smtClean="0"/>
-              <a:t>Iris Recognition</a:t>
-            </a:r>
-            <a:endParaRPr lang="en-US" dirty="0"/>
-          </a:p>
-        </p:txBody>
-      </p:sp>
-      <p:sp>
-        <p:nvSpPr>
-          <p:cNvPr id="3" name="Content Placeholder 2"/>
-          <p:cNvSpPr>
-            <a:spLocks noGrp="1"/>
-          </p:cNvSpPr>
+      <p:pic>
+        <p:nvPicPr>
+          <p:cNvPr id="4" name="Content Placeholder 3" descr="Iris Recognition About.gif"/>
+          <p:cNvPicPr>
+            <a:picLocks noGrp="1" noChangeAspect="1"/>
+          </p:cNvPicPr>
           <p:nvPr>
             <p:ph idx="1"/>
           </p:nvPr>
-        </p:nvSpPr>
-        <p:spPr/>
-        <p:txBody>
-          <a:bodyPr>
-            <a:normAutofit lnSpcReduction="10000"/>
-          </a:bodyPr>
-          <a:lstStyle/>
-          <a:p>
-            <a:r>
-              <a:rPr lang="en-GB" dirty="0" smtClean="0"/>
-              <a:t>Introduction</a:t>
-            </a:r>
-          </a:p>
-          <a:p>
-            <a:r>
-              <a:rPr lang="en-GB" dirty="0" smtClean="0"/>
-              <a:t>Iris location</a:t>
-            </a:r>
-          </a:p>
-          <a:p>
-            <a:r>
-              <a:rPr lang="en-GB" dirty="0" smtClean="0"/>
-              <a:t>Unwrapping</a:t>
-            </a:r>
-          </a:p>
-          <a:p>
-            <a:r>
-              <a:rPr lang="en-GB" dirty="0" smtClean="0"/>
-              <a:t>Bit-code generation</a:t>
-            </a:r>
-          </a:p>
-          <a:p>
-            <a:r>
-              <a:rPr lang="en-GB" dirty="0" smtClean="0"/>
-              <a:t>Database access</a:t>
-            </a:r>
-          </a:p>
-          <a:p>
-            <a:r>
-              <a:rPr lang="en-GB" dirty="0" smtClean="0"/>
-              <a:t>Hamming distance</a:t>
-            </a:r>
-          </a:p>
-          <a:p>
-            <a:r>
-              <a:rPr lang="en-GB" dirty="0" smtClean="0"/>
-              <a:t>Demonstration</a:t>
-            </a:r>
-          </a:p>
-          <a:p>
-            <a:r>
-              <a:rPr lang="en-GB" dirty="0" smtClean="0"/>
-              <a:t>Results and conclusions</a:t>
-            </a:r>
-            <a:endParaRPr lang="en-US" dirty="0"/>
-          </a:p>
-        </p:txBody>
-      </p:sp>
+        </p:nvPicPr>
+        <p:blipFill>
+          <a:blip r:embed="rId2"/>
+          <a:stretch>
+            <a:fillRect/>
+          </a:stretch>
+        </p:blipFill>
+        <p:spPr>
+          <a:xfrm>
+            <a:off x="1371600" y="0"/>
+            <a:ext cx="6477000" cy="6857999"/>
+          </a:xfrm>
+        </p:spPr>
+      </p:pic>
     </p:spTree>
   </p:cSld>
   <p:clrMapOvr>
@@ -5340,7 +5419,7 @@
       </p:grpSpPr>
       <p:sp>
         <p:nvSpPr>
-          <p:cNvPr id="9218" name="Title 1"/>
+          <p:cNvPr id="8194" name="Title 1"/>
           <p:cNvSpPr>
             <a:spLocks noGrp="1"/>
           </p:cNvSpPr>
@@ -5354,62 +5433,64 @@
           <a:lstStyle/>
           <a:p>
             <a:r>
+              <a:rPr lang="en-GB" smtClean="0"/>
+              <a:t>How to store it</a:t>
+            </a:r>
+            <a:endParaRPr lang="en-US" smtClean="0"/>
+          </a:p>
+        </p:txBody>
+      </p:sp>
+      <p:sp>
+        <p:nvSpPr>
+          <p:cNvPr id="8195" name="Content Placeholder 2"/>
+          <p:cNvSpPr>
+            <a:spLocks noGrp="1"/>
+          </p:cNvSpPr>
+          <p:nvPr>
+            <p:ph idx="1"/>
+          </p:nvPr>
+        </p:nvSpPr>
+        <p:spPr/>
+        <p:txBody>
+          <a:bodyPr/>
+          <a:lstStyle/>
+          <a:p>
+            <a:r>
               <a:rPr lang="en-GB" dirty="0" smtClean="0"/>
-              <a:t>How to manage data</a:t>
+              <a:t>JDBC Package</a:t>
+            </a:r>
+          </a:p>
+          <a:p>
+            <a:r>
+              <a:rPr lang="en-GB" dirty="0" smtClean="0"/>
+              <a:t>Advantage of using Java for implementation</a:t>
+            </a:r>
+          </a:p>
+          <a:p>
+            <a:r>
+              <a:rPr lang="en-GB" dirty="0" smtClean="0"/>
+              <a:t>Class </a:t>
+            </a:r>
+            <a:r>
+              <a:rPr lang="en-GB" dirty="0" err="1" smtClean="0"/>
+              <a:t>databaseWrapper</a:t>
+            </a:r>
+            <a:r>
+              <a:rPr lang="en-GB" dirty="0" smtClean="0"/>
+              <a:t> is in itself a new connection to the database with a scrollable </a:t>
+            </a:r>
+            <a:r>
+              <a:rPr lang="en-GB" dirty="0" err="1" smtClean="0"/>
+              <a:t>resultset</a:t>
+            </a:r>
+            <a:endParaRPr lang="en-GB" dirty="0" smtClean="0"/>
+          </a:p>
+          <a:p>
+            <a:r>
+              <a:rPr lang="en-GB" dirty="0" smtClean="0"/>
+              <a:t>Allows other parts of the software to implement db functions and access metadata</a:t>
             </a:r>
             <a:endParaRPr lang="en-US" dirty="0" smtClean="0"/>
-          </a:p>
-        </p:txBody>
-      </p:sp>
-      <p:sp>
-        <p:nvSpPr>
-          <p:cNvPr id="9219" name="Content Placeholder 2"/>
-          <p:cNvSpPr>
-            <a:spLocks noGrp="1"/>
-          </p:cNvSpPr>
-          <p:nvPr>
-            <p:ph idx="1"/>
-          </p:nvPr>
-        </p:nvSpPr>
-        <p:spPr/>
-        <p:txBody>
-          <a:bodyPr/>
-          <a:lstStyle/>
-          <a:p>
-            <a:r>
-              <a:rPr lang="en-GB" dirty="0" smtClean="0"/>
-              <a:t>Functions in the code or in the database</a:t>
-            </a:r>
-          </a:p>
-          <a:p>
-            <a:r>
-              <a:rPr lang="en-GB" dirty="0" smtClean="0"/>
-              <a:t>Administrators need to see and manage the database</a:t>
-            </a:r>
-          </a:p>
-          <a:p>
-            <a:r>
-              <a:rPr lang="en-GB" dirty="0" smtClean="0"/>
-              <a:t>Means the db is fully                               integrated </a:t>
-            </a:r>
-            <a:r>
-              <a:rPr lang="en-GB" dirty="0" err="1" smtClean="0"/>
-              <a:t>i.e</a:t>
-            </a:r>
-            <a:r>
-              <a:rPr lang="en-GB" dirty="0" smtClean="0"/>
-              <a:t> software cannot be used without a connection</a:t>
-            </a:r>
-          </a:p>
-          <a:p>
-            <a:pPr>
-              <a:buNone/>
-            </a:pPr>
-            <a:endParaRPr lang="en-US" dirty="0" smtClean="0"/>
-          </a:p>
-          <a:p>
-            <a:pPr lvl="4"/>
-            <a:endParaRPr lang="en-GB" dirty="0" smtClean="0"/>
           </a:p>
         </p:txBody>
       </p:sp>
@@ -5447,6 +5528,113 @@
       </p:grpSpPr>
       <p:sp>
         <p:nvSpPr>
+          <p:cNvPr id="9218" name="Title 1"/>
+          <p:cNvSpPr>
+            <a:spLocks noGrp="1"/>
+          </p:cNvSpPr>
+          <p:nvPr>
+            <p:ph type="title"/>
+          </p:nvPr>
+        </p:nvSpPr>
+        <p:spPr/>
+        <p:txBody>
+          <a:bodyPr/>
+          <a:lstStyle/>
+          <a:p>
+            <a:r>
+              <a:rPr lang="en-GB" dirty="0" smtClean="0"/>
+              <a:t>How to manage data</a:t>
+            </a:r>
+            <a:endParaRPr lang="en-US" dirty="0" smtClean="0"/>
+          </a:p>
+        </p:txBody>
+      </p:sp>
+      <p:sp>
+        <p:nvSpPr>
+          <p:cNvPr id="9219" name="Content Placeholder 2"/>
+          <p:cNvSpPr>
+            <a:spLocks noGrp="1"/>
+          </p:cNvSpPr>
+          <p:nvPr>
+            <p:ph idx="1"/>
+          </p:nvPr>
+        </p:nvSpPr>
+        <p:spPr/>
+        <p:txBody>
+          <a:bodyPr/>
+          <a:lstStyle/>
+          <a:p>
+            <a:r>
+              <a:rPr lang="en-GB" dirty="0" smtClean="0"/>
+              <a:t>Functions in the code or in the database</a:t>
+            </a:r>
+          </a:p>
+          <a:p>
+            <a:r>
+              <a:rPr lang="en-GB" dirty="0" smtClean="0"/>
+              <a:t>Administrators need to see and manage the database</a:t>
+            </a:r>
+          </a:p>
+          <a:p>
+            <a:r>
+              <a:rPr lang="en-GB" dirty="0" smtClean="0"/>
+              <a:t>Means the db is fully                               integrated </a:t>
+            </a:r>
+            <a:r>
+              <a:rPr lang="en-GB" dirty="0" err="1" smtClean="0"/>
+              <a:t>i.e</a:t>
+            </a:r>
+            <a:r>
+              <a:rPr lang="en-GB" dirty="0" smtClean="0"/>
+              <a:t> software cannot be used without a connection</a:t>
+            </a:r>
+          </a:p>
+          <a:p>
+            <a:pPr>
+              <a:buNone/>
+            </a:pPr>
+            <a:endParaRPr lang="en-US" dirty="0" smtClean="0"/>
+          </a:p>
+          <a:p>
+            <a:pPr lvl="4"/>
+            <a:endParaRPr lang="en-GB" dirty="0" smtClean="0"/>
+          </a:p>
+        </p:txBody>
+      </p:sp>
+    </p:spTree>
+  </p:cSld>
+  <p:clrMapOvr>
+    <a:masterClrMapping/>
+  </p:clrMapOvr>
+  <p:timing>
+    <p:tnLst>
+      <p:par>
+        <p:cTn id="1" dur="indefinite" restart="never" nodeType="tmRoot"/>
+      </p:par>
+    </p:tnLst>
+  </p:timing>
+</p:sld>
+</file>
+
+<file path=ppt/slides/slide22.xml><?xml version="1.0" encoding="utf-8"?>
+<p:sld xmlns:a="http://schemas.openxmlformats.org/drawingml/2006/main" xmlns:r="http://schemas.openxmlformats.org/officeDocument/2006/relationships" xmlns:p="http://schemas.openxmlformats.org/presentationml/2006/main">
+  <p:cSld>
+    <p:spTree>
+      <p:nvGrpSpPr>
+        <p:cNvPr id="1" name=""/>
+        <p:cNvGrpSpPr/>
+        <p:nvPr/>
+      </p:nvGrpSpPr>
+      <p:grpSpPr>
+        <a:xfrm>
+          <a:off x="0" y="0"/>
+          <a:ext cx="0" cy="0"/>
+          <a:chOff x="0" y="0"/>
+          <a:chExt cx="0" cy="0"/>
+        </a:xfrm>
+      </p:grpSpPr>
+      <p:sp>
+        <p:nvSpPr>
           <p:cNvPr id="2" name="Title 1"/>
           <p:cNvSpPr>
             <a:spLocks noGrp="1"/>
@@ -5804,99 +5992,13 @@
   <p:clrMapOvr>
     <a:masterClrMapping/>
   </p:clrMapOvr>
-</p:sld>
-</file>
-
-<file path=ppt/slides/slide22.xml><?xml version="1.0" encoding="utf-8"?>
-<p:sld xmlns:a="http://schemas.openxmlformats.org/drawingml/2006/main" xmlns:r="http://schemas.openxmlformats.org/officeDocument/2006/relationships" xmlns:p="http://schemas.openxmlformats.org/presentationml/2006/main">
-  <p:cSld>
-    <p:spTree>
-      <p:nvGrpSpPr>
-        <p:cNvPr id="1" name=""/>
-        <p:cNvGrpSpPr/>
-        <p:nvPr/>
-      </p:nvGrpSpPr>
-      <p:grpSpPr>
-        <a:xfrm>
-          <a:off x="0" y="0"/>
-          <a:ext cx="0" cy="0"/>
-          <a:chOff x="0" y="0"/>
-          <a:chExt cx="0" cy="0"/>
-        </a:xfrm>
-      </p:grpSpPr>
-      <p:sp>
-        <p:nvSpPr>
-          <p:cNvPr id="2" name="Title 1"/>
-          <p:cNvSpPr>
-            <a:spLocks noGrp="1"/>
-          </p:cNvSpPr>
-          <p:nvPr>
-            <p:ph type="title"/>
-          </p:nvPr>
-        </p:nvSpPr>
-        <p:spPr/>
-        <p:txBody>
-          <a:bodyPr/>
-          <a:lstStyle/>
-          <a:p>
-            <a:r>
-              <a:rPr lang="en-GB" dirty="0" smtClean="0"/>
-              <a:t>In theory...</a:t>
-            </a:r>
-            <a:endParaRPr lang="en-GB" dirty="0"/>
-          </a:p>
-        </p:txBody>
-      </p:sp>
-      <p:sp>
-        <p:nvSpPr>
-          <p:cNvPr id="3" name="Content Placeholder 2"/>
-          <p:cNvSpPr>
-            <a:spLocks noGrp="1"/>
-          </p:cNvSpPr>
-          <p:nvPr>
-            <p:ph idx="1"/>
-          </p:nvPr>
-        </p:nvSpPr>
-        <p:spPr>
-          <a:xfrm>
-            <a:off x="457200" y="2500306"/>
-            <a:ext cx="8229600" cy="3625857"/>
-          </a:xfrm>
-        </p:spPr>
-        <p:txBody>
-          <a:bodyPr/>
-          <a:lstStyle/>
-          <a:p>
-            <a:r>
-              <a:rPr lang="en-GB" dirty="0" smtClean="0"/>
-              <a:t>For two images of the same iris, the Hamming distance is zero.</a:t>
-            </a:r>
-          </a:p>
-          <a:p>
-            <a:r>
-              <a:rPr lang="en-GB" dirty="0" smtClean="0"/>
-              <a:t>Different irises should give a Hamming distance of around 0.5.</a:t>
-            </a:r>
-          </a:p>
-          <a:p>
-            <a:pPr>
-              <a:buNone/>
-            </a:pPr>
-            <a:endParaRPr lang="en-GB" dirty="0" smtClean="0"/>
-          </a:p>
-          <a:p>
-            <a:pPr>
-              <a:buNone/>
-            </a:pPr>
-            <a:endParaRPr lang="en-GB" dirty="0" smtClean="0"/>
-          </a:p>
-        </p:txBody>
-      </p:sp>
-    </p:spTree>
-  </p:cSld>
-  <p:clrMapOvr>
-    <a:masterClrMapping/>
-  </p:clrMapOvr>
+  <p:timing>
+    <p:tnLst>
+      <p:par>
+        <p:cTn id="1" dur="indefinite" restart="never" nodeType="tmRoot"/>
+      </p:par>
+    </p:tnLst>
+  </p:timing>
 </p:sld>
 </file>
 
@@ -5934,7 +6036,7 @@
           <a:p>
             <a:r>
               <a:rPr lang="en-GB" dirty="0" smtClean="0"/>
-              <a:t>In practice...</a:t>
+              <a:t>In theory...</a:t>
             </a:r>
             <a:endParaRPr lang="en-GB" dirty="0"/>
           </a:p>
@@ -5952,33 +6054,36 @@
         </p:nvSpPr>
         <p:spPr>
           <a:xfrm>
-            <a:off x="457200" y="1785926"/>
-            <a:ext cx="8229600" cy="4340237"/>
+            <a:off x="457200" y="2500306"/>
+            <a:ext cx="8229600" cy="3625857"/>
           </a:xfrm>
         </p:spPr>
         <p:txBody>
-          <a:bodyPr>
-            <a:normAutofit fontScale="92500" lnSpcReduction="10000"/>
-          </a:bodyPr>
+          <a:bodyPr/>
           <a:lstStyle/>
           <a:p>
             <a:r>
               <a:rPr lang="en-GB" dirty="0" smtClean="0"/>
-              <a:t>Will never get zero for different images, even if it’s the same iris.</a:t>
+              <a:t>For two images of the same iris, the Hamming distance is zero.</a:t>
             </a:r>
           </a:p>
           <a:p>
             <a:r>
               <a:rPr lang="en-GB" dirty="0" smtClean="0"/>
-              <a:t>Instead, look for a threshold. Daugman shows that a Hamming distance between 0 and 0.33 is good enough for a match. See his paper ‘How Iris Recognition Works’ for details.</a:t>
-            </a:r>
-          </a:p>
-          <a:p>
-            <a:r>
-              <a:rPr lang="en-GB" dirty="0" smtClean="0"/>
-              <a:t>Our graph, although not perfect, shows similar behaviour. So we take 0.33 as our threshold point.</a:t>
-            </a:r>
-            <a:endParaRPr lang="en-GB" dirty="0"/>
+              <a:t>Different irises should give a Hamming distance of around 0.5.</a:t>
+            </a:r>
+          </a:p>
+          <a:p>
+            <a:pPr>
+              <a:buNone/>
+            </a:pPr>
+            <a:endParaRPr lang="en-GB" dirty="0" smtClean="0"/>
+          </a:p>
+          <a:p>
+            <a:pPr>
+              <a:buNone/>
+            </a:pPr>
+            <a:endParaRPr lang="en-GB" dirty="0" smtClean="0"/>
           </a:p>
         </p:txBody>
       </p:sp>
@@ -5987,6 +6092,13 @@
   <p:clrMapOvr>
     <a:masterClrMapping/>
   </p:clrMapOvr>
+  <p:timing>
+    <p:tnLst>
+      <p:par>
+        <p:cTn id="1" dur="indefinite" restart="never" nodeType="tmRoot"/>
+      </p:par>
+    </p:tnLst>
+  </p:timing>
 </p:sld>
 </file>
 
@@ -6019,51 +6131,54 @@
         </p:nvSpPr>
         <p:spPr/>
         <p:txBody>
+          <a:bodyPr/>
+          <a:lstStyle/>
+          <a:p>
+            <a:r>
+              <a:rPr lang="en-GB" dirty="0" smtClean="0"/>
+              <a:t>In practice...</a:t>
+            </a:r>
+            <a:endParaRPr lang="en-GB" dirty="0"/>
+          </a:p>
+        </p:txBody>
+      </p:sp>
+      <p:sp>
+        <p:nvSpPr>
+          <p:cNvPr id="3" name="Content Placeholder 2"/>
+          <p:cNvSpPr>
+            <a:spLocks noGrp="1"/>
+          </p:cNvSpPr>
+          <p:nvPr>
+            <p:ph idx="1"/>
+          </p:nvPr>
+        </p:nvSpPr>
+        <p:spPr>
+          <a:xfrm>
+            <a:off x="457200" y="1785926"/>
+            <a:ext cx="8229600" cy="4340237"/>
+          </a:xfrm>
+        </p:spPr>
+        <p:txBody>
           <a:bodyPr>
-            <a:normAutofit/>
+            <a:normAutofit fontScale="92500" lnSpcReduction="10000"/>
           </a:bodyPr>
           <a:lstStyle/>
           <a:p>
             <a:r>
               <a:rPr lang="en-GB" dirty="0" smtClean="0"/>
-              <a:t>Two things to be mindful of...</a:t>
-            </a:r>
-            <a:endParaRPr lang="en-GB" dirty="0"/>
-          </a:p>
-        </p:txBody>
-      </p:sp>
-      <p:sp>
-        <p:nvSpPr>
-          <p:cNvPr id="3" name="Content Placeholder 2"/>
-          <p:cNvSpPr>
-            <a:spLocks noGrp="1"/>
-          </p:cNvSpPr>
-          <p:nvPr>
-            <p:ph idx="1"/>
-          </p:nvPr>
-        </p:nvSpPr>
-        <p:spPr/>
-        <p:txBody>
-          <a:bodyPr>
-            <a:normAutofit/>
-          </a:bodyPr>
-          <a:lstStyle/>
+              <a:t>Will never get zero for different images, even if it’s the same iris.</a:t>
+            </a:r>
+          </a:p>
           <a:p>
             <a:r>
               <a:rPr lang="en-GB" dirty="0" smtClean="0"/>
-              <a:t>One: Ideally, we should account for occlusions in the image: eyelids, eyelashes, reflections.</a:t>
-            </a:r>
-          </a:p>
-          <a:p>
-            <a:pPr>
-              <a:buNone/>
-            </a:pPr>
-            <a:endParaRPr lang="en-GB" dirty="0" smtClean="0"/>
+              <a:t>Instead, look for a threshold. Daugman shows that a Hamming distance between 0 and 0.33 is good enough for a match. See his paper ‘How Iris Recognition Works’ for details.</a:t>
+            </a:r>
           </a:p>
           <a:p>
             <a:r>
               <a:rPr lang="en-GB" dirty="0" smtClean="0"/>
-              <a:t>Two: Rotational inconsistencies between the two iris images, i.e. head tilt and movement of eye within its orbit, result in misaligned iriscodes. We address this as follows...</a:t>
+              <a:t>Our graph, although not perfect, shows similar behaviour. So we take 0.33 as our threshold point.</a:t>
             </a:r>
             <a:endParaRPr lang="en-GB" dirty="0"/>
           </a:p>
@@ -6074,6 +6189,13 @@
   <p:clrMapOvr>
     <a:masterClrMapping/>
   </p:clrMapOvr>
+  <p:timing>
+    <p:tnLst>
+      <p:par>
+        <p:cTn id="1" dur="indefinite" restart="never" nodeType="tmRoot"/>
+      </p:par>
+    </p:tnLst>
+  </p:timing>
 </p:sld>
 </file>
 
@@ -6106,12 +6228,14 @@
         </p:nvSpPr>
         <p:spPr/>
         <p:txBody>
-          <a:bodyPr/>
+          <a:bodyPr>
+            <a:normAutofit/>
+          </a:bodyPr>
           <a:lstStyle/>
           <a:p>
             <a:r>
               <a:rPr lang="en-GB" dirty="0" smtClean="0"/>
-              <a:t>Bitshifting</a:t>
+              <a:t>Two things to be mindful of...</a:t>
             </a:r>
             <a:endParaRPr lang="en-GB" dirty="0"/>
           </a:p>
@@ -6127,26 +6251,30 @@
             <p:ph idx="1"/>
           </p:nvPr>
         </p:nvSpPr>
-        <p:spPr>
-          <a:xfrm>
-            <a:off x="457200" y="2214554"/>
-            <a:ext cx="8229600" cy="3911609"/>
-          </a:xfrm>
-        </p:spPr>
-        <p:txBody>
-          <a:bodyPr/>
+        <p:spPr/>
+        <p:txBody>
+          <a:bodyPr>
+            <a:normAutofit/>
+          </a:bodyPr>
           <a:lstStyle/>
           <a:p>
             <a:r>
               <a:rPr lang="en-GB" dirty="0" smtClean="0"/>
-              <a:t>Hold one code in place and bitshift the other left/right, each time obtaining a different Hamming distance.</a:t>
-            </a:r>
+              <a:t>One: Ideally, we should account for occlusions in the image: eyelids, eyelashes, reflections.</a:t>
+            </a:r>
+          </a:p>
+          <a:p>
+            <a:pPr>
+              <a:buNone/>
+            </a:pPr>
+            <a:endParaRPr lang="en-GB" dirty="0" smtClean="0"/>
           </a:p>
           <a:p>
             <a:r>
               <a:rPr lang="en-GB" dirty="0" smtClean="0"/>
-              <a:t>Take the minimum such distance. It corresponds to our best match.  </a:t>
-            </a:r>
+              <a:t>Two: Rotational inconsistencies between the two iris images, i.e. head tilt and movement of eye within its orbit, result in misaligned iriscodes. We address this as follows...</a:t>
+            </a:r>
+            <a:endParaRPr lang="en-GB" dirty="0"/>
           </a:p>
         </p:txBody>
       </p:sp>
@@ -6155,6 +6283,13 @@
   <p:clrMapOvr>
     <a:masterClrMapping/>
   </p:clrMapOvr>
+  <p:timing>
+    <p:tnLst>
+      <p:par>
+        <p:cTn id="1" dur="indefinite" restart="never" nodeType="tmRoot"/>
+      </p:par>
+    </p:tnLst>
+  </p:timing>
 </p:sld>
 </file>
 
@@ -6187,14 +6322,12 @@
         </p:nvSpPr>
         <p:spPr/>
         <p:txBody>
-          <a:bodyPr>
-            <a:normAutofit fontScale="90000"/>
-          </a:bodyPr>
+          <a:bodyPr/>
           <a:lstStyle/>
           <a:p>
             <a:r>
               <a:rPr lang="en-GB" dirty="0" smtClean="0"/>
-              <a:t>Limitations of Algorithms: Unwrapping the Iris</a:t>
+              <a:t>Bitshifting</a:t>
             </a:r>
             <a:endParaRPr lang="en-GB" dirty="0"/>
           </a:p>
@@ -6212,8 +6345,8 @@
         </p:nvSpPr>
         <p:spPr>
           <a:xfrm>
-            <a:off x="457200" y="2071678"/>
-            <a:ext cx="8229600" cy="4054485"/>
+            <a:off x="457200" y="2214554"/>
+            <a:ext cx="8229600" cy="3911609"/>
           </a:xfrm>
         </p:spPr>
         <p:txBody>
@@ -6222,22 +6355,14 @@
           <a:p>
             <a:r>
               <a:rPr lang="en-GB" dirty="0" smtClean="0"/>
-              <a:t>The algorithm which unwraps the iris makes an assumption about how the iris looks when the pupil and limbus boundaries are not concentric. </a:t>
+              <a:t>Hold one code in place and bitshift the other left/right, each time obtaining a different Hamming distance.</a:t>
             </a:r>
           </a:p>
           <a:p>
             <a:r>
               <a:rPr lang="en-GB" dirty="0" smtClean="0"/>
-              <a:t>More than one option here. Different choices give different results. </a:t>
-            </a:r>
-            <a:endParaRPr lang="en-GB" dirty="0"/>
-          </a:p>
-          <a:p>
-            <a:r>
-              <a:rPr lang="en-GB" dirty="0" smtClean="0"/>
-              <a:t>Implies no one method is perfect. </a:t>
-            </a:r>
-            <a:endParaRPr lang="en-GB" dirty="0"/>
+              <a:t>Take the minimum such distance. It corresponds to our best match.  </a:t>
+            </a:r>
           </a:p>
         </p:txBody>
       </p:sp>
@@ -6246,6 +6371,13 @@
   <p:clrMapOvr>
     <a:masterClrMapping/>
   </p:clrMapOvr>
+  <p:timing>
+    <p:tnLst>
+      <p:par>
+        <p:cTn id="1" dur="indefinite" restart="never" nodeType="tmRoot"/>
+      </p:par>
+    </p:tnLst>
+  </p:timing>
 </p:sld>
 </file>
 
@@ -6285,7 +6417,7 @@
           <a:p>
             <a:r>
               <a:rPr lang="en-GB" dirty="0" smtClean="0"/>
-              <a:t>Limitations of Algorithms: Occlusion Detection</a:t>
+              <a:t>Limitations of Algorithms: Unwrapping the Iris</a:t>
             </a:r>
             <a:endParaRPr lang="en-GB" dirty="0"/>
           </a:p>
@@ -6303,49 +6435,31 @@
         </p:nvSpPr>
         <p:spPr>
           <a:xfrm>
-            <a:off x="457200" y="2214554"/>
-            <a:ext cx="8229600" cy="3911609"/>
+            <a:off x="457200" y="2071678"/>
+            <a:ext cx="8229600" cy="4054485"/>
           </a:xfrm>
         </p:spPr>
         <p:txBody>
-          <a:bodyPr>
-            <a:normAutofit fontScale="92500" lnSpcReduction="10000"/>
-          </a:bodyPr>
+          <a:bodyPr/>
           <a:lstStyle/>
           <a:p>
             <a:r>
               <a:rPr lang="en-GB" dirty="0" smtClean="0"/>
-              <a:t>No algorithm will detect, with 100% accuracy, all occlusions present in image.</a:t>
+              <a:t>The algorithm which unwraps the iris makes an assumption about how the iris looks when the pupil and limbus boundaries are not concentric. </a:t>
             </a:r>
           </a:p>
           <a:p>
             <a:r>
               <a:rPr lang="en-GB" dirty="0" smtClean="0"/>
-              <a:t>Some invalid bits go undetected and are passed into Hamming algorithm as valid bits.</a:t>
-            </a:r>
+              <a:t>More than one option here. Different choices give different results. </a:t>
+            </a:r>
+            <a:endParaRPr lang="en-GB" dirty="0"/>
           </a:p>
           <a:p>
             <a:r>
               <a:rPr lang="en-GB" dirty="0" smtClean="0"/>
-              <a:t>Cannot then get zero, even with two images of same iris.</a:t>
-            </a:r>
-          </a:p>
-          <a:p>
-            <a:r>
-              <a:rPr lang="en-GB" dirty="0" smtClean="0"/>
-              <a:t>Bottom line: imperfect algorithms give imperfect results.</a:t>
-            </a:r>
-          </a:p>
-          <a:p>
-            <a:pPr>
-              <a:buNone/>
-            </a:pPr>
-            <a:endParaRPr lang="en-GB" dirty="0" smtClean="0"/>
-          </a:p>
-          <a:p>
-            <a:pPr>
-              <a:buNone/>
-            </a:pPr>
+              <a:t>Implies no one method is perfect. </a:t>
+            </a:r>
             <a:endParaRPr lang="en-GB" dirty="0"/>
           </a:p>
         </p:txBody>
@@ -6355,11 +6469,18 @@
   <p:clrMapOvr>
     <a:masterClrMapping/>
   </p:clrMapOvr>
+  <p:timing>
+    <p:tnLst>
+      <p:par>
+        <p:cTn id="1" dur="indefinite" restart="never" nodeType="tmRoot"/>
+      </p:par>
+    </p:tnLst>
+  </p:timing>
 </p:sld>
 </file>
 
 <file path=ppt/slides/slide28.xml><?xml version="1.0" encoding="utf-8"?>
-<p:sld xmlns:a="http://schemas.openxmlformats.org/drawingml/2006/main" xmlns:r="http://schemas.openxmlformats.org/officeDocument/2006/relationships" xmlns:p="http://schemas.openxmlformats.org/presentationml/2006/main" showMasterSp="0">
+<p:sld xmlns:a="http://schemas.openxmlformats.org/drawingml/2006/main" xmlns:r="http://schemas.openxmlformats.org/officeDocument/2006/relationships" xmlns:p="http://schemas.openxmlformats.org/presentationml/2006/main">
   <p:cSld>
     <p:spTree>
       <p:nvGrpSpPr>
@@ -6387,14 +6508,75 @@
         </p:nvSpPr>
         <p:spPr/>
         <p:txBody>
-          <a:bodyPr/>
-          <a:lstStyle/>
-          <a:p>
-            <a:r>
-              <a:rPr lang="is-IS" dirty="0" smtClean="0"/>
-              <a:t>GUI</a:t>
-            </a:r>
-            <a:endParaRPr lang="is-IS" dirty="0"/>
+          <a:bodyPr>
+            <a:normAutofit fontScale="90000"/>
+          </a:bodyPr>
+          <a:lstStyle/>
+          <a:p>
+            <a:r>
+              <a:rPr lang="en-GB" dirty="0" smtClean="0"/>
+              <a:t>Limitations of Algorithms: Occlusion Detection</a:t>
+            </a:r>
+            <a:endParaRPr lang="en-GB" dirty="0"/>
+          </a:p>
+        </p:txBody>
+      </p:sp>
+      <p:sp>
+        <p:nvSpPr>
+          <p:cNvPr id="3" name="Content Placeholder 2"/>
+          <p:cNvSpPr>
+            <a:spLocks noGrp="1"/>
+          </p:cNvSpPr>
+          <p:nvPr>
+            <p:ph idx="1"/>
+          </p:nvPr>
+        </p:nvSpPr>
+        <p:spPr>
+          <a:xfrm>
+            <a:off x="457200" y="2214554"/>
+            <a:ext cx="8229600" cy="3911609"/>
+          </a:xfrm>
+        </p:spPr>
+        <p:txBody>
+          <a:bodyPr>
+            <a:normAutofit fontScale="92500" lnSpcReduction="10000"/>
+          </a:bodyPr>
+          <a:lstStyle/>
+          <a:p>
+            <a:r>
+              <a:rPr lang="en-GB" dirty="0" smtClean="0"/>
+              <a:t>No algorithm will detect, with 100% accuracy, all occlusions present in image.</a:t>
+            </a:r>
+          </a:p>
+          <a:p>
+            <a:r>
+              <a:rPr lang="en-GB" dirty="0" smtClean="0"/>
+              <a:t>Some invalid bits go undetected and are passed into Hamming algorithm as valid bits.</a:t>
+            </a:r>
+          </a:p>
+          <a:p>
+            <a:r>
+              <a:rPr lang="en-GB" dirty="0" smtClean="0"/>
+              <a:t>Cannot then get zero, even with two images of same iris.</a:t>
+            </a:r>
+          </a:p>
+          <a:p>
+            <a:r>
+              <a:rPr lang="en-GB" dirty="0" smtClean="0"/>
+              <a:t>Bottom line: imperfect algorithms give imperfect results.</a:t>
+            </a:r>
+          </a:p>
+          <a:p>
+            <a:pPr>
+              <a:buNone/>
+            </a:pPr>
+            <a:endParaRPr lang="en-GB" dirty="0" smtClean="0"/>
+          </a:p>
+          <a:p>
+            <a:pPr>
+              <a:buNone/>
+            </a:pPr>
+            <a:endParaRPr lang="en-GB" dirty="0"/>
           </a:p>
         </p:txBody>
       </p:sp>
@@ -6446,40 +6628,13 @@
           <a:lstStyle/>
           <a:p>
             <a:r>
-              <a:rPr lang="en-GB" dirty="0" smtClean="0"/>
-              <a:t>Results </a:t>
-            </a:r>
-            <a:r>
-              <a:rPr lang="en-GB" dirty="0" err="1" smtClean="0"/>
-              <a:t>Daugman</a:t>
-            </a:r>
-            <a:endParaRPr lang="en-US" dirty="0"/>
-          </a:p>
-        </p:txBody>
-      </p:sp>
-      <p:pic>
-        <p:nvPicPr>
-          <p:cNvPr id="4" name="Content Placeholder 3" descr="Daugman1.png"/>
-          <p:cNvPicPr>
-            <a:picLocks noGrp="1" noChangeAspect="1"/>
-          </p:cNvPicPr>
-          <p:nvPr>
-            <p:ph idx="1"/>
-          </p:nvPr>
-        </p:nvPicPr>
-        <p:blipFill>
-          <a:blip r:embed="rId2"/>
-          <a:stretch>
-            <a:fillRect/>
-          </a:stretch>
-        </p:blipFill>
-        <p:spPr>
-          <a:xfrm>
-            <a:off x="2172694" y="1600200"/>
-            <a:ext cx="4798611" cy="4525963"/>
-          </a:xfrm>
-        </p:spPr>
-      </p:pic>
+              <a:rPr lang="is-IS" dirty="0" smtClean="0"/>
+              <a:t>GUI</a:t>
+            </a:r>
+            <a:endParaRPr lang="is-IS" dirty="0"/>
+          </a:p>
+        </p:txBody>
+      </p:sp>
     </p:spTree>
   </p:cSld>
   <p:clrMapOvr>
@@ -6529,7 +6684,7 @@
           <a:p>
             <a:r>
               <a:rPr lang="en-GB" dirty="0" smtClean="0"/>
-              <a:t>Introduction - Motivation</a:t>
+              <a:t>Iris Recognition</a:t>
             </a:r>
             <a:endParaRPr lang="en-US" dirty="0"/>
           </a:p>
@@ -6547,18 +6702,56 @@
         </p:nvSpPr>
         <p:spPr/>
         <p:txBody>
-          <a:bodyPr/>
+          <a:bodyPr>
+            <a:normAutofit lnSpcReduction="10000"/>
+          </a:bodyPr>
           <a:lstStyle/>
           <a:p>
             <a:r>
               <a:rPr lang="en-GB" dirty="0" smtClean="0"/>
-              <a:t>Iris is good for identification</a:t>
+              <a:t>Introduction</a:t>
             </a:r>
           </a:p>
           <a:p>
             <a:r>
               <a:rPr lang="en-GB" dirty="0" smtClean="0"/>
-              <a:t>Low correlation</a:t>
+              <a:t>Iris location</a:t>
+            </a:r>
+          </a:p>
+          <a:p>
+            <a:r>
+              <a:rPr lang="en-GB" dirty="0" smtClean="0"/>
+              <a:t>Unwrapping</a:t>
+            </a:r>
+          </a:p>
+          <a:p>
+            <a:r>
+              <a:rPr lang="en-GB" dirty="0" smtClean="0"/>
+              <a:t>Bit-code generation</a:t>
+            </a:r>
+          </a:p>
+          <a:p>
+            <a:r>
+              <a:rPr lang="en-GB" dirty="0" smtClean="0"/>
+              <a:t>Database access</a:t>
+            </a:r>
+          </a:p>
+          <a:p>
+            <a:r>
+              <a:rPr lang="en-GB" dirty="0" smtClean="0"/>
+              <a:t>Hamming distance</a:t>
+            </a:r>
+          </a:p>
+          <a:p>
+            <a:r>
+              <a:rPr lang="en-GB" dirty="0" smtClean="0"/>
+              <a:t>Demonstration</a:t>
+            </a:r>
+          </a:p>
+          <a:p>
+            <a:r>
+              <a:rPr lang="en-GB" dirty="0" smtClean="0"/>
+              <a:t>Results and conclusions</a:t>
             </a:r>
             <a:endParaRPr lang="en-US" dirty="0"/>
           </a:p>
@@ -6613,7 +6806,11 @@
           <a:p>
             <a:r>
               <a:rPr lang="en-GB" dirty="0" smtClean="0"/>
-              <a:t>Results One Eye</a:t>
+              <a:t>Results </a:t>
+            </a:r>
+            <a:r>
+              <a:rPr lang="en-GB" dirty="0" err="1" smtClean="0"/>
+              <a:t>Daugman</a:t>
             </a:r>
             <a:endParaRPr lang="en-US" dirty="0"/>
           </a:p>
@@ -6621,7 +6818,7 @@
       </p:sp>
       <p:pic>
         <p:nvPicPr>
-          <p:cNvPr id="6" name="Content Placeholder 5" descr="best_single.png"/>
+          <p:cNvPr id="6" name="Content Placeholder 5" descr="Daugman1.png"/>
           <p:cNvPicPr>
             <a:picLocks noGrp="1" noChangeAspect="1"/>
           </p:cNvPicPr>
@@ -6637,8 +6834,8 @@
         </p:blipFill>
         <p:spPr>
           <a:xfrm>
-            <a:off x="1726953" y="1729396"/>
-            <a:ext cx="5690093" cy="4267570"/>
+            <a:off x="2172694" y="1600200"/>
+            <a:ext cx="4798611" cy="4525963"/>
           </a:xfrm>
         </p:spPr>
       </p:pic>
@@ -6691,7 +6888,7 @@
           <a:p>
             <a:r>
               <a:rPr lang="en-GB" dirty="0" smtClean="0"/>
-              <a:t>Results Two Eyes</a:t>
+              <a:t>Results One Eye</a:t>
             </a:r>
             <a:endParaRPr lang="en-US" dirty="0"/>
           </a:p>
@@ -6699,7 +6896,7 @@
       </p:sp>
       <p:pic>
         <p:nvPicPr>
-          <p:cNvPr id="5" name="Content Placeholder 4" descr="best_twoEyes.png"/>
+          <p:cNvPr id="6" name="Content Placeholder 5" descr="best_single.png"/>
           <p:cNvPicPr>
             <a:picLocks noGrp="1" noChangeAspect="1"/>
           </p:cNvPicPr>
@@ -6736,84 +6933,6 @@
 </file>
 
 <file path=ppt/slides/slide32.xml><?xml version="1.0" encoding="utf-8"?>
-<p:sld xmlns:a="http://schemas.openxmlformats.org/drawingml/2006/main" xmlns:r="http://schemas.openxmlformats.org/officeDocument/2006/relationships" xmlns:p="http://schemas.openxmlformats.org/presentationml/2006/main">
-  <p:cSld>
-    <p:spTree>
-      <p:nvGrpSpPr>
-        <p:cNvPr id="1" name=""/>
-        <p:cNvGrpSpPr/>
-        <p:nvPr/>
-      </p:nvGrpSpPr>
-      <p:grpSpPr>
-        <a:xfrm>
-          <a:off x="0" y="0"/>
-          <a:ext cx="0" cy="0"/>
-          <a:chOff x="0" y="0"/>
-          <a:chExt cx="0" cy="0"/>
-        </a:xfrm>
-      </p:grpSpPr>
-      <p:sp>
-        <p:nvSpPr>
-          <p:cNvPr id="2" name="Title 1"/>
-          <p:cNvSpPr>
-            <a:spLocks noGrp="1"/>
-          </p:cNvSpPr>
-          <p:nvPr>
-            <p:ph type="title"/>
-          </p:nvPr>
-        </p:nvSpPr>
-        <p:spPr/>
-        <p:txBody>
-          <a:bodyPr/>
-          <a:lstStyle/>
-          <a:p>
-            <a:r>
-              <a:rPr lang="en-GB" dirty="0" smtClean="0"/>
-              <a:t>Spot the difference...</a:t>
-            </a:r>
-            <a:endParaRPr lang="en-US" dirty="0"/>
-          </a:p>
-        </p:txBody>
-      </p:sp>
-      <p:pic>
-        <p:nvPicPr>
-          <p:cNvPr id="4" name="Content Placeholder 3" descr="Gabor_vs_Gauss.png"/>
-          <p:cNvPicPr>
-            <a:picLocks noGrp="1" noChangeAspect="1"/>
-          </p:cNvPicPr>
-          <p:nvPr>
-            <p:ph idx="1"/>
-          </p:nvPr>
-        </p:nvPicPr>
-        <p:blipFill>
-          <a:blip r:embed="rId2"/>
-          <a:stretch>
-            <a:fillRect/>
-          </a:stretch>
-        </p:blipFill>
-        <p:spPr>
-          <a:xfrm>
-            <a:off x="1219200" y="1600200"/>
-            <a:ext cx="7460486" cy="4525963"/>
-          </a:xfrm>
-        </p:spPr>
-      </p:pic>
-    </p:spTree>
-  </p:cSld>
-  <p:clrMapOvr>
-    <a:masterClrMapping/>
-  </p:clrMapOvr>
-  <p:timing>
-    <p:tnLst>
-      <p:par>
-        <p:cTn id="1" dur="indefinite" restart="never" nodeType="tmRoot"/>
-      </p:par>
-    </p:tnLst>
-  </p:timing>
-</p:sld>
-</file>
-
-<file path=ppt/slides/slide33.xml><?xml version="1.0" encoding="utf-8"?>
 <p:sld xmlns:a="http://schemas.openxmlformats.org/drawingml/2006/main" xmlns:r="http://schemas.openxmlformats.org/officeDocument/2006/relationships" xmlns:p="http://schemas.openxmlformats.org/presentationml/2006/main" showMasterSp="0">
   <p:cSld>
     <p:spTree>
@@ -6847,7 +6966,7 @@
           <a:p>
             <a:r>
               <a:rPr lang="en-GB" dirty="0" smtClean="0"/>
-              <a:t>Results Gaussian</a:t>
+              <a:t>Results Two Eyes</a:t>
             </a:r>
             <a:endParaRPr lang="en-US" dirty="0"/>
           </a:p>
@@ -6855,7 +6974,7 @@
       </p:sp>
       <p:pic>
         <p:nvPicPr>
-          <p:cNvPr id="7" name="Content Placeholder 6" descr="best_gaussian.png"/>
+          <p:cNvPr id="5" name="Content Placeholder 4" descr="best_twoEyes.png"/>
           <p:cNvPicPr>
             <a:picLocks noGrp="1" noChangeAspect="1"/>
           </p:cNvPicPr>
@@ -6891,7 +7010,7 @@
 </p:sld>
 </file>
 
-<file path=ppt/slides/slide34.xml><?xml version="1.0" encoding="utf-8"?>
+<file path=ppt/slides/slide33.xml><?xml version="1.0" encoding="utf-8"?>
 <p:sld xmlns:a="http://schemas.openxmlformats.org/drawingml/2006/main" xmlns:r="http://schemas.openxmlformats.org/officeDocument/2006/relationships" xmlns:p="http://schemas.openxmlformats.org/presentationml/2006/main">
   <p:cSld>
     <p:spTree>
@@ -6925,63 +7044,125 @@
           <a:p>
             <a:r>
               <a:rPr lang="en-GB" dirty="0" smtClean="0"/>
-              <a:t>Conclusion</a:t>
+              <a:t>Spot the difference...</a:t>
             </a:r>
             <a:endParaRPr lang="en-US" dirty="0"/>
           </a:p>
         </p:txBody>
       </p:sp>
-      <p:sp>
-        <p:nvSpPr>
-          <p:cNvPr id="3" name="Content Placeholder 2"/>
-          <p:cNvSpPr>
-            <a:spLocks noGrp="1"/>
-          </p:cNvSpPr>
+      <p:pic>
+        <p:nvPicPr>
+          <p:cNvPr id="6" name="Content Placeholder 5" descr="Gabor_vs_Gauss.png"/>
+          <p:cNvPicPr>
+            <a:picLocks noGrp="1" noChangeAspect="1"/>
+          </p:cNvPicPr>
           <p:nvPr>
             <p:ph idx="1"/>
           </p:nvPr>
-        </p:nvSpPr>
-        <p:spPr/>
-        <p:txBody>
-          <a:bodyPr/>
-          <a:lstStyle/>
-          <a:p>
-            <a:endParaRPr lang="en-GB" dirty="0" smtClean="0"/>
-          </a:p>
-          <a:p>
-            <a:r>
-              <a:rPr lang="en-GB" dirty="0" smtClean="0"/>
-              <a:t>The team produced much more than any one individual could have in the time</a:t>
-            </a:r>
-          </a:p>
-          <a:p>
-            <a:r>
-              <a:rPr lang="en-GB" dirty="0" smtClean="0"/>
-              <a:t>There is a lot still to learn...</a:t>
-            </a:r>
-          </a:p>
-          <a:p>
-            <a:r>
-              <a:rPr lang="en-GB" dirty="0" smtClean="0"/>
-              <a:t>...good start understanding Iris Recognition...</a:t>
-            </a:r>
-          </a:p>
-          <a:p>
-            <a:r>
-              <a:rPr lang="en-GB" dirty="0" smtClean="0"/>
-              <a:t>...and engineering software in teams</a:t>
-            </a:r>
-          </a:p>
-          <a:p>
-            <a:endParaRPr lang="en-US" dirty="0"/>
-          </a:p>
-        </p:txBody>
-      </p:sp>
+        </p:nvPicPr>
+        <p:blipFill>
+          <a:blip r:embed="rId2"/>
+          <a:stretch>
+            <a:fillRect/>
+          </a:stretch>
+        </p:blipFill>
+        <p:spPr>
+          <a:xfrm>
+            <a:off x="464313" y="1600200"/>
+            <a:ext cx="8215373" cy="4525963"/>
+          </a:xfrm>
+        </p:spPr>
+      </p:pic>
     </p:spTree>
   </p:cSld>
   <p:clrMapOvr>
     <a:masterClrMapping/>
   </p:clrMapOvr>
+  <p:timing>
+    <p:tnLst>
+      <p:par>
+        <p:cTn id="1" dur="indefinite" restart="never" nodeType="tmRoot"/>
+      </p:par>
+    </p:tnLst>
+  </p:timing>
+</p:sld>
+</file>
+
+<file path=ppt/slides/slide34.xml><?xml version="1.0" encoding="utf-8"?>
+<p:sld xmlns:a="http://schemas.openxmlformats.org/drawingml/2006/main" xmlns:r="http://schemas.openxmlformats.org/officeDocument/2006/relationships" xmlns:p="http://schemas.openxmlformats.org/presentationml/2006/main" showMasterSp="0">
+  <p:cSld>
+    <p:spTree>
+      <p:nvGrpSpPr>
+        <p:cNvPr id="1" name=""/>
+        <p:cNvGrpSpPr/>
+        <p:nvPr/>
+      </p:nvGrpSpPr>
+      <p:grpSpPr>
+        <a:xfrm>
+          <a:off x="0" y="0"/>
+          <a:ext cx="0" cy="0"/>
+          <a:chOff x="0" y="0"/>
+          <a:chExt cx="0" cy="0"/>
+        </a:xfrm>
+      </p:grpSpPr>
+      <p:sp>
+        <p:nvSpPr>
+          <p:cNvPr id="2" name="Title 1"/>
+          <p:cNvSpPr>
+            <a:spLocks noGrp="1"/>
+          </p:cNvSpPr>
+          <p:nvPr>
+            <p:ph type="title"/>
+          </p:nvPr>
+        </p:nvSpPr>
+        <p:spPr/>
+        <p:txBody>
+          <a:bodyPr/>
+          <a:lstStyle/>
+          <a:p>
+            <a:r>
+              <a:rPr lang="en-GB" dirty="0" smtClean="0"/>
+              <a:t>Results Gaussian</a:t>
+            </a:r>
+            <a:endParaRPr lang="en-US" dirty="0"/>
+          </a:p>
+        </p:txBody>
+      </p:sp>
+      <p:pic>
+        <p:nvPicPr>
+          <p:cNvPr id="7" name="Content Placeholder 6" descr="best_gaussian.png"/>
+          <p:cNvPicPr>
+            <a:picLocks noGrp="1" noChangeAspect="1"/>
+          </p:cNvPicPr>
+          <p:nvPr>
+            <p:ph idx="1"/>
+          </p:nvPr>
+        </p:nvPicPr>
+        <p:blipFill>
+          <a:blip r:embed="rId2"/>
+          <a:stretch>
+            <a:fillRect/>
+          </a:stretch>
+        </p:blipFill>
+        <p:spPr>
+          <a:xfrm>
+            <a:off x="1726953" y="1729396"/>
+            <a:ext cx="5690093" cy="4267570"/>
+          </a:xfrm>
+        </p:spPr>
+      </p:pic>
+    </p:spTree>
+  </p:cSld>
+  <p:clrMapOvr>
+    <a:masterClrMapping/>
+  </p:clrMapOvr>
+  <p:timing>
+    <p:tnLst>
+      <p:par>
+        <p:cTn id="1" dur="indefinite" restart="never" nodeType="tmRoot"/>
+      </p:par>
+    </p:tnLst>
+  </p:timing>
 </p:sld>
 </file>
 
@@ -7019,7 +7200,7 @@
           <a:p>
             <a:r>
               <a:rPr lang="en-GB" dirty="0" smtClean="0"/>
-              <a:t>Acknowledgements</a:t>
+              <a:t>Conclusion</a:t>
             </a:r>
             <a:endParaRPr lang="en-US" dirty="0"/>
           </a:p>
@@ -7040,88 +7221,34 @@
           <a:bodyPr/>
           <a:lstStyle/>
           <a:p>
-            <a:pPr>
-              <a:buNone/>
-            </a:pPr>
+            <a:endParaRPr lang="en-GB" dirty="0" smtClean="0"/>
+          </a:p>
+          <a:p>
             <a:r>
               <a:rPr lang="en-GB" dirty="0" smtClean="0"/>
-              <a:t>	Dr. Ashok Argent-</a:t>
-            </a:r>
-            <a:r>
-              <a:rPr lang="en-GB" dirty="0" err="1" smtClean="0"/>
-              <a:t>Katwala</a:t>
-            </a:r>
+              <a:t>The team produced much more than any one individual could have in the time</a:t>
+            </a:r>
+          </a:p>
+          <a:p>
             <a:r>
               <a:rPr lang="en-GB" dirty="0" smtClean="0"/>
-              <a:t> </a:t>
-            </a:r>
-            <a:endParaRPr lang="en-US" dirty="0" smtClean="0"/>
-          </a:p>
-          <a:p>
-            <a:pPr>
-              <a:buNone/>
-            </a:pPr>
-            <a:r>
-              <a:rPr lang="en-GB" sz="2400" dirty="0" smtClean="0"/>
-              <a:t>	Supervisor</a:t>
-            </a:r>
-          </a:p>
-          <a:p>
-            <a:pPr>
-              <a:buNone/>
-            </a:pPr>
-            <a:endParaRPr lang="en-GB" dirty="0" smtClean="0"/>
-          </a:p>
-          <a:p>
-            <a:pPr>
-              <a:buNone/>
-            </a:pPr>
+              <a:t>There is a lot still to learn...</a:t>
+            </a:r>
+          </a:p>
+          <a:p>
             <a:r>
               <a:rPr lang="en-GB" dirty="0" smtClean="0"/>
-              <a:t>	Professor Duncan </a:t>
-            </a:r>
-            <a:r>
-              <a:rPr lang="en-GB" dirty="0" err="1" smtClean="0"/>
-              <a:t>Gillies</a:t>
-            </a:r>
-            <a:endParaRPr lang="en-GB" dirty="0" smtClean="0"/>
-          </a:p>
-          <a:p>
-            <a:pPr>
-              <a:buNone/>
-            </a:pPr>
-            <a:r>
-              <a:rPr lang="en-GB" sz="2400" dirty="0" smtClean="0"/>
-              <a:t>	Additional advice</a:t>
-            </a:r>
-          </a:p>
-          <a:p>
-            <a:pPr>
-              <a:buNone/>
-            </a:pPr>
-            <a:endParaRPr lang="en-GB" sz="2400" dirty="0" smtClean="0"/>
-          </a:p>
-          <a:p>
-            <a:pPr>
-              <a:buNone/>
-            </a:pPr>
-            <a:r>
-              <a:rPr lang="en-GB" sz="2400" dirty="0" smtClean="0"/>
-              <a:t>	</a:t>
-            </a:r>
+              <a:t>...good start understanding Iris Recognition...</a:t>
+            </a:r>
+          </a:p>
+          <a:p>
             <a:r>
               <a:rPr lang="en-GB" dirty="0" smtClean="0"/>
-              <a:t>David McBride</a:t>
-            </a:r>
-          </a:p>
-          <a:p>
-            <a:pPr>
-              <a:buNone/>
-            </a:pPr>
-            <a:r>
-              <a:rPr lang="en-GB" sz="2400" dirty="0" smtClean="0"/>
-              <a:t>	Help with Condor</a:t>
-            </a:r>
+              <a:t>...and engineering software in teams</a:t>
+            </a:r>
+          </a:p>
+          <a:p>
+            <a:endParaRPr lang="en-US" dirty="0"/>
           </a:p>
         </p:txBody>
       </p:sp>
@@ -7134,6 +7261,154 @@
 </file>
 
 <file path=ppt/slides/slide36.xml><?xml version="1.0" encoding="utf-8"?>
+<p:sld xmlns:a="http://schemas.openxmlformats.org/drawingml/2006/main" xmlns:r="http://schemas.openxmlformats.org/officeDocument/2006/relationships" xmlns:p="http://schemas.openxmlformats.org/presentationml/2006/main">
+  <p:cSld>
+    <p:spTree>
+      <p:nvGrpSpPr>
+        <p:cNvPr id="1" name=""/>
+        <p:cNvGrpSpPr/>
+        <p:nvPr/>
+      </p:nvGrpSpPr>
+      <p:grpSpPr>
+        <a:xfrm>
+          <a:off x="0" y="0"/>
+          <a:ext cx="0" cy="0"/>
+          <a:chOff x="0" y="0"/>
+          <a:chExt cx="0" cy="0"/>
+        </a:xfrm>
+      </p:grpSpPr>
+      <p:sp>
+        <p:nvSpPr>
+          <p:cNvPr id="2" name="Title 1"/>
+          <p:cNvSpPr>
+            <a:spLocks noGrp="1"/>
+          </p:cNvSpPr>
+          <p:nvPr>
+            <p:ph type="title"/>
+          </p:nvPr>
+        </p:nvSpPr>
+        <p:spPr/>
+        <p:txBody>
+          <a:bodyPr/>
+          <a:lstStyle/>
+          <a:p>
+            <a:r>
+              <a:rPr lang="en-GB" dirty="0" smtClean="0"/>
+              <a:t>Acknowledgements</a:t>
+            </a:r>
+            <a:endParaRPr lang="en-US" dirty="0"/>
+          </a:p>
+        </p:txBody>
+      </p:sp>
+      <p:sp>
+        <p:nvSpPr>
+          <p:cNvPr id="3" name="Content Placeholder 2"/>
+          <p:cNvSpPr>
+            <a:spLocks noGrp="1"/>
+          </p:cNvSpPr>
+          <p:nvPr>
+            <p:ph idx="1"/>
+          </p:nvPr>
+        </p:nvSpPr>
+        <p:spPr/>
+        <p:txBody>
+          <a:bodyPr/>
+          <a:lstStyle/>
+          <a:p>
+            <a:pPr>
+              <a:buNone/>
+            </a:pPr>
+            <a:r>
+              <a:rPr lang="en-GB" dirty="0" smtClean="0"/>
+              <a:t>	Dr. Ashok Argent-</a:t>
+            </a:r>
+            <a:r>
+              <a:rPr lang="en-GB" dirty="0" err="1" smtClean="0"/>
+              <a:t>Katwala</a:t>
+            </a:r>
+            <a:r>
+              <a:rPr lang="en-GB" dirty="0" smtClean="0"/>
+              <a:t> </a:t>
+            </a:r>
+            <a:endParaRPr lang="en-US" dirty="0" smtClean="0"/>
+          </a:p>
+          <a:p>
+            <a:pPr>
+              <a:buNone/>
+            </a:pPr>
+            <a:r>
+              <a:rPr lang="en-GB" sz="2400" dirty="0" smtClean="0"/>
+              <a:t>	Supervisor</a:t>
+            </a:r>
+          </a:p>
+          <a:p>
+            <a:pPr>
+              <a:buNone/>
+            </a:pPr>
+            <a:endParaRPr lang="en-GB" dirty="0" smtClean="0"/>
+          </a:p>
+          <a:p>
+            <a:pPr>
+              <a:buNone/>
+            </a:pPr>
+            <a:r>
+              <a:rPr lang="en-GB" dirty="0" smtClean="0"/>
+              <a:t>	Professor Duncan </a:t>
+            </a:r>
+            <a:r>
+              <a:rPr lang="en-GB" dirty="0" err="1" smtClean="0"/>
+              <a:t>Gillies</a:t>
+            </a:r>
+            <a:endParaRPr lang="en-GB" dirty="0" smtClean="0"/>
+          </a:p>
+          <a:p>
+            <a:pPr>
+              <a:buNone/>
+            </a:pPr>
+            <a:r>
+              <a:rPr lang="en-GB" sz="2400" dirty="0" smtClean="0"/>
+              <a:t>	Additional advice</a:t>
+            </a:r>
+          </a:p>
+          <a:p>
+            <a:pPr>
+              <a:buNone/>
+            </a:pPr>
+            <a:endParaRPr lang="en-GB" sz="2400" dirty="0" smtClean="0"/>
+          </a:p>
+          <a:p>
+            <a:pPr>
+              <a:buNone/>
+            </a:pPr>
+            <a:r>
+              <a:rPr lang="en-GB" sz="2400" dirty="0" smtClean="0"/>
+              <a:t>	</a:t>
+            </a:r>
+            <a:r>
+              <a:rPr lang="en-GB" dirty="0" smtClean="0"/>
+              <a:t>David McBride</a:t>
+            </a:r>
+          </a:p>
+          <a:p>
+            <a:pPr>
+              <a:buNone/>
+            </a:pPr>
+            <a:r>
+              <a:rPr lang="en-GB" sz="2400" dirty="0" smtClean="0"/>
+              <a:t>	Help with Condor</a:t>
+            </a:r>
+          </a:p>
+        </p:txBody>
+      </p:sp>
+    </p:spTree>
+  </p:cSld>
+  <p:clrMapOvr>
+    <a:masterClrMapping/>
+  </p:clrMapOvr>
+</p:sld>
+</file>
+
+<file path=ppt/slides/slide37.xml><?xml version="1.0" encoding="utf-8"?>
 <p:sld xmlns:a="http://schemas.openxmlformats.org/drawingml/2006/main" xmlns:r="http://schemas.openxmlformats.org/officeDocument/2006/relationships" xmlns:p="http://schemas.openxmlformats.org/presentationml/2006/main">
   <p:cSld>
     <p:spTree>
@@ -7435,7 +7710,7 @@
           <a:p>
             <a:r>
               <a:rPr lang="en-GB" dirty="0" smtClean="0"/>
-              <a:t>Introduction</a:t>
+              <a:t>Introduction - Motivation</a:t>
             </a:r>
             <a:endParaRPr lang="en-US" dirty="0"/>
           </a:p>
@@ -7456,26 +7731,16 @@
           <a:bodyPr/>
           <a:lstStyle/>
           <a:p>
-            <a:endParaRPr lang="en-GB" dirty="0" smtClean="0"/>
-          </a:p>
-          <a:p>
             <a:r>
               <a:rPr lang="en-GB" dirty="0" smtClean="0"/>
-              <a:t>John </a:t>
-            </a:r>
-            <a:r>
-              <a:rPr lang="en-GB" dirty="0" err="1" smtClean="0"/>
-              <a:t>Daugman</a:t>
-            </a:r>
-            <a:endParaRPr lang="en-GB" dirty="0" smtClean="0"/>
+              <a:t>Iris is good for identification</a:t>
+            </a:r>
           </a:p>
           <a:p>
             <a:r>
               <a:rPr lang="en-GB" dirty="0" smtClean="0"/>
-              <a:t>Dennis Gabor</a:t>
-            </a:r>
-          </a:p>
-          <a:p>
+              <a:t>Low correlation</a:t>
+            </a:r>
             <a:endParaRPr lang="en-US" dirty="0"/>
           </a:p>
         </p:txBody>
@@ -7496,6 +7761,100 @@
 </file>
 
 <file path=ppt/slides/slide5.xml><?xml version="1.0" encoding="utf-8"?>
+<p:sld xmlns:a="http://schemas.openxmlformats.org/drawingml/2006/main" xmlns:r="http://schemas.openxmlformats.org/officeDocument/2006/relationships" xmlns:p="http://schemas.openxmlformats.org/presentationml/2006/main" showMasterSp="0">
+  <p:cSld>
+    <p:spTree>
+      <p:nvGrpSpPr>
+        <p:cNvPr id="1" name=""/>
+        <p:cNvGrpSpPr/>
+        <p:nvPr/>
+      </p:nvGrpSpPr>
+      <p:grpSpPr>
+        <a:xfrm>
+          <a:off x="0" y="0"/>
+          <a:ext cx="0" cy="0"/>
+          <a:chOff x="0" y="0"/>
+          <a:chExt cx="0" cy="0"/>
+        </a:xfrm>
+      </p:grpSpPr>
+      <p:sp>
+        <p:nvSpPr>
+          <p:cNvPr id="2" name="Title 1"/>
+          <p:cNvSpPr>
+            <a:spLocks noGrp="1"/>
+          </p:cNvSpPr>
+          <p:nvPr>
+            <p:ph type="title"/>
+          </p:nvPr>
+        </p:nvSpPr>
+        <p:spPr/>
+        <p:txBody>
+          <a:bodyPr/>
+          <a:lstStyle/>
+          <a:p>
+            <a:r>
+              <a:rPr lang="en-GB" dirty="0" smtClean="0"/>
+              <a:t>Introduction</a:t>
+            </a:r>
+            <a:endParaRPr lang="en-US" dirty="0"/>
+          </a:p>
+        </p:txBody>
+      </p:sp>
+      <p:sp>
+        <p:nvSpPr>
+          <p:cNvPr id="3" name="Content Placeholder 2"/>
+          <p:cNvSpPr>
+            <a:spLocks noGrp="1"/>
+          </p:cNvSpPr>
+          <p:nvPr>
+            <p:ph idx="1"/>
+          </p:nvPr>
+        </p:nvSpPr>
+        <p:spPr/>
+        <p:txBody>
+          <a:bodyPr/>
+          <a:lstStyle/>
+          <a:p>
+            <a:endParaRPr lang="en-GB" dirty="0" smtClean="0"/>
+          </a:p>
+          <a:p>
+            <a:r>
+              <a:rPr lang="en-GB" dirty="0" smtClean="0"/>
+              <a:t>John </a:t>
+            </a:r>
+            <a:r>
+              <a:rPr lang="en-GB" dirty="0" err="1" smtClean="0"/>
+              <a:t>Daugman</a:t>
+            </a:r>
+            <a:endParaRPr lang="en-GB" dirty="0" smtClean="0"/>
+          </a:p>
+          <a:p>
+            <a:r>
+              <a:rPr lang="en-GB" dirty="0" smtClean="0"/>
+              <a:t>Dennis Gabor</a:t>
+            </a:r>
+          </a:p>
+          <a:p>
+            <a:endParaRPr lang="en-US" dirty="0"/>
+          </a:p>
+        </p:txBody>
+      </p:sp>
+    </p:spTree>
+  </p:cSld>
+  <p:clrMapOvr>
+    <a:masterClrMapping/>
+  </p:clrMapOvr>
+  <p:timing>
+    <p:tnLst>
+      <p:par>
+        <p:cTn id="1" dur="indefinite" restart="never" nodeType="tmRoot"/>
+      </p:par>
+    </p:tnLst>
+  </p:timing>
+</p:sld>
+</file>
+
+<file path=ppt/slides/slide6.xml><?xml version="1.0" encoding="utf-8"?>
 <p:sld xmlns:a="http://schemas.openxmlformats.org/drawingml/2006/main" xmlns:r="http://schemas.openxmlformats.org/officeDocument/2006/relationships" xmlns:p="http://schemas.openxmlformats.org/presentationml/2006/main" showMasterSp="0">
   <p:cSld>
     <p:spTree>
@@ -7586,7 +7945,7 @@
 </p:sld>
 </file>
 
-<file path=ppt/slides/slide6.xml><?xml version="1.0" encoding="utf-8"?>
+<file path=ppt/slides/slide7.xml><?xml version="1.0" encoding="utf-8"?>
 <p:sld xmlns:a="http://schemas.openxmlformats.org/drawingml/2006/main" xmlns:r="http://schemas.openxmlformats.org/officeDocument/2006/relationships" xmlns:p="http://schemas.openxmlformats.org/presentationml/2006/main" showMasterSp="0">
   <p:cSld>
     <p:spTree>
@@ -7750,97 +8109,6 @@
           <a:prstGeom prst="rect">
             <a:avLst/>
           </a:prstGeom>
-        </p:spPr>
-      </p:pic>
-    </p:spTree>
-  </p:cSld>
-  <p:clrMapOvr>
-    <a:masterClrMapping/>
-  </p:clrMapOvr>
-  <p:timing>
-    <p:tnLst>
-      <p:par>
-        <p:cTn id="1" dur="indefinite" restart="never" nodeType="tmRoot"/>
-      </p:par>
-    </p:tnLst>
-  </p:timing>
-</p:sld>
-</file>
-
-<file path=ppt/slides/slide7.xml><?xml version="1.0" encoding="utf-8"?>
-<p:sld xmlns:a="http://schemas.openxmlformats.org/drawingml/2006/main" xmlns:r="http://schemas.openxmlformats.org/officeDocument/2006/relationships" xmlns:p="http://schemas.openxmlformats.org/presentationml/2006/main" showMasterSp="0">
-  <p:cSld>
-    <p:spTree>
-      <p:nvGrpSpPr>
-        <p:cNvPr id="1" name=""/>
-        <p:cNvGrpSpPr/>
-        <p:nvPr/>
-      </p:nvGrpSpPr>
-      <p:grpSpPr>
-        <a:xfrm>
-          <a:off x="0" y="0"/>
-          <a:ext cx="0" cy="0"/>
-          <a:chOff x="0" y="0"/>
-          <a:chExt cx="0" cy="0"/>
-        </a:xfrm>
-      </p:grpSpPr>
-      <p:sp>
-        <p:nvSpPr>
-          <p:cNvPr id="2" name="Title 1"/>
-          <p:cNvSpPr>
-            <a:spLocks noGrp="1"/>
-          </p:cNvSpPr>
-          <p:nvPr>
-            <p:ph type="title"/>
-          </p:nvPr>
-        </p:nvSpPr>
-        <p:spPr/>
-        <p:txBody>
-          <a:bodyPr/>
-          <a:lstStyle/>
-          <a:p>
-            <a:r>
-              <a:rPr lang="en-GB" dirty="0" smtClean="0"/>
-              <a:t>Iris Location</a:t>
-            </a:r>
-            <a:endParaRPr lang="en-US" dirty="0"/>
-          </a:p>
-        </p:txBody>
-      </p:sp>
-      <p:pic>
-        <p:nvPicPr>
-          <p:cNvPr id="4" name="Content Placeholder 3"/>
-          <p:cNvPicPr>
-            <a:picLocks noGrp="1"/>
-          </p:cNvPicPr>
-          <p:nvPr>
-            <p:ph idx="1"/>
-          </p:nvPr>
-        </p:nvPicPr>
-        <p:blipFill>
-          <a:blip r:embed="rId2"/>
-          <a:srcRect/>
-          <a:stretch>
-            <a:fillRect/>
-          </a:stretch>
-        </p:blipFill>
-        <p:spPr bwMode="auto">
-          <a:xfrm>
-            <a:off x="3048000" y="2529681"/>
-            <a:ext cx="3048000" cy="2667000"/>
-          </a:xfrm>
-          <a:prstGeom prst="rect">
-            <a:avLst/>
-          </a:prstGeom>
-          <a:solidFill>
-            <a:srgbClr val="FFFFFF"/>
-          </a:solidFill>
-          <a:ln w="9525">
-            <a:noFill/>
-            <a:miter lim="800000"/>
-            <a:headEnd/>
-            <a:tailEnd/>
-          </a:ln>
         </p:spPr>
       </p:pic>
     </p:spTree>
@@ -7982,114 +8250,22 @@
           <a:lstStyle/>
           <a:p>
             <a:r>
-              <a:rPr lang="is-IS" dirty="0" smtClean="0"/>
-              <a:t>Unwrapping the iris</a:t>
-            </a:r>
-            <a:endParaRPr lang="is-IS" dirty="0"/>
-          </a:p>
-        </p:txBody>
-      </p:sp>
-      <p:sp>
-        <p:nvSpPr>
-          <p:cNvPr id="10" name="TextBox 9"/>
-          <p:cNvSpPr txBox="1"/>
-          <p:nvPr/>
-        </p:nvSpPr>
-        <p:spPr>
-          <a:xfrm>
-            <a:off x="642910" y="1630908"/>
-            <a:ext cx="2834622" cy="461665"/>
-          </a:xfrm>
-          <a:prstGeom prst="rect">
-            <a:avLst/>
-          </a:prstGeom>
-          <a:noFill/>
-        </p:spPr>
-        <p:txBody>
-          <a:bodyPr wrap="none" rtlCol="0">
-            <a:spAutoFit/>
-          </a:bodyPr>
-          <a:lstStyle/>
-          <a:p>
-            <a:r>
-              <a:rPr lang="is-IS" sz="2400" dirty="0" smtClean="0"/>
-              <a:t>We want to turn this:</a:t>
-            </a:r>
-            <a:endParaRPr lang="is-IS" sz="2400" dirty="0"/>
-          </a:p>
-        </p:txBody>
-      </p:sp>
-      <p:sp>
-        <p:nvSpPr>
-          <p:cNvPr id="12" name="TextBox 11"/>
-          <p:cNvSpPr txBox="1"/>
-          <p:nvPr/>
-        </p:nvSpPr>
-        <p:spPr>
-          <a:xfrm>
-            <a:off x="5214942" y="1630908"/>
-            <a:ext cx="1581395" cy="461665"/>
-          </a:xfrm>
-          <a:prstGeom prst="rect">
-            <a:avLst/>
-          </a:prstGeom>
-          <a:noFill/>
-        </p:spPr>
-        <p:txBody>
-          <a:bodyPr wrap="none" rtlCol="0">
-            <a:spAutoFit/>
-          </a:bodyPr>
-          <a:lstStyle/>
-          <a:p>
-            <a:r>
-              <a:rPr lang="is-IS" sz="2400" dirty="0" smtClean="0"/>
-              <a:t>... into this:</a:t>
-            </a:r>
-            <a:endParaRPr lang="is-IS" sz="2400" dirty="0"/>
-          </a:p>
-        </p:txBody>
-      </p:sp>
-      <p:sp>
-        <p:nvSpPr>
-          <p:cNvPr id="13" name="TextBox 12"/>
-          <p:cNvSpPr txBox="1"/>
-          <p:nvPr/>
-        </p:nvSpPr>
-        <p:spPr>
-          <a:xfrm>
-            <a:off x="857224" y="4857760"/>
-            <a:ext cx="7715304" cy="954107"/>
-          </a:xfrm>
-          <a:prstGeom prst="rect">
-            <a:avLst/>
-          </a:prstGeom>
-          <a:noFill/>
-        </p:spPr>
-        <p:txBody>
-          <a:bodyPr wrap="square" rtlCol="0">
-            <a:spAutoFit/>
-          </a:bodyPr>
-          <a:lstStyle/>
-          <a:p>
-            <a:r>
-              <a:rPr lang="is-IS" sz="2800" b="1" dirty="0" smtClean="0"/>
-              <a:t>Why?</a:t>
-            </a:r>
-          </a:p>
-          <a:p>
-            <a:r>
-              <a:rPr lang="is-IS" sz="2800" dirty="0" smtClean="0"/>
-              <a:t>Because it’s computationally cheaper to work with</a:t>
-            </a:r>
-            <a:endParaRPr lang="is-IS" sz="2800" dirty="0"/>
+              <a:rPr lang="en-GB" dirty="0" smtClean="0"/>
+              <a:t>Iris Location</a:t>
+            </a:r>
+            <a:endParaRPr lang="en-US" dirty="0"/>
           </a:p>
         </p:txBody>
       </p:sp>
       <p:pic>
         <p:nvPicPr>
-          <p:cNvPr id="8" name="Picture 7" descr="OriginalWithGuides.jpg"/>
-          <p:cNvPicPr/>
-          <p:nvPr/>
+          <p:cNvPr id="4" name="Content Placeholder 3"/>
+          <p:cNvPicPr>
+            <a:picLocks noGrp="1"/>
+          </p:cNvPicPr>
+          <p:nvPr>
+            <p:ph idx="1"/>
+          </p:nvPr>
         </p:nvPicPr>
         <p:blipFill>
           <a:blip r:embed="rId2"/>
@@ -8100,43 +8276,15 @@
         </p:blipFill>
         <p:spPr bwMode="auto">
           <a:xfrm>
-            <a:off x="762000" y="2286001"/>
-            <a:ext cx="2514599" cy="2195246"/>
+            <a:off x="3048000" y="2529681"/>
+            <a:ext cx="3048000" cy="2667000"/>
           </a:xfrm>
           <a:prstGeom prst="rect">
             <a:avLst/>
           </a:prstGeom>
-          <a:noFill/>
-          <a:ln w="9525">
-            <a:noFill/>
-            <a:miter lim="800000"/>
-            <a:headEnd/>
-            <a:tailEnd/>
-          </a:ln>
-        </p:spPr>
-      </p:pic>
-      <p:pic>
-        <p:nvPicPr>
-          <p:cNvPr id="9" name="Picture 8" descr="unwrappedWithGuides.jpg"/>
-          <p:cNvPicPr/>
-          <p:nvPr/>
-        </p:nvPicPr>
-        <p:blipFill>
-          <a:blip r:embed="rId3"/>
-          <a:srcRect/>
-          <a:stretch>
-            <a:fillRect/>
-          </a:stretch>
-        </p:blipFill>
-        <p:spPr bwMode="auto">
-          <a:xfrm>
-            <a:off x="3429000" y="2286000"/>
-            <a:ext cx="5303520" cy="1322957"/>
-          </a:xfrm>
-          <a:prstGeom prst="rect">
-            <a:avLst/>
-          </a:prstGeom>
-          <a:noFill/>
+          <a:solidFill>
+            <a:srgbClr val="FFFFFF"/>
+          </a:solidFill>
           <a:ln w="9525">
             <a:noFill/>
             <a:miter lim="800000"/>
